--- a/Slides/9 布料 new/布料.pptx
+++ b/Slides/9 布料 new/布料.pptx
@@ -2,7 +2,7 @@
 <file path=ppt/presentation.xml><?xml version="1.0" encoding="utf-8"?>
 <p:presentation xmlns:a="http://schemas.openxmlformats.org/drawingml/2006/main" xmlns:r="http://schemas.openxmlformats.org/officeDocument/2006/relationships" xmlns:p="http://schemas.openxmlformats.org/presentationml/2006/main" saveSubsetFonts="1">
   <p:sldMasterIdLst>
-    <p:sldMasterId id="2147483648" r:id="rId1"/>
+    <p:sldMasterId id="2147483660" r:id="rId1"/>
   </p:sldMasterIdLst>
   <p:notesMasterIdLst>
     <p:notesMasterId r:id="rId27"/>
@@ -34,7 +34,7 @@
     <p:sldId id="279" r:id="rId25"/>
     <p:sldId id="296" r:id="rId26"/>
   </p:sldIdLst>
-  <p:sldSz cx="9144000" cy="6858000" type="screen4x3"/>
+  <p:sldSz cx="9144000" cy="5143500" type="screen16x9"/>
   <p:notesSz cx="6858000" cy="9144000"/>
   <p:defaultTextStyle>
     <a:defPPr>
@@ -216,7 +216,7 @@
           <a:p>
             <a:fld id="{D1A4D092-1C7E-48DA-8C6F-A9127A14F799}" type="datetimeFigureOut">
               <a:rPr lang="zh-CN" altLang="en-US" smtClean="0"/>
-              <a:t>2013/11/21</a:t>
+              <a:t>2017/11/2</a:t>
             </a:fld>
             <a:endParaRPr lang="zh-CN" altLang="en-US"/>
           </a:p>
@@ -234,8 +234,8 @@
         </p:nvSpPr>
         <p:spPr>
           <a:xfrm>
-            <a:off x="1143000" y="685800"/>
-            <a:ext cx="4572000" cy="3429000"/>
+            <a:off x="381000" y="685800"/>
+            <a:ext cx="6096000" cy="3429000"/>
           </a:xfrm>
           <a:prstGeom prst="rect">
             <a:avLst/>
@@ -511,7 +511,12 @@
             <p:ph type="sldImg"/>
           </p:nvPr>
         </p:nvSpPr>
-        <p:spPr/>
+        <p:spPr>
+          <a:xfrm>
+            <a:off x="381000" y="685800"/>
+            <a:ext cx="6096000" cy="3429000"/>
+          </a:xfrm>
+        </p:spPr>
       </p:sp>
       <p:sp>
         <p:nvSpPr>
@@ -599,7 +604,12 @@
             <p:ph type="sldImg"/>
           </p:nvPr>
         </p:nvSpPr>
-        <p:spPr/>
+        <p:spPr>
+          <a:xfrm>
+            <a:off x="381000" y="685800"/>
+            <a:ext cx="6096000" cy="3429000"/>
+          </a:xfrm>
+        </p:spPr>
       </p:sp>
       <p:sp>
         <p:nvSpPr>
@@ -714,7 +724,12 @@
             <p:ph type="sldImg"/>
           </p:nvPr>
         </p:nvSpPr>
-        <p:spPr/>
+        <p:spPr>
+          <a:xfrm>
+            <a:off x="381000" y="685800"/>
+            <a:ext cx="6096000" cy="3429000"/>
+          </a:xfrm>
+        </p:spPr>
       </p:sp>
       <p:sp>
         <p:nvSpPr>
@@ -821,7 +836,12 @@
             <p:ph type="sldImg"/>
           </p:nvPr>
         </p:nvSpPr>
-        <p:spPr/>
+        <p:spPr>
+          <a:xfrm>
+            <a:off x="381000" y="685800"/>
+            <a:ext cx="6096000" cy="3429000"/>
+          </a:xfrm>
+        </p:spPr>
       </p:sp>
       <p:sp>
         <p:nvSpPr>
@@ -909,7 +929,12 @@
             <p:ph type="sldImg"/>
           </p:nvPr>
         </p:nvSpPr>
-        <p:spPr/>
+        <p:spPr>
+          <a:xfrm>
+            <a:off x="381000" y="685800"/>
+            <a:ext cx="6096000" cy="3429000"/>
+          </a:xfrm>
+        </p:spPr>
       </p:sp>
       <p:sp>
         <p:nvSpPr>
@@ -1016,7 +1041,12 @@
             <p:ph type="sldImg"/>
           </p:nvPr>
         </p:nvSpPr>
-        <p:spPr/>
+        <p:spPr>
+          <a:xfrm>
+            <a:off x="381000" y="685800"/>
+            <a:ext cx="6096000" cy="3429000"/>
+          </a:xfrm>
+        </p:spPr>
       </p:sp>
       <p:sp>
         <p:nvSpPr>
@@ -1099,6 +1129,11 @@
 <file path=ppt/slideLayouts/slideLayout1.xml><?xml version="1.0" encoding="utf-8"?>
 <p:sldLayout xmlns:a="http://schemas.openxmlformats.org/drawingml/2006/main" xmlns:r="http://schemas.openxmlformats.org/officeDocument/2006/relationships" xmlns:p="http://schemas.openxmlformats.org/presentationml/2006/main" type="title" preserve="1">
   <p:cSld name="标题幻灯片">
+    <p:bg>
+      <p:bgRef idx="1003">
+        <a:schemeClr val="bg2"/>
+      </p:bgRef>
+    </p:bg>
     <p:spTree>
       <p:nvGrpSpPr>
         <p:cNvPr id="1" name=""/>
@@ -1113,31 +1148,69 @@
           <a:chExt cx="0" cy="0"/>
         </a:xfrm>
       </p:grpSpPr>
-      <p:sp>
-        <p:nvSpPr>
-          <p:cNvPr id="2" name="标题 1"/>
-          <p:cNvSpPr>
-            <a:spLocks noGrp="1"/>
-          </p:cNvSpPr>
-          <p:nvPr>
-            <p:ph type="ctrTitle"/>
-          </p:nvPr>
-        </p:nvSpPr>
+      <p:pic>
+        <p:nvPicPr>
+          <p:cNvPr id="9" name="图片 8"/>
+          <p:cNvPicPr>
+            <a:picLocks noChangeAspect="1"/>
+          </p:cNvPicPr>
+          <p:nvPr/>
+        </p:nvPicPr>
+        <p:blipFill>
+          <a:blip r:embed="rId2">
+            <a:duotone>
+              <a:schemeClr val="bg2"/>
+              <a:srgbClr val="FFF1C1"/>
+            </a:duotone>
+            <a:lum bright="-10000" contrast="-40000"/>
+          </a:blip>
+          <a:stretch>
+            <a:fillRect/>
+          </a:stretch>
+        </p:blipFill>
         <p:spPr>
           <a:xfrm>
-            <a:off x="685800" y="2130425"/>
-            <a:ext cx="7772400" cy="1470025"/>
+            <a:off x="2" y="3911212"/>
+            <a:ext cx="1472173" cy="1232288"/>
+          </a:xfrm>
+          <a:prstGeom prst="rect">
+            <a:avLst/>
+          </a:prstGeom>
+          <a:noFill/>
+          <a:ln>
+            <a:noFill/>
+          </a:ln>
+        </p:spPr>
+      </p:pic>
+      <p:sp>
+        <p:nvSpPr>
+          <p:cNvPr id="2" name="标题 1"/>
+          <p:cNvSpPr>
+            <a:spLocks noGrp="1"/>
+          </p:cNvSpPr>
+          <p:nvPr>
+            <p:ph type="ctrTitle"/>
+          </p:nvPr>
+        </p:nvSpPr>
+        <p:spPr>
+          <a:xfrm>
+            <a:off x="685800" y="910817"/>
+            <a:ext cx="7772400" cy="1102519"/>
           </a:xfrm>
         </p:spPr>
         <p:txBody>
           <a:bodyPr/>
-          <a:lstStyle/>
-          <a:p>
-            <a:r>
-              <a:rPr lang="zh-CN" altLang="en-US" smtClean="0"/>
+          <a:lstStyle>
+            <a:lvl1pPr algn="ctr">
+              <a:defRPr sz="4800"/>
+            </a:lvl1pPr>
+          </a:lstStyle>
+          <a:p>
+            <a:r>
+              <a:rPr kumimoji="0" lang="zh-CN" altLang="en-US" smtClean="0"/>
               <a:t>单击此处编辑母版标题样式</a:t>
             </a:r>
-            <a:endParaRPr lang="zh-CN" altLang="en-US"/>
+            <a:endParaRPr kumimoji="0" lang="en-US"/>
           </a:p>
         </p:txBody>
       </p:sp>
@@ -1153,21 +1226,17 @@
         </p:nvSpPr>
         <p:spPr>
           <a:xfrm>
-            <a:off x="1371600" y="3886200"/>
-            <a:ext cx="6400800" cy="1752600"/>
+            <a:off x="1521733" y="2069686"/>
+            <a:ext cx="6100534" cy="1305742"/>
           </a:xfrm>
         </p:spPr>
         <p:txBody>
-          <a:bodyPr/>
+          <a:bodyPr anchor="t"/>
           <a:lstStyle>
             <a:lvl1pPr marL="0" indent="0" algn="ctr">
               <a:buNone/>
-              <a:defRPr>
-                <a:solidFill>
-                  <a:schemeClr val="tx1">
-                    <a:tint val="75000"/>
-                  </a:schemeClr>
-                </a:solidFill>
+              <a:defRPr lang="zh-CN" altLang="en-US" dirty="0">
+                <a:effectLst/>
               </a:defRPr>
             </a:lvl1pPr>
             <a:lvl2pPr marL="457200" indent="0" algn="ctr">
@@ -1253,10 +1322,10 @@
           </a:lstStyle>
           <a:p>
             <a:r>
-              <a:rPr lang="zh-CN" altLang="en-US" smtClean="0"/>
+              <a:rPr kumimoji="0" lang="zh-CN" altLang="en-US" smtClean="0"/>
               <a:t>单击此处编辑母版副标题样式</a:t>
             </a:r>
-            <a:endParaRPr lang="zh-CN" altLang="en-US"/>
+            <a:endParaRPr kumimoji="0" lang="en-US"/>
           </a:p>
         </p:txBody>
       </p:sp>
@@ -1277,7 +1346,7 @@
           <a:p>
             <a:fld id="{530820CF-B880-4189-942D-D702A7CBA730}" type="datetimeFigureOut">
               <a:rPr lang="zh-CN" altLang="en-US" smtClean="0"/>
-              <a:t>2013/11/19</a:t>
+              <a:t>2017/11/2</a:t>
             </a:fld>
             <a:endParaRPr lang="zh-CN" altLang="en-US"/>
           </a:p>
@@ -1328,7 +1397,7 @@
     </p:spTree>
   </p:cSld>
   <p:clrMapOvr>
-    <a:masterClrMapping/>
+    <a:overrideClrMapping bg1="dk1" tx1="lt1" bg2="dk2" tx2="lt2" accent1="accent1" accent2="accent2" accent3="accent3" accent4="accent4" accent5="accent5" accent6="accent6" hlink="hlink" folHlink="folHlink"/>
   </p:clrMapOvr>
 </p:sldLayout>
 </file>
@@ -1352,6 +1421,54 @@
       </p:grpSpPr>
       <p:sp>
         <p:nvSpPr>
+          <p:cNvPr id="7" name="矩形 6"/>
+          <p:cNvSpPr/>
+          <p:nvPr/>
+        </p:nvSpPr>
+        <p:spPr>
+          <a:xfrm>
+            <a:off x="0" y="0"/>
+            <a:ext cx="669600" cy="5143500"/>
+          </a:xfrm>
+          <a:prstGeom prst="rect">
+            <a:avLst/>
+          </a:prstGeom>
+          <a:blipFill>
+            <a:blip r:embed="rId2">
+              <a:alphaModFix amt="40000"/>
+            </a:blip>
+            <a:tile tx="0" ty="0" sx="50000" sy="50000" flip="x" algn="tl"/>
+          </a:blipFill>
+          <a:ln w="25400" cap="rnd" cmpd="sng" algn="ctr">
+            <a:noFill/>
+            <a:prstDash val="solid"/>
+          </a:ln>
+        </p:spPr>
+        <p:style>
+          <a:lnRef idx="2">
+            <a:schemeClr val="accent1"/>
+          </a:lnRef>
+          <a:fillRef idx="1">
+            <a:schemeClr val="accent1"/>
+          </a:fillRef>
+          <a:effectRef idx="0">
+            <a:schemeClr val="accent1"/>
+          </a:effectRef>
+          <a:fontRef idx="minor">
+            <a:schemeClr val="lt1"/>
+          </a:fontRef>
+        </p:style>
+        <p:txBody>
+          <a:bodyPr rtlCol="0" anchor="ctr"/>
+          <a:lstStyle/>
+          <a:p>
+            <a:pPr algn="ctr" eaLnBrk="1" latinLnBrk="0" hangingPunct="1"/>
+            <a:endParaRPr kumimoji="0" lang="zh-CN" altLang="en-US"/>
+          </a:p>
+        </p:txBody>
+      </p:sp>
+      <p:sp>
+        <p:nvSpPr>
           <p:cNvPr id="2" name="标题 1"/>
           <p:cNvSpPr>
             <a:spLocks noGrp="1"/>
@@ -1363,13 +1480,17 @@
         <p:spPr/>
         <p:txBody>
           <a:bodyPr/>
-          <a:lstStyle/>
-          <a:p>
-            <a:r>
-              <a:rPr lang="zh-CN" altLang="en-US" smtClean="0"/>
+          <a:lstStyle>
+            <a:lvl1pPr algn="r">
+              <a:defRPr/>
+            </a:lvl1pPr>
+          </a:lstStyle>
+          <a:p>
+            <a:r>
+              <a:rPr kumimoji="0" lang="zh-CN" altLang="en-US" smtClean="0"/>
               <a:t>单击此处编辑母版标题样式</a:t>
             </a:r>
-            <a:endParaRPr lang="zh-CN" altLang="en-US"/>
+            <a:endParaRPr kumimoji="0" lang="en-US"/>
           </a:p>
         </p:txBody>
       </p:sp>
@@ -1383,45 +1504,50 @@
             <p:ph type="body" orient="vert" idx="1"/>
           </p:nvPr>
         </p:nvSpPr>
-        <p:spPr/>
+        <p:spPr>
+          <a:xfrm>
+            <a:off x="457200" y="1125133"/>
+            <a:ext cx="8229600" cy="3536180"/>
+          </a:xfrm>
+        </p:spPr>
         <p:txBody>
           <a:bodyPr vert="eaVert"/>
           <a:lstStyle/>
           <a:p>
-            <a:pPr lvl="0"/>
+            <a:pPr lvl="0" eaLnBrk="1" latinLnBrk="0" hangingPunct="1"/>
             <a:r>
               <a:rPr lang="zh-CN" altLang="en-US" smtClean="0"/>
               <a:t>单击此处编辑母版文本样式</a:t>
             </a:r>
           </a:p>
           <a:p>
-            <a:pPr lvl="1"/>
+            <a:pPr lvl="1" eaLnBrk="1" latinLnBrk="0" hangingPunct="1"/>
             <a:r>
               <a:rPr lang="zh-CN" altLang="en-US" smtClean="0"/>
               <a:t>第二级</a:t>
             </a:r>
           </a:p>
           <a:p>
-            <a:pPr lvl="2"/>
+            <a:pPr lvl="2" eaLnBrk="1" latinLnBrk="0" hangingPunct="1"/>
             <a:r>
               <a:rPr lang="zh-CN" altLang="en-US" smtClean="0"/>
               <a:t>第三级</a:t>
             </a:r>
           </a:p>
           <a:p>
-            <a:pPr lvl="3"/>
+            <a:pPr lvl="3" eaLnBrk="1" latinLnBrk="0" hangingPunct="1"/>
             <a:r>
               <a:rPr lang="zh-CN" altLang="en-US" smtClean="0"/>
               <a:t>第四级</a:t>
             </a:r>
           </a:p>
           <a:p>
-            <a:pPr lvl="4"/>
+            <a:pPr lvl="4" eaLnBrk="1" latinLnBrk="0" hangingPunct="1"/>
             <a:r>
               <a:rPr lang="zh-CN" altLang="en-US" smtClean="0"/>
               <a:t>第五级</a:t>
             </a:r>
-            <a:endParaRPr lang="zh-CN" altLang="en-US"/>
+            <a:endParaRPr kumimoji="0" lang="en-US"/>
           </a:p>
         </p:txBody>
       </p:sp>
@@ -1442,7 +1568,7 @@
           <a:p>
             <a:fld id="{530820CF-B880-4189-942D-D702A7CBA730}" type="datetimeFigureOut">
               <a:rPr lang="zh-CN" altLang="en-US" smtClean="0"/>
-              <a:t>2013/11/19</a:t>
+              <a:t>2017/11/2</a:t>
             </a:fld>
             <a:endParaRPr lang="zh-CN" altLang="en-US"/>
           </a:p>
@@ -1490,6 +1616,39 @@
           </a:p>
         </p:txBody>
       </p:sp>
+      <p:pic>
+        <p:nvPicPr>
+          <p:cNvPr id="8" name="图片 7"/>
+          <p:cNvPicPr>
+            <a:picLocks noChangeAspect="1"/>
+          </p:cNvPicPr>
+          <p:nvPr/>
+        </p:nvPicPr>
+        <p:blipFill>
+          <a:blip r:embed="rId3">
+            <a:duotone>
+              <a:schemeClr val="bg2"/>
+              <a:srgbClr val="FFF1C1"/>
+            </a:duotone>
+          </a:blip>
+          <a:stretch>
+            <a:fillRect/>
+          </a:stretch>
+        </p:blipFill>
+        <p:spPr>
+          <a:xfrm>
+            <a:off x="8135908" y="0"/>
+            <a:ext cx="1008093" cy="1071552"/>
+          </a:xfrm>
+          <a:prstGeom prst="rect">
+            <a:avLst/>
+          </a:prstGeom>
+          <a:noFill/>
+          <a:ln>
+            <a:noFill/>
+          </a:ln>
+        </p:spPr>
+      </p:pic>
     </p:spTree>
   </p:cSld>
   <p:clrMapOvr>
@@ -1517,29 +1676,89 @@
       </p:grpSpPr>
       <p:sp>
         <p:nvSpPr>
-          <p:cNvPr id="2" name="竖排标题 1"/>
-          <p:cNvSpPr>
-            <a:spLocks noGrp="1"/>
-          </p:cNvSpPr>
-          <p:nvPr>
-            <p:ph type="title" orient="vert"/>
-          </p:nvPr>
+          <p:cNvPr id="7" name="矩形 6"/>
+          <p:cNvSpPr/>
+          <p:nvPr/>
         </p:nvSpPr>
         <p:spPr>
           <a:xfrm>
-            <a:off x="6629400" y="274638"/>
-            <a:ext cx="2057400" cy="5851525"/>
+            <a:off x="0" y="0"/>
+            <a:ext cx="669600" cy="5143500"/>
+          </a:xfrm>
+          <a:prstGeom prst="rect">
+            <a:avLst/>
+          </a:prstGeom>
+          <a:blipFill>
+            <a:blip r:embed="rId2">
+              <a:alphaModFix amt="40000"/>
+            </a:blip>
+            <a:tile tx="0" ty="0" sx="50000" sy="50000" flip="x" algn="tl"/>
+          </a:blipFill>
+          <a:ln w="25400" cap="rnd" cmpd="sng" algn="ctr">
+            <a:noFill/>
+            <a:prstDash val="solid"/>
+          </a:ln>
+        </p:spPr>
+        <p:style>
+          <a:lnRef idx="2">
+            <a:schemeClr val="accent1"/>
+          </a:lnRef>
+          <a:fillRef idx="1">
+            <a:schemeClr val="accent1"/>
+          </a:fillRef>
+          <a:effectRef idx="0">
+            <a:schemeClr val="accent1"/>
+          </a:effectRef>
+          <a:fontRef idx="minor">
+            <a:schemeClr val="lt1"/>
+          </a:fontRef>
+        </p:style>
+        <p:txBody>
+          <a:bodyPr rtlCol="0" anchor="ctr"/>
+          <a:lstStyle/>
+          <a:p>
+            <a:pPr algn="ctr" eaLnBrk="1" latinLnBrk="0" hangingPunct="1"/>
+            <a:endParaRPr kumimoji="0" lang="zh-CN" altLang="en-US"/>
+          </a:p>
+        </p:txBody>
+      </p:sp>
+      <p:sp>
+        <p:nvSpPr>
+          <p:cNvPr id="2" name="竖排标题 1"/>
+          <p:cNvSpPr>
+            <a:spLocks noGrp="1"/>
+          </p:cNvSpPr>
+          <p:nvPr>
+            <p:ph type="title" orient="vert"/>
+          </p:nvPr>
+        </p:nvSpPr>
+        <p:spPr>
+          <a:xfrm>
+            <a:off x="7286644" y="205979"/>
+            <a:ext cx="1400156" cy="4455333"/>
           </a:xfrm>
         </p:spPr>
         <p:txBody>
           <a:bodyPr vert="eaVert"/>
-          <a:lstStyle/>
-          <a:p>
-            <a:r>
-              <a:rPr lang="zh-CN" altLang="en-US" smtClean="0"/>
+          <a:lstStyle>
+            <a:lvl1pPr algn="ctr">
+              <a:defRPr>
+                <a:effectLst>
+                  <a:outerShdw dist="50800" dir="18900000" algn="tl" rotWithShape="0">
+                    <a:srgbClr val="000000">
+                      <a:alpha val="75000"/>
+                    </a:srgbClr>
+                  </a:outerShdw>
+                </a:effectLst>
+              </a:defRPr>
+            </a:lvl1pPr>
+          </a:lstStyle>
+          <a:p>
+            <a:r>
+              <a:rPr kumimoji="0" lang="zh-CN" altLang="en-US" smtClean="0"/>
               <a:t>单击此处编辑母版标题样式</a:t>
             </a:r>
-            <a:endParaRPr lang="zh-CN" altLang="en-US"/>
+            <a:endParaRPr kumimoji="0" lang="en-US"/>
           </a:p>
         </p:txBody>
       </p:sp>
@@ -1555,48 +1774,48 @@
         </p:nvSpPr>
         <p:spPr>
           <a:xfrm>
-            <a:off x="457200" y="274638"/>
-            <a:ext cx="6019800" cy="5851525"/>
+            <a:off x="457200" y="205979"/>
+            <a:ext cx="6758006" cy="4455333"/>
           </a:xfrm>
         </p:spPr>
         <p:txBody>
           <a:bodyPr vert="eaVert"/>
           <a:lstStyle/>
           <a:p>
-            <a:pPr lvl="0"/>
+            <a:pPr lvl="0" eaLnBrk="1" latinLnBrk="0" hangingPunct="1"/>
             <a:r>
               <a:rPr lang="zh-CN" altLang="en-US" smtClean="0"/>
               <a:t>单击此处编辑母版文本样式</a:t>
             </a:r>
           </a:p>
           <a:p>
-            <a:pPr lvl="1"/>
+            <a:pPr lvl="1" eaLnBrk="1" latinLnBrk="0" hangingPunct="1"/>
             <a:r>
               <a:rPr lang="zh-CN" altLang="en-US" smtClean="0"/>
               <a:t>第二级</a:t>
             </a:r>
           </a:p>
           <a:p>
-            <a:pPr lvl="2"/>
+            <a:pPr lvl="2" eaLnBrk="1" latinLnBrk="0" hangingPunct="1"/>
             <a:r>
               <a:rPr lang="zh-CN" altLang="en-US" smtClean="0"/>
               <a:t>第三级</a:t>
             </a:r>
           </a:p>
           <a:p>
-            <a:pPr lvl="3"/>
+            <a:pPr lvl="3" eaLnBrk="1" latinLnBrk="0" hangingPunct="1"/>
             <a:r>
               <a:rPr lang="zh-CN" altLang="en-US" smtClean="0"/>
               <a:t>第四级</a:t>
             </a:r>
           </a:p>
           <a:p>
-            <a:pPr lvl="4"/>
+            <a:pPr lvl="4" eaLnBrk="1" latinLnBrk="0" hangingPunct="1"/>
             <a:r>
               <a:rPr lang="zh-CN" altLang="en-US" smtClean="0"/>
               <a:t>第五级</a:t>
             </a:r>
-            <a:endParaRPr lang="zh-CN" altLang="en-US"/>
+            <a:endParaRPr kumimoji="0" lang="en-US"/>
           </a:p>
         </p:txBody>
       </p:sp>
@@ -1617,7 +1836,7 @@
           <a:p>
             <a:fld id="{530820CF-B880-4189-942D-D702A7CBA730}" type="datetimeFigureOut">
               <a:rPr lang="zh-CN" altLang="en-US" smtClean="0"/>
-              <a:t>2013/11/19</a:t>
+              <a:t>2017/11/2</a:t>
             </a:fld>
             <a:endParaRPr lang="zh-CN" altLang="en-US"/>
           </a:p>
@@ -1665,6 +1884,39 @@
           </a:p>
         </p:txBody>
       </p:sp>
+      <p:pic>
+        <p:nvPicPr>
+          <p:cNvPr id="8" name="图片 7"/>
+          <p:cNvPicPr>
+            <a:picLocks noChangeAspect="1"/>
+          </p:cNvPicPr>
+          <p:nvPr/>
+        </p:nvPicPr>
+        <p:blipFill>
+          <a:blip r:embed="rId3">
+            <a:duotone>
+              <a:schemeClr val="bg2"/>
+              <a:srgbClr val="FFF1C1"/>
+            </a:duotone>
+          </a:blip>
+          <a:stretch>
+            <a:fillRect/>
+          </a:stretch>
+        </p:blipFill>
+        <p:spPr>
+          <a:xfrm>
+            <a:off x="8135908" y="0"/>
+            <a:ext cx="1008093" cy="1071552"/>
+          </a:xfrm>
+          <a:prstGeom prst="rect">
+            <a:avLst/>
+          </a:prstGeom>
+          <a:noFill/>
+          <a:ln>
+            <a:noFill/>
+          </a:ln>
+        </p:spPr>
+      </p:pic>
     </p:spTree>
   </p:cSld>
   <p:clrMapOvr>
@@ -1692,6 +1944,54 @@
       </p:grpSpPr>
       <p:sp>
         <p:nvSpPr>
+          <p:cNvPr id="7" name="矩形 6"/>
+          <p:cNvSpPr/>
+          <p:nvPr/>
+        </p:nvSpPr>
+        <p:spPr>
+          <a:xfrm>
+            <a:off x="0" y="0"/>
+            <a:ext cx="669600" cy="5143500"/>
+          </a:xfrm>
+          <a:prstGeom prst="rect">
+            <a:avLst/>
+          </a:prstGeom>
+          <a:blipFill>
+            <a:blip r:embed="rId2">
+              <a:alphaModFix amt="40000"/>
+            </a:blip>
+            <a:tile tx="0" ty="0" sx="50000" sy="50000" flip="x" algn="tl"/>
+          </a:blipFill>
+          <a:ln w="25400" cap="rnd" cmpd="sng" algn="ctr">
+            <a:noFill/>
+            <a:prstDash val="solid"/>
+          </a:ln>
+        </p:spPr>
+        <p:style>
+          <a:lnRef idx="2">
+            <a:schemeClr val="accent1"/>
+          </a:lnRef>
+          <a:fillRef idx="1">
+            <a:schemeClr val="accent1"/>
+          </a:fillRef>
+          <a:effectRef idx="0">
+            <a:schemeClr val="accent1"/>
+          </a:effectRef>
+          <a:fontRef idx="minor">
+            <a:schemeClr val="lt1"/>
+          </a:fontRef>
+        </p:style>
+        <p:txBody>
+          <a:bodyPr rtlCol="0" anchor="ctr"/>
+          <a:lstStyle/>
+          <a:p>
+            <a:pPr algn="ctr" eaLnBrk="1" latinLnBrk="0" hangingPunct="1"/>
+            <a:endParaRPr kumimoji="0" lang="zh-CN" altLang="en-US"/>
+          </a:p>
+        </p:txBody>
+      </p:sp>
+      <p:sp>
+        <p:nvSpPr>
           <p:cNvPr id="2" name="标题 1"/>
           <p:cNvSpPr>
             <a:spLocks noGrp="1"/>
@@ -1703,13 +2003,17 @@
         <p:spPr/>
         <p:txBody>
           <a:bodyPr/>
-          <a:lstStyle/>
-          <a:p>
-            <a:r>
-              <a:rPr lang="zh-CN" altLang="en-US" smtClean="0"/>
+          <a:lstStyle>
+            <a:lvl1pPr algn="l">
+              <a:defRPr/>
+            </a:lvl1pPr>
+          </a:lstStyle>
+          <a:p>
+            <a:r>
+              <a:rPr kumimoji="0" lang="zh-CN" altLang="en-US" smtClean="0"/>
               <a:t>单击此处编辑母版标题样式</a:t>
             </a:r>
-            <a:endParaRPr lang="zh-CN" altLang="en-US"/>
+            <a:endParaRPr kumimoji="0" lang="en-US"/>
           </a:p>
         </p:txBody>
       </p:sp>
@@ -1728,40 +2032,40 @@
           <a:bodyPr/>
           <a:lstStyle/>
           <a:p>
-            <a:pPr lvl="0"/>
+            <a:pPr lvl="0" eaLnBrk="1" latinLnBrk="0" hangingPunct="1"/>
             <a:r>
               <a:rPr lang="zh-CN" altLang="en-US" smtClean="0"/>
               <a:t>单击此处编辑母版文本样式</a:t>
             </a:r>
           </a:p>
           <a:p>
-            <a:pPr lvl="1"/>
+            <a:pPr lvl="1" eaLnBrk="1" latinLnBrk="0" hangingPunct="1"/>
             <a:r>
               <a:rPr lang="zh-CN" altLang="en-US" smtClean="0"/>
               <a:t>第二级</a:t>
             </a:r>
           </a:p>
           <a:p>
-            <a:pPr lvl="2"/>
+            <a:pPr lvl="2" eaLnBrk="1" latinLnBrk="0" hangingPunct="1"/>
             <a:r>
               <a:rPr lang="zh-CN" altLang="en-US" smtClean="0"/>
               <a:t>第三级</a:t>
             </a:r>
           </a:p>
           <a:p>
-            <a:pPr lvl="3"/>
+            <a:pPr lvl="3" eaLnBrk="1" latinLnBrk="0" hangingPunct="1"/>
             <a:r>
               <a:rPr lang="zh-CN" altLang="en-US" smtClean="0"/>
               <a:t>第四级</a:t>
             </a:r>
           </a:p>
           <a:p>
-            <a:pPr lvl="4"/>
+            <a:pPr lvl="4" eaLnBrk="1" latinLnBrk="0" hangingPunct="1"/>
             <a:r>
               <a:rPr lang="zh-CN" altLang="en-US" smtClean="0"/>
               <a:t>第五级</a:t>
             </a:r>
-            <a:endParaRPr lang="zh-CN" altLang="en-US"/>
+            <a:endParaRPr kumimoji="0" lang="en-US"/>
           </a:p>
         </p:txBody>
       </p:sp>
@@ -1782,7 +2086,7 @@
           <a:p>
             <a:fld id="{530820CF-B880-4189-942D-D702A7CBA730}" type="datetimeFigureOut">
               <a:rPr lang="zh-CN" altLang="en-US" smtClean="0"/>
-              <a:t>2013/11/19</a:t>
+              <a:t>2017/11/2</a:t>
             </a:fld>
             <a:endParaRPr lang="zh-CN" altLang="en-US"/>
           </a:p>
@@ -1830,6 +2134,39 @@
           </a:p>
         </p:txBody>
       </p:sp>
+      <p:pic>
+        <p:nvPicPr>
+          <p:cNvPr id="8" name="图片 7"/>
+          <p:cNvPicPr>
+            <a:picLocks noChangeAspect="1"/>
+          </p:cNvPicPr>
+          <p:nvPr/>
+        </p:nvPicPr>
+        <p:blipFill>
+          <a:blip r:embed="rId3">
+            <a:duotone>
+              <a:schemeClr val="bg2"/>
+              <a:srgbClr val="FFF1C1"/>
+            </a:duotone>
+          </a:blip>
+          <a:stretch>
+            <a:fillRect/>
+          </a:stretch>
+        </p:blipFill>
+        <p:spPr>
+          <a:xfrm>
+            <a:off x="8135908" y="0"/>
+            <a:ext cx="1008093" cy="1071552"/>
+          </a:xfrm>
+          <a:prstGeom prst="rect">
+            <a:avLst/>
+          </a:prstGeom>
+          <a:noFill/>
+          <a:ln>
+            <a:noFill/>
+          </a:ln>
+        </p:spPr>
+      </p:pic>
     </p:spTree>
   </p:cSld>
   <p:clrMapOvr>
@@ -1841,6 +2178,11 @@
 <file path=ppt/slideLayouts/slideLayout3.xml><?xml version="1.0" encoding="utf-8"?>
 <p:sldLayout xmlns:a="http://schemas.openxmlformats.org/drawingml/2006/main" xmlns:r="http://schemas.openxmlformats.org/officeDocument/2006/relationships" xmlns:p="http://schemas.openxmlformats.org/presentationml/2006/main" type="secHead" preserve="1">
   <p:cSld name="节标题">
+    <p:bg>
+      <p:bgRef idx="1003">
+        <a:schemeClr val="bg2"/>
+      </p:bgRef>
+    </p:bg>
     <p:spTree>
       <p:nvGrpSpPr>
         <p:cNvPr id="1" name=""/>
@@ -1867,8 +2209,8 @@
         </p:nvSpPr>
         <p:spPr>
           <a:xfrm>
-            <a:off x="722313" y="4406900"/>
-            <a:ext cx="7772400" cy="1362075"/>
+            <a:off x="722313" y="3107527"/>
+            <a:ext cx="7772400" cy="1021556"/>
           </a:xfrm>
         </p:spPr>
         <p:txBody>
@@ -1880,10 +2222,10 @@
           </a:lstStyle>
           <a:p>
             <a:r>
-              <a:rPr lang="zh-CN" altLang="en-US" smtClean="0"/>
+              <a:rPr kumimoji="0" lang="zh-CN" altLang="en-US" smtClean="0"/>
               <a:t>单击此处编辑母版标题样式</a:t>
             </a:r>
-            <a:endParaRPr lang="zh-CN" altLang="en-US"/>
+            <a:endParaRPr kumimoji="0" lang="en-US"/>
           </a:p>
         </p:txBody>
       </p:sp>
@@ -1899,8 +2241,8 @@
         </p:nvSpPr>
         <p:spPr>
           <a:xfrm>
-            <a:off x="722313" y="2906713"/>
-            <a:ext cx="7772400" cy="1500187"/>
+            <a:off x="722313" y="1982387"/>
+            <a:ext cx="7772400" cy="1125140"/>
           </a:xfrm>
         </p:spPr>
         <p:txBody>
@@ -1908,52 +2250,32 @@
           <a:lstStyle>
             <a:lvl1pPr marL="0" indent="0">
               <a:buNone/>
-              <a:defRPr sz="2000">
-                <a:solidFill>
-                  <a:schemeClr val="tx1">
-                    <a:tint val="75000"/>
-                  </a:schemeClr>
-                </a:solidFill>
+              <a:defRPr lang="zh-CN" altLang="en-US" sz="2800" smtClean="0">
+                <a:effectLst/>
               </a:defRPr>
             </a:lvl1pPr>
             <a:lvl2pPr marL="457200" indent="0">
               <a:buNone/>
-              <a:defRPr sz="1800">
-                <a:solidFill>
-                  <a:schemeClr val="tx1">
-                    <a:tint val="75000"/>
-                  </a:schemeClr>
-                </a:solidFill>
+              <a:defRPr lang="zh-CN" altLang="en-US" sz="2400" smtClean="0">
+                <a:effectLst/>
               </a:defRPr>
             </a:lvl2pPr>
             <a:lvl3pPr marL="914400" indent="0">
               <a:buNone/>
-              <a:defRPr sz="1600">
-                <a:solidFill>
-                  <a:schemeClr val="tx1">
-                    <a:tint val="75000"/>
-                  </a:schemeClr>
-                </a:solidFill>
+              <a:defRPr lang="zh-CN" altLang="en-US" sz="2000" smtClean="0">
+                <a:effectLst/>
               </a:defRPr>
             </a:lvl3pPr>
             <a:lvl4pPr marL="1371600" indent="0">
               <a:buNone/>
-              <a:defRPr sz="1400">
-                <a:solidFill>
-                  <a:schemeClr val="tx1">
-                    <a:tint val="75000"/>
-                  </a:schemeClr>
-                </a:solidFill>
+              <a:defRPr lang="zh-CN" altLang="en-US" sz="1600" smtClean="0">
+                <a:effectLst/>
               </a:defRPr>
             </a:lvl4pPr>
             <a:lvl5pPr marL="1828800" indent="0">
               <a:buNone/>
-              <a:defRPr sz="1400">
-                <a:solidFill>
-                  <a:schemeClr val="tx1">
-                    <a:tint val="75000"/>
-                  </a:schemeClr>
-                </a:solidFill>
+              <a:defRPr lang="zh-CN" altLang="en-US" sz="1400" dirty="0" smtClean="0">
+                <a:effectLst/>
               </a:defRPr>
             </a:lvl5pPr>
             <a:lvl6pPr marL="2286000" indent="0">
@@ -1998,9 +2320,9 @@
             </a:lvl9pPr>
           </a:lstStyle>
           <a:p>
-            <a:pPr lvl="0"/>
-            <a:r>
-              <a:rPr lang="zh-CN" altLang="en-US" smtClean="0"/>
+            <a:pPr lvl="0" eaLnBrk="1" latinLnBrk="0" hangingPunct="1"/>
+            <a:r>
+              <a:rPr kumimoji="0" lang="zh-CN" altLang="en-US" smtClean="0"/>
               <a:t>单击此处编辑母版文本样式</a:t>
             </a:r>
           </a:p>
@@ -2023,7 +2345,7 @@
           <a:p>
             <a:fld id="{530820CF-B880-4189-942D-D702A7CBA730}" type="datetimeFigureOut">
               <a:rPr lang="zh-CN" altLang="en-US" smtClean="0"/>
-              <a:t>2013/11/19</a:t>
+              <a:t>2017/11/2</a:t>
             </a:fld>
             <a:endParaRPr lang="zh-CN" altLang="en-US"/>
           </a:p>
@@ -2071,10 +2393,44 @@
           </a:p>
         </p:txBody>
       </p:sp>
+      <p:pic>
+        <p:nvPicPr>
+          <p:cNvPr id="7" name="图片 6"/>
+          <p:cNvPicPr>
+            <a:picLocks noChangeAspect="1"/>
+          </p:cNvPicPr>
+          <p:nvPr/>
+        </p:nvPicPr>
+        <p:blipFill>
+          <a:blip r:embed="rId2">
+            <a:duotone>
+              <a:schemeClr val="bg2"/>
+              <a:srgbClr val="FFF1C1"/>
+            </a:duotone>
+            <a:lum bright="-10000" contrast="-30000"/>
+          </a:blip>
+          <a:stretch>
+            <a:fillRect/>
+          </a:stretch>
+        </p:blipFill>
+        <p:spPr>
+          <a:xfrm>
+            <a:off x="7480636" y="0"/>
+            <a:ext cx="1663364" cy="1768073"/>
+          </a:xfrm>
+          <a:prstGeom prst="rect">
+            <a:avLst/>
+          </a:prstGeom>
+          <a:noFill/>
+          <a:ln>
+            <a:noFill/>
+          </a:ln>
+        </p:spPr>
+      </p:pic>
     </p:spTree>
   </p:cSld>
   <p:clrMapOvr>
-    <a:masterClrMapping/>
+    <a:overrideClrMapping bg1="dk1" tx1="lt1" bg2="dk2" tx2="lt2" accent1="accent1" accent2="accent2" accent3="accent3" accent4="accent4" accent5="accent5" accent6="accent6" hlink="hlink" folHlink="folHlink"/>
   </p:clrMapOvr>
 </p:sldLayout>
 </file>
@@ -2098,41 +2454,89 @@
       </p:grpSpPr>
       <p:sp>
         <p:nvSpPr>
-          <p:cNvPr id="2" name="标题 1"/>
-          <p:cNvSpPr>
-            <a:spLocks noGrp="1"/>
-          </p:cNvSpPr>
-          <p:nvPr>
-            <p:ph type="title"/>
-          </p:nvPr>
-        </p:nvSpPr>
-        <p:spPr/>
-        <p:txBody>
-          <a:bodyPr/>
-          <a:lstStyle/>
-          <a:p>
-            <a:r>
-              <a:rPr lang="zh-CN" altLang="en-US" smtClean="0"/>
-              <a:t>单击此处编辑母版标题样式</a:t>
-            </a:r>
-            <a:endParaRPr lang="zh-CN" altLang="en-US"/>
-          </a:p>
-        </p:txBody>
-      </p:sp>
-      <p:sp>
-        <p:nvSpPr>
-          <p:cNvPr id="3" name="内容占位符 2"/>
-          <p:cNvSpPr>
-            <a:spLocks noGrp="1"/>
-          </p:cNvSpPr>
-          <p:nvPr>
-            <p:ph sz="half" idx="1"/>
-          </p:nvPr>
+          <p:cNvPr id="8" name="矩形 7"/>
+          <p:cNvSpPr/>
+          <p:nvPr/>
         </p:nvSpPr>
         <p:spPr>
           <a:xfrm>
-            <a:off x="457200" y="1600200"/>
-            <a:ext cx="4038600" cy="4525963"/>
+            <a:off x="0" y="0"/>
+            <a:ext cx="655200" cy="5143500"/>
+          </a:xfrm>
+          <a:prstGeom prst="rect">
+            <a:avLst/>
+          </a:prstGeom>
+          <a:blipFill>
+            <a:blip r:embed="rId2">
+              <a:alphaModFix amt="40000"/>
+            </a:blip>
+            <a:tile tx="0" ty="0" sx="50000" sy="50000" flip="x" algn="tl"/>
+          </a:blipFill>
+          <a:ln w="25400" cap="rnd" cmpd="sng" algn="ctr">
+            <a:noFill/>
+            <a:prstDash val="solid"/>
+          </a:ln>
+        </p:spPr>
+        <p:style>
+          <a:lnRef idx="2">
+            <a:schemeClr val="accent1"/>
+          </a:lnRef>
+          <a:fillRef idx="1">
+            <a:schemeClr val="accent1"/>
+          </a:fillRef>
+          <a:effectRef idx="0">
+            <a:schemeClr val="accent1"/>
+          </a:effectRef>
+          <a:fontRef idx="minor">
+            <a:schemeClr val="lt1"/>
+          </a:fontRef>
+        </p:style>
+        <p:txBody>
+          <a:bodyPr rtlCol="0" anchor="ctr"/>
+          <a:lstStyle/>
+          <a:p>
+            <a:pPr algn="ctr" eaLnBrk="1" latinLnBrk="0" hangingPunct="1"/>
+            <a:endParaRPr kumimoji="0" lang="zh-CN" altLang="en-US"/>
+          </a:p>
+        </p:txBody>
+      </p:sp>
+      <p:sp>
+        <p:nvSpPr>
+          <p:cNvPr id="2" name="标题 1"/>
+          <p:cNvSpPr>
+            <a:spLocks noGrp="1"/>
+          </p:cNvSpPr>
+          <p:nvPr>
+            <p:ph type="title"/>
+          </p:nvPr>
+        </p:nvSpPr>
+        <p:spPr/>
+        <p:txBody>
+          <a:bodyPr/>
+          <a:lstStyle/>
+          <a:p>
+            <a:r>
+              <a:rPr kumimoji="0" lang="zh-CN" altLang="en-US" smtClean="0"/>
+              <a:t>单击此处编辑母版标题样式</a:t>
+            </a:r>
+            <a:endParaRPr kumimoji="0" lang="en-US"/>
+          </a:p>
+        </p:txBody>
+      </p:sp>
+      <p:sp>
+        <p:nvSpPr>
+          <p:cNvPr id="3" name="内容占位符 2"/>
+          <p:cNvSpPr>
+            <a:spLocks noGrp="1"/>
+          </p:cNvSpPr>
+          <p:nvPr>
+            <p:ph sz="half" idx="1"/>
+          </p:nvPr>
+        </p:nvSpPr>
+        <p:spPr>
+          <a:xfrm>
+            <a:off x="457200" y="1200151"/>
+            <a:ext cx="4038600" cy="3394472"/>
           </a:xfrm>
         </p:spPr>
         <p:txBody>
@@ -2167,40 +2571,40 @@
             </a:lvl9pPr>
           </a:lstStyle>
           <a:p>
-            <a:pPr lvl="0"/>
+            <a:pPr lvl="0" eaLnBrk="1" latinLnBrk="0" hangingPunct="1"/>
             <a:r>
               <a:rPr lang="zh-CN" altLang="en-US" smtClean="0"/>
               <a:t>单击此处编辑母版文本样式</a:t>
             </a:r>
           </a:p>
           <a:p>
-            <a:pPr lvl="1"/>
+            <a:pPr lvl="1" eaLnBrk="1" latinLnBrk="0" hangingPunct="1"/>
             <a:r>
               <a:rPr lang="zh-CN" altLang="en-US" smtClean="0"/>
               <a:t>第二级</a:t>
             </a:r>
           </a:p>
           <a:p>
-            <a:pPr lvl="2"/>
+            <a:pPr lvl="2" eaLnBrk="1" latinLnBrk="0" hangingPunct="1"/>
             <a:r>
               <a:rPr lang="zh-CN" altLang="en-US" smtClean="0"/>
               <a:t>第三级</a:t>
             </a:r>
           </a:p>
           <a:p>
-            <a:pPr lvl="3"/>
+            <a:pPr lvl="3" eaLnBrk="1" latinLnBrk="0" hangingPunct="1"/>
             <a:r>
               <a:rPr lang="zh-CN" altLang="en-US" smtClean="0"/>
               <a:t>第四级</a:t>
             </a:r>
           </a:p>
           <a:p>
-            <a:pPr lvl="4"/>
+            <a:pPr lvl="4" eaLnBrk="1" latinLnBrk="0" hangingPunct="1"/>
             <a:r>
               <a:rPr lang="zh-CN" altLang="en-US" smtClean="0"/>
               <a:t>第五级</a:t>
             </a:r>
-            <a:endParaRPr lang="zh-CN" altLang="en-US"/>
+            <a:endParaRPr kumimoji="0" lang="en-US"/>
           </a:p>
         </p:txBody>
       </p:sp>
@@ -2216,8 +2620,8 @@
         </p:nvSpPr>
         <p:spPr>
           <a:xfrm>
-            <a:off x="4648200" y="1600200"/>
-            <a:ext cx="4038600" cy="4525963"/>
+            <a:off x="4648200" y="1200151"/>
+            <a:ext cx="4038600" cy="3394472"/>
           </a:xfrm>
         </p:spPr>
         <p:txBody>
@@ -2252,40 +2656,40 @@
             </a:lvl9pPr>
           </a:lstStyle>
           <a:p>
-            <a:pPr lvl="0"/>
+            <a:pPr lvl="0" eaLnBrk="1" latinLnBrk="0" hangingPunct="1"/>
             <a:r>
               <a:rPr lang="zh-CN" altLang="en-US" smtClean="0"/>
               <a:t>单击此处编辑母版文本样式</a:t>
             </a:r>
           </a:p>
           <a:p>
-            <a:pPr lvl="1"/>
+            <a:pPr lvl="1" eaLnBrk="1" latinLnBrk="0" hangingPunct="1"/>
             <a:r>
               <a:rPr lang="zh-CN" altLang="en-US" smtClean="0"/>
               <a:t>第二级</a:t>
             </a:r>
           </a:p>
           <a:p>
-            <a:pPr lvl="2"/>
+            <a:pPr lvl="2" eaLnBrk="1" latinLnBrk="0" hangingPunct="1"/>
             <a:r>
               <a:rPr lang="zh-CN" altLang="en-US" smtClean="0"/>
               <a:t>第三级</a:t>
             </a:r>
           </a:p>
           <a:p>
-            <a:pPr lvl="3"/>
+            <a:pPr lvl="3" eaLnBrk="1" latinLnBrk="0" hangingPunct="1"/>
             <a:r>
               <a:rPr lang="zh-CN" altLang="en-US" smtClean="0"/>
               <a:t>第四级</a:t>
             </a:r>
           </a:p>
           <a:p>
-            <a:pPr lvl="4"/>
+            <a:pPr lvl="4" eaLnBrk="1" latinLnBrk="0" hangingPunct="1"/>
             <a:r>
               <a:rPr lang="zh-CN" altLang="en-US" smtClean="0"/>
               <a:t>第五级</a:t>
             </a:r>
-            <a:endParaRPr lang="zh-CN" altLang="en-US"/>
+            <a:endParaRPr kumimoji="0" lang="en-US"/>
           </a:p>
         </p:txBody>
       </p:sp>
@@ -2306,7 +2710,7 @@
           <a:p>
             <a:fld id="{530820CF-B880-4189-942D-D702A7CBA730}" type="datetimeFigureOut">
               <a:rPr lang="zh-CN" altLang="en-US" smtClean="0"/>
-              <a:t>2013/11/19</a:t>
+              <a:t>2017/11/2</a:t>
             </a:fld>
             <a:endParaRPr lang="zh-CN" altLang="en-US"/>
           </a:p>
@@ -2354,6 +2758,39 @@
           </a:p>
         </p:txBody>
       </p:sp>
+      <p:pic>
+        <p:nvPicPr>
+          <p:cNvPr id="9" name="图片 8"/>
+          <p:cNvPicPr>
+            <a:picLocks noChangeAspect="1"/>
+          </p:cNvPicPr>
+          <p:nvPr/>
+        </p:nvPicPr>
+        <p:blipFill>
+          <a:blip r:embed="rId3">
+            <a:duotone>
+              <a:schemeClr val="bg2"/>
+              <a:srgbClr val="FFF1C1"/>
+            </a:duotone>
+          </a:blip>
+          <a:stretch>
+            <a:fillRect/>
+          </a:stretch>
+        </p:blipFill>
+        <p:spPr>
+          <a:xfrm>
+            <a:off x="8135908" y="0"/>
+            <a:ext cx="1008093" cy="1071552"/>
+          </a:xfrm>
+          <a:prstGeom prst="rect">
+            <a:avLst/>
+          </a:prstGeom>
+          <a:noFill/>
+          <a:ln>
+            <a:noFill/>
+          </a:ln>
+        </p:spPr>
+      </p:pic>
     </p:spTree>
   </p:cSld>
   <p:clrMapOvr>
@@ -2381,6 +2818,54 @@
       </p:grpSpPr>
       <p:sp>
         <p:nvSpPr>
+          <p:cNvPr id="10" name="矩形 9"/>
+          <p:cNvSpPr/>
+          <p:nvPr/>
+        </p:nvSpPr>
+        <p:spPr>
+          <a:xfrm>
+            <a:off x="0" y="0"/>
+            <a:ext cx="640800" cy="5143500"/>
+          </a:xfrm>
+          <a:prstGeom prst="rect">
+            <a:avLst/>
+          </a:prstGeom>
+          <a:blipFill>
+            <a:blip r:embed="rId2">
+              <a:alphaModFix amt="40000"/>
+            </a:blip>
+            <a:tile tx="0" ty="0" sx="50000" sy="50000" flip="x" algn="tl"/>
+          </a:blipFill>
+          <a:ln w="25400" cap="rnd" cmpd="sng" algn="ctr">
+            <a:noFill/>
+            <a:prstDash val="solid"/>
+          </a:ln>
+        </p:spPr>
+        <p:style>
+          <a:lnRef idx="2">
+            <a:schemeClr val="accent1"/>
+          </a:lnRef>
+          <a:fillRef idx="1">
+            <a:schemeClr val="accent1"/>
+          </a:fillRef>
+          <a:effectRef idx="0">
+            <a:schemeClr val="accent1"/>
+          </a:effectRef>
+          <a:fontRef idx="minor">
+            <a:schemeClr val="lt1"/>
+          </a:fontRef>
+        </p:style>
+        <p:txBody>
+          <a:bodyPr rtlCol="0" anchor="ctr"/>
+          <a:lstStyle/>
+          <a:p>
+            <a:pPr algn="ctr" eaLnBrk="1" latinLnBrk="0" hangingPunct="1"/>
+            <a:endParaRPr kumimoji="0" lang="zh-CN" altLang="en-US"/>
+          </a:p>
+        </p:txBody>
+      </p:sp>
+      <p:sp>
+        <p:nvSpPr>
           <p:cNvPr id="2" name="标题 1"/>
           <p:cNvSpPr>
             <a:spLocks noGrp="1"/>
@@ -2399,10 +2884,10 @@
           </a:lstStyle>
           <a:p>
             <a:r>
-              <a:rPr lang="zh-CN" altLang="en-US" smtClean="0"/>
+              <a:rPr kumimoji="0" lang="zh-CN" altLang="en-US" smtClean="0"/>
               <a:t>单击此处编辑母版标题样式</a:t>
             </a:r>
-            <a:endParaRPr lang="zh-CN" altLang="en-US"/>
+            <a:endParaRPr kumimoji="0" lang="en-US"/>
           </a:p>
         </p:txBody>
       </p:sp>
@@ -2418,8 +2903,8 @@
         </p:nvSpPr>
         <p:spPr>
           <a:xfrm>
-            <a:off x="457200" y="1535113"/>
-            <a:ext cx="4040188" cy="639762"/>
+            <a:off x="457200" y="1151335"/>
+            <a:ext cx="4040188" cy="479822"/>
           </a:xfrm>
         </p:spPr>
         <p:txBody>
@@ -2463,9 +2948,9 @@
             </a:lvl9pPr>
           </a:lstStyle>
           <a:p>
-            <a:pPr lvl="0"/>
-            <a:r>
-              <a:rPr lang="zh-CN" altLang="en-US" smtClean="0"/>
+            <a:pPr lvl="0" eaLnBrk="1" latinLnBrk="0" hangingPunct="1"/>
+            <a:r>
+              <a:rPr kumimoji="0" lang="zh-CN" altLang="en-US" smtClean="0"/>
               <a:t>单击此处编辑母版文本样式</a:t>
             </a:r>
           </a:p>
@@ -2483,8 +2968,8 @@
         </p:nvSpPr>
         <p:spPr>
           <a:xfrm>
-            <a:off x="457200" y="2174875"/>
-            <a:ext cx="4040188" cy="3951288"/>
+            <a:off x="457200" y="1631156"/>
+            <a:ext cx="4040188" cy="2963466"/>
           </a:xfrm>
         </p:spPr>
         <p:txBody>
@@ -2519,40 +3004,40 @@
             </a:lvl9pPr>
           </a:lstStyle>
           <a:p>
-            <a:pPr lvl="0"/>
+            <a:pPr lvl="0" eaLnBrk="1" latinLnBrk="0" hangingPunct="1"/>
             <a:r>
               <a:rPr lang="zh-CN" altLang="en-US" smtClean="0"/>
               <a:t>单击此处编辑母版文本样式</a:t>
             </a:r>
           </a:p>
           <a:p>
-            <a:pPr lvl="1"/>
+            <a:pPr lvl="1" eaLnBrk="1" latinLnBrk="0" hangingPunct="1"/>
             <a:r>
               <a:rPr lang="zh-CN" altLang="en-US" smtClean="0"/>
               <a:t>第二级</a:t>
             </a:r>
           </a:p>
           <a:p>
-            <a:pPr lvl="2"/>
+            <a:pPr lvl="2" eaLnBrk="1" latinLnBrk="0" hangingPunct="1"/>
             <a:r>
               <a:rPr lang="zh-CN" altLang="en-US" smtClean="0"/>
               <a:t>第三级</a:t>
             </a:r>
           </a:p>
           <a:p>
-            <a:pPr lvl="3"/>
+            <a:pPr lvl="3" eaLnBrk="1" latinLnBrk="0" hangingPunct="1"/>
             <a:r>
               <a:rPr lang="zh-CN" altLang="en-US" smtClean="0"/>
               <a:t>第四级</a:t>
             </a:r>
           </a:p>
           <a:p>
-            <a:pPr lvl="4"/>
+            <a:pPr lvl="4" eaLnBrk="1" latinLnBrk="0" hangingPunct="1"/>
             <a:r>
               <a:rPr lang="zh-CN" altLang="en-US" smtClean="0"/>
               <a:t>第五级</a:t>
             </a:r>
-            <a:endParaRPr lang="zh-CN" altLang="en-US"/>
+            <a:endParaRPr kumimoji="0" lang="en-US"/>
           </a:p>
         </p:txBody>
       </p:sp>
@@ -2568,8 +3053,8 @@
         </p:nvSpPr>
         <p:spPr>
           <a:xfrm>
-            <a:off x="4645025" y="1535113"/>
-            <a:ext cx="4041775" cy="639762"/>
+            <a:off x="4645026" y="1151335"/>
+            <a:ext cx="4041775" cy="479822"/>
           </a:xfrm>
         </p:spPr>
         <p:txBody>
@@ -2613,9 +3098,9 @@
             </a:lvl9pPr>
           </a:lstStyle>
           <a:p>
-            <a:pPr lvl="0"/>
-            <a:r>
-              <a:rPr lang="zh-CN" altLang="en-US" smtClean="0"/>
+            <a:pPr lvl="0" eaLnBrk="1" latinLnBrk="0" hangingPunct="1"/>
+            <a:r>
+              <a:rPr kumimoji="0" lang="zh-CN" altLang="en-US" smtClean="0"/>
               <a:t>单击此处编辑母版文本样式</a:t>
             </a:r>
           </a:p>
@@ -2633,8 +3118,8 @@
         </p:nvSpPr>
         <p:spPr>
           <a:xfrm>
-            <a:off x="4645025" y="2174875"/>
-            <a:ext cx="4041775" cy="3951288"/>
+            <a:off x="4645026" y="1631156"/>
+            <a:ext cx="4041775" cy="2963466"/>
           </a:xfrm>
         </p:spPr>
         <p:txBody>
@@ -2669,40 +3154,40 @@
             </a:lvl9pPr>
           </a:lstStyle>
           <a:p>
-            <a:pPr lvl="0"/>
+            <a:pPr lvl="0" eaLnBrk="1" latinLnBrk="0" hangingPunct="1"/>
             <a:r>
               <a:rPr lang="zh-CN" altLang="en-US" smtClean="0"/>
               <a:t>单击此处编辑母版文本样式</a:t>
             </a:r>
           </a:p>
           <a:p>
-            <a:pPr lvl="1"/>
+            <a:pPr lvl="1" eaLnBrk="1" latinLnBrk="0" hangingPunct="1"/>
             <a:r>
               <a:rPr lang="zh-CN" altLang="en-US" smtClean="0"/>
               <a:t>第二级</a:t>
             </a:r>
           </a:p>
           <a:p>
-            <a:pPr lvl="2"/>
+            <a:pPr lvl="2" eaLnBrk="1" latinLnBrk="0" hangingPunct="1"/>
             <a:r>
               <a:rPr lang="zh-CN" altLang="en-US" smtClean="0"/>
               <a:t>第三级</a:t>
             </a:r>
           </a:p>
           <a:p>
-            <a:pPr lvl="3"/>
+            <a:pPr lvl="3" eaLnBrk="1" latinLnBrk="0" hangingPunct="1"/>
             <a:r>
               <a:rPr lang="zh-CN" altLang="en-US" smtClean="0"/>
               <a:t>第四级</a:t>
             </a:r>
           </a:p>
           <a:p>
-            <a:pPr lvl="4"/>
+            <a:pPr lvl="4" eaLnBrk="1" latinLnBrk="0" hangingPunct="1"/>
             <a:r>
               <a:rPr lang="zh-CN" altLang="en-US" smtClean="0"/>
               <a:t>第五级</a:t>
             </a:r>
-            <a:endParaRPr lang="zh-CN" altLang="en-US"/>
+            <a:endParaRPr kumimoji="0" lang="en-US"/>
           </a:p>
         </p:txBody>
       </p:sp>
@@ -2723,7 +3208,7 @@
           <a:p>
             <a:fld id="{530820CF-B880-4189-942D-D702A7CBA730}" type="datetimeFigureOut">
               <a:rPr lang="zh-CN" altLang="en-US" smtClean="0"/>
-              <a:t>2013/11/19</a:t>
+              <a:t>2017/11/2</a:t>
             </a:fld>
             <a:endParaRPr lang="zh-CN" altLang="en-US"/>
           </a:p>
@@ -2771,6 +3256,39 @@
           </a:p>
         </p:txBody>
       </p:sp>
+      <p:pic>
+        <p:nvPicPr>
+          <p:cNvPr id="11" name="图片 10"/>
+          <p:cNvPicPr>
+            <a:picLocks noChangeAspect="1"/>
+          </p:cNvPicPr>
+          <p:nvPr/>
+        </p:nvPicPr>
+        <p:blipFill>
+          <a:blip r:embed="rId3">
+            <a:duotone>
+              <a:schemeClr val="bg2"/>
+              <a:srgbClr val="FFF1C1"/>
+            </a:duotone>
+          </a:blip>
+          <a:stretch>
+            <a:fillRect/>
+          </a:stretch>
+        </p:blipFill>
+        <p:spPr>
+          <a:xfrm>
+            <a:off x="8135908" y="0"/>
+            <a:ext cx="1008093" cy="1071552"/>
+          </a:xfrm>
+          <a:prstGeom prst="rect">
+            <a:avLst/>
+          </a:prstGeom>
+          <a:noFill/>
+          <a:ln>
+            <a:noFill/>
+          </a:ln>
+        </p:spPr>
+      </p:pic>
     </p:spTree>
   </p:cSld>
   <p:clrMapOvr>
@@ -2798,6 +3316,54 @@
       </p:grpSpPr>
       <p:sp>
         <p:nvSpPr>
+          <p:cNvPr id="6" name="矩形 5"/>
+          <p:cNvSpPr/>
+          <p:nvPr/>
+        </p:nvSpPr>
+        <p:spPr>
+          <a:xfrm>
+            <a:off x="0" y="0"/>
+            <a:ext cx="669600" cy="5143500"/>
+          </a:xfrm>
+          <a:prstGeom prst="rect">
+            <a:avLst/>
+          </a:prstGeom>
+          <a:blipFill>
+            <a:blip r:embed="rId2">
+              <a:alphaModFix amt="40000"/>
+            </a:blip>
+            <a:tile tx="0" ty="0" sx="50000" sy="50000" flip="x" algn="tl"/>
+          </a:blipFill>
+          <a:ln w="25400" cap="rnd" cmpd="sng" algn="ctr">
+            <a:noFill/>
+            <a:prstDash val="solid"/>
+          </a:ln>
+        </p:spPr>
+        <p:style>
+          <a:lnRef idx="2">
+            <a:schemeClr val="accent1"/>
+          </a:lnRef>
+          <a:fillRef idx="1">
+            <a:schemeClr val="accent1"/>
+          </a:fillRef>
+          <a:effectRef idx="0">
+            <a:schemeClr val="accent1"/>
+          </a:effectRef>
+          <a:fontRef idx="minor">
+            <a:schemeClr val="lt1"/>
+          </a:fontRef>
+        </p:style>
+        <p:txBody>
+          <a:bodyPr rtlCol="0" anchor="ctr"/>
+          <a:lstStyle/>
+          <a:p>
+            <a:pPr algn="ctr" eaLnBrk="1" latinLnBrk="0" hangingPunct="1"/>
+            <a:endParaRPr kumimoji="0" lang="zh-CN" altLang="en-US"/>
+          </a:p>
+        </p:txBody>
+      </p:sp>
+      <p:sp>
+        <p:nvSpPr>
           <p:cNvPr id="2" name="标题 1"/>
           <p:cNvSpPr>
             <a:spLocks noGrp="1"/>
@@ -2812,10 +3378,10 @@
           <a:lstStyle/>
           <a:p>
             <a:r>
-              <a:rPr lang="zh-CN" altLang="en-US" smtClean="0"/>
+              <a:rPr kumimoji="0" lang="zh-CN" altLang="en-US" smtClean="0"/>
               <a:t>单击此处编辑母版标题样式</a:t>
             </a:r>
-            <a:endParaRPr lang="zh-CN" altLang="en-US"/>
+            <a:endParaRPr kumimoji="0" lang="en-US"/>
           </a:p>
         </p:txBody>
       </p:sp>
@@ -2836,7 +3402,7 @@
           <a:p>
             <a:fld id="{530820CF-B880-4189-942D-D702A7CBA730}" type="datetimeFigureOut">
               <a:rPr lang="zh-CN" altLang="en-US" smtClean="0"/>
-              <a:t>2013/11/19</a:t>
+              <a:t>2017/11/2</a:t>
             </a:fld>
             <a:endParaRPr lang="zh-CN" altLang="en-US"/>
           </a:p>
@@ -2884,6 +3450,39 @@
           </a:p>
         </p:txBody>
       </p:sp>
+      <p:pic>
+        <p:nvPicPr>
+          <p:cNvPr id="7" name="图片 6"/>
+          <p:cNvPicPr>
+            <a:picLocks noChangeAspect="1"/>
+          </p:cNvPicPr>
+          <p:nvPr/>
+        </p:nvPicPr>
+        <p:blipFill>
+          <a:blip r:embed="rId3">
+            <a:duotone>
+              <a:schemeClr val="bg2"/>
+              <a:srgbClr val="FFF1C1"/>
+            </a:duotone>
+          </a:blip>
+          <a:stretch>
+            <a:fillRect/>
+          </a:stretch>
+        </p:blipFill>
+        <p:spPr>
+          <a:xfrm>
+            <a:off x="8135908" y="0"/>
+            <a:ext cx="1008093" cy="1071552"/>
+          </a:xfrm>
+          <a:prstGeom prst="rect">
+            <a:avLst/>
+          </a:prstGeom>
+          <a:noFill/>
+          <a:ln>
+            <a:noFill/>
+          </a:ln>
+        </p:spPr>
+      </p:pic>
     </p:spTree>
   </p:cSld>
   <p:clrMapOvr>
@@ -2911,6 +3510,54 @@
       </p:grpSpPr>
       <p:sp>
         <p:nvSpPr>
+          <p:cNvPr id="5" name="矩形 4"/>
+          <p:cNvSpPr/>
+          <p:nvPr/>
+        </p:nvSpPr>
+        <p:spPr>
+          <a:xfrm>
+            <a:off x="0" y="0"/>
+            <a:ext cx="669600" cy="5143500"/>
+          </a:xfrm>
+          <a:prstGeom prst="rect">
+            <a:avLst/>
+          </a:prstGeom>
+          <a:blipFill>
+            <a:blip r:embed="rId2">
+              <a:alphaModFix amt="40000"/>
+            </a:blip>
+            <a:tile tx="0" ty="0" sx="50000" sy="50000" flip="x" algn="tl"/>
+          </a:blipFill>
+          <a:ln w="25400" cap="rnd" cmpd="sng" algn="ctr">
+            <a:noFill/>
+            <a:prstDash val="solid"/>
+          </a:ln>
+        </p:spPr>
+        <p:style>
+          <a:lnRef idx="2">
+            <a:schemeClr val="accent1"/>
+          </a:lnRef>
+          <a:fillRef idx="1">
+            <a:schemeClr val="accent1"/>
+          </a:fillRef>
+          <a:effectRef idx="0">
+            <a:schemeClr val="accent1"/>
+          </a:effectRef>
+          <a:fontRef idx="minor">
+            <a:schemeClr val="lt1"/>
+          </a:fontRef>
+        </p:style>
+        <p:txBody>
+          <a:bodyPr rtlCol="0" anchor="ctr"/>
+          <a:lstStyle/>
+          <a:p>
+            <a:pPr algn="ctr" eaLnBrk="1" latinLnBrk="0" hangingPunct="1"/>
+            <a:endParaRPr kumimoji="0" lang="zh-CN" altLang="en-US"/>
+          </a:p>
+        </p:txBody>
+      </p:sp>
+      <p:sp>
+        <p:nvSpPr>
           <p:cNvPr id="2" name="日期占位符 1"/>
           <p:cNvSpPr>
             <a:spLocks noGrp="1"/>
@@ -2926,7 +3573,7 @@
           <a:p>
             <a:fld id="{530820CF-B880-4189-942D-D702A7CBA730}" type="datetimeFigureOut">
               <a:rPr lang="zh-CN" altLang="en-US" smtClean="0"/>
-              <a:t>2013/11/19</a:t>
+              <a:t>2017/11/2</a:t>
             </a:fld>
             <a:endParaRPr lang="zh-CN" altLang="en-US"/>
           </a:p>
@@ -2974,6 +3621,39 @@
           </a:p>
         </p:txBody>
       </p:sp>
+      <p:pic>
+        <p:nvPicPr>
+          <p:cNvPr id="6" name="图片 5"/>
+          <p:cNvPicPr>
+            <a:picLocks noChangeAspect="1"/>
+          </p:cNvPicPr>
+          <p:nvPr/>
+        </p:nvPicPr>
+        <p:blipFill>
+          <a:blip r:embed="rId3">
+            <a:duotone>
+              <a:schemeClr val="bg2"/>
+              <a:srgbClr val="FFF1C1"/>
+            </a:duotone>
+          </a:blip>
+          <a:stretch>
+            <a:fillRect/>
+          </a:stretch>
+        </p:blipFill>
+        <p:spPr>
+          <a:xfrm>
+            <a:off x="8135908" y="0"/>
+            <a:ext cx="1008093" cy="1071552"/>
+          </a:xfrm>
+          <a:prstGeom prst="rect">
+            <a:avLst/>
+          </a:prstGeom>
+          <a:noFill/>
+          <a:ln>
+            <a:noFill/>
+          </a:ln>
+        </p:spPr>
+      </p:pic>
     </p:spTree>
   </p:cSld>
   <p:clrMapOvr>
@@ -3001,33 +3681,99 @@
       </p:grpSpPr>
       <p:sp>
         <p:nvSpPr>
-          <p:cNvPr id="2" name="标题 1"/>
-          <p:cNvSpPr>
-            <a:spLocks noGrp="1"/>
-          </p:cNvSpPr>
-          <p:nvPr>
-            <p:ph type="title"/>
-          </p:nvPr>
+          <p:cNvPr id="8" name="矩形 7"/>
+          <p:cNvSpPr/>
+          <p:nvPr/>
         </p:nvSpPr>
         <p:spPr>
           <a:xfrm>
-            <a:off x="457200" y="273050"/>
-            <a:ext cx="3008313" cy="1162050"/>
+            <a:off x="0" y="0"/>
+            <a:ext cx="673200" cy="5143500"/>
+          </a:xfrm>
+          <a:prstGeom prst="rect">
+            <a:avLst/>
+          </a:prstGeom>
+          <a:blipFill>
+            <a:blip r:embed="rId2">
+              <a:alphaModFix amt="40000"/>
+            </a:blip>
+            <a:tile tx="0" ty="0" sx="50000" sy="50000" flip="x" algn="tl"/>
+          </a:blipFill>
+          <a:ln w="25400" cap="rnd" cmpd="sng" algn="ctr">
+            <a:noFill/>
+            <a:prstDash val="solid"/>
+          </a:ln>
+        </p:spPr>
+        <p:style>
+          <a:lnRef idx="2">
+            <a:schemeClr val="accent1"/>
+          </a:lnRef>
+          <a:fillRef idx="1">
+            <a:schemeClr val="accent1"/>
+          </a:fillRef>
+          <a:effectRef idx="0">
+            <a:schemeClr val="accent1"/>
+          </a:effectRef>
+          <a:fontRef idx="minor">
+            <a:schemeClr val="lt1"/>
+          </a:fontRef>
+        </p:style>
+        <p:txBody>
+          <a:bodyPr rtlCol="0" anchor="ctr"/>
+          <a:lstStyle/>
+          <a:p>
+            <a:pPr algn="ctr" eaLnBrk="1" latinLnBrk="0" hangingPunct="1"/>
+            <a:endParaRPr kumimoji="0" lang="zh-CN" altLang="en-US"/>
+          </a:p>
+        </p:txBody>
+      </p:sp>
+      <p:sp>
+        <p:nvSpPr>
+          <p:cNvPr id="2" name="标题 1"/>
+          <p:cNvSpPr>
+            <a:spLocks noGrp="1"/>
+          </p:cNvSpPr>
+          <p:nvPr>
+            <p:ph type="title"/>
+          </p:nvPr>
+        </p:nvSpPr>
+        <p:spPr>
+          <a:xfrm>
+            <a:off x="461176" y="4018370"/>
+            <a:ext cx="8226225" cy="576021"/>
           </a:xfrm>
         </p:spPr>
         <p:txBody>
-          <a:bodyPr anchor="b"/>
+          <a:bodyPr anchor="ctr"/>
           <a:lstStyle>
-            <a:lvl1pPr algn="l">
-              <a:defRPr sz="2000" b="1"/>
+            <a:lvl1pPr algn="ctr">
+              <a:defRPr lang="zh-CN" altLang="en-US" sz="3600" b="0" kern="1200" spc="50" dirty="0">
+                <a:ln w="12700">
+                  <a:noFill/>
+                  <a:prstDash val="solid"/>
+                </a:ln>
+                <a:solidFill>
+                  <a:schemeClr val="accent4"/>
+                </a:solidFill>
+                <a:effectLst>
+                  <a:outerShdw blurRad="38100" dist="20320" dir="2700000" algn="tl" rotWithShape="0">
+                    <a:srgbClr val="000000">
+                      <a:alpha val="70000"/>
+                    </a:srgbClr>
+                  </a:outerShdw>
+                </a:effectLst>
+                <a:latin typeface="+mj-lt"/>
+                <a:ea typeface="+mj-ea"/>
+                <a:cs typeface="+mj-cs"/>
+              </a:defRPr>
             </a:lvl1pPr>
           </a:lstStyle>
           <a:p>
             <a:r>
-              <a:rPr lang="zh-CN" altLang="en-US" smtClean="0"/>
+              <a:rPr kumimoji="0" lang="zh-CN" altLang="en-US" smtClean="0"/>
               <a:t>单击此处编辑母版标题样式</a:t>
             </a:r>
-            <a:endParaRPr lang="zh-CN" altLang="en-US"/>
+            <a:endParaRPr kumimoji="0" lang="en-US"/>
           </a:p>
         </p:txBody>
       </p:sp>
@@ -3043,8 +3789,8 @@
         </p:nvSpPr>
         <p:spPr>
           <a:xfrm>
-            <a:off x="3575050" y="273050"/>
-            <a:ext cx="5111750" cy="5853113"/>
+            <a:off x="460382" y="321453"/>
+            <a:ext cx="5111750" cy="3643339"/>
           </a:xfrm>
         </p:spPr>
         <p:txBody>
@@ -3079,40 +3825,40 @@
             </a:lvl9pPr>
           </a:lstStyle>
           <a:p>
-            <a:pPr lvl="0"/>
+            <a:pPr lvl="0" eaLnBrk="1" latinLnBrk="0" hangingPunct="1"/>
             <a:r>
               <a:rPr lang="zh-CN" altLang="en-US" smtClean="0"/>
               <a:t>单击此处编辑母版文本样式</a:t>
             </a:r>
           </a:p>
           <a:p>
-            <a:pPr lvl="1"/>
+            <a:pPr lvl="1" eaLnBrk="1" latinLnBrk="0" hangingPunct="1"/>
             <a:r>
               <a:rPr lang="zh-CN" altLang="en-US" smtClean="0"/>
               <a:t>第二级</a:t>
             </a:r>
           </a:p>
           <a:p>
-            <a:pPr lvl="2"/>
+            <a:pPr lvl="2" eaLnBrk="1" latinLnBrk="0" hangingPunct="1"/>
             <a:r>
               <a:rPr lang="zh-CN" altLang="en-US" smtClean="0"/>
               <a:t>第三级</a:t>
             </a:r>
           </a:p>
           <a:p>
-            <a:pPr lvl="3"/>
+            <a:pPr lvl="3" eaLnBrk="1" latinLnBrk="0" hangingPunct="1"/>
             <a:r>
               <a:rPr lang="zh-CN" altLang="en-US" smtClean="0"/>
               <a:t>第四级</a:t>
             </a:r>
           </a:p>
           <a:p>
-            <a:pPr lvl="4"/>
+            <a:pPr lvl="4" eaLnBrk="1" latinLnBrk="0" hangingPunct="1"/>
             <a:r>
               <a:rPr lang="zh-CN" altLang="en-US" smtClean="0"/>
               <a:t>第五级</a:t>
             </a:r>
-            <a:endParaRPr lang="zh-CN" altLang="en-US"/>
+            <a:endParaRPr kumimoji="0" lang="en-US"/>
           </a:p>
         </p:txBody>
       </p:sp>
@@ -3128,8 +3874,8 @@
         </p:nvSpPr>
         <p:spPr>
           <a:xfrm>
-            <a:off x="457200" y="1435100"/>
-            <a:ext cx="3008313" cy="4691063"/>
+            <a:off x="5679087" y="1017973"/>
+            <a:ext cx="3008313" cy="2946818"/>
           </a:xfrm>
         </p:spPr>
         <p:txBody>
@@ -3173,12 +3919,41 @@
             </a:lvl9pPr>
           </a:lstStyle>
           <a:p>
-            <a:pPr lvl="0"/>
+            <a:pPr lvl="0" eaLnBrk="1" latinLnBrk="0" hangingPunct="1"/>
             <a:r>
               <a:rPr lang="zh-CN" altLang="en-US" smtClean="0"/>
               <a:t>单击此处编辑母版文本样式</a:t>
             </a:r>
           </a:p>
+          <a:p>
+            <a:pPr lvl="1" eaLnBrk="1" latinLnBrk="0" hangingPunct="1"/>
+            <a:r>
+              <a:rPr lang="zh-CN" altLang="en-US" smtClean="0"/>
+              <a:t>第二级</a:t>
+            </a:r>
+          </a:p>
+          <a:p>
+            <a:pPr lvl="2" eaLnBrk="1" latinLnBrk="0" hangingPunct="1"/>
+            <a:r>
+              <a:rPr lang="zh-CN" altLang="en-US" smtClean="0"/>
+              <a:t>第三级</a:t>
+            </a:r>
+          </a:p>
+          <a:p>
+            <a:pPr lvl="3" eaLnBrk="1" latinLnBrk="0" hangingPunct="1"/>
+            <a:r>
+              <a:rPr lang="zh-CN" altLang="en-US" smtClean="0"/>
+              <a:t>第四级</a:t>
+            </a:r>
+          </a:p>
+          <a:p>
+            <a:pPr lvl="4" eaLnBrk="1" latinLnBrk="0" hangingPunct="1"/>
+            <a:r>
+              <a:rPr lang="zh-CN" altLang="en-US" smtClean="0"/>
+              <a:t>第五级</a:t>
+            </a:r>
+            <a:endParaRPr kumimoji="0" lang="en-US"/>
+          </a:p>
         </p:txBody>
       </p:sp>
       <p:sp>
@@ -3198,7 +3973,7 @@
           <a:p>
             <a:fld id="{530820CF-B880-4189-942D-D702A7CBA730}" type="datetimeFigureOut">
               <a:rPr lang="zh-CN" altLang="en-US" smtClean="0"/>
-              <a:t>2013/11/19</a:t>
+              <a:t>2017/11/2</a:t>
             </a:fld>
             <a:endParaRPr lang="zh-CN" altLang="en-US"/>
           </a:p>
@@ -3246,6 +4021,39 @@
           </a:p>
         </p:txBody>
       </p:sp>
+      <p:pic>
+        <p:nvPicPr>
+          <p:cNvPr id="9" name="图片 8"/>
+          <p:cNvPicPr>
+            <a:picLocks noChangeAspect="1"/>
+          </p:cNvPicPr>
+          <p:nvPr/>
+        </p:nvPicPr>
+        <p:blipFill>
+          <a:blip r:embed="rId3">
+            <a:duotone>
+              <a:schemeClr val="bg2"/>
+              <a:srgbClr val="FFF1C1"/>
+            </a:duotone>
+          </a:blip>
+          <a:stretch>
+            <a:fillRect/>
+          </a:stretch>
+        </p:blipFill>
+        <p:spPr>
+          <a:xfrm>
+            <a:off x="8135908" y="0"/>
+            <a:ext cx="1008093" cy="1071552"/>
+          </a:xfrm>
+          <a:prstGeom prst="rect">
+            <a:avLst/>
+          </a:prstGeom>
+          <a:noFill/>
+          <a:ln>
+            <a:noFill/>
+          </a:ln>
+        </p:spPr>
+      </p:pic>
     </p:spTree>
   </p:cSld>
   <p:clrMapOvr>
@@ -3273,33 +4081,103 @@
       </p:grpSpPr>
       <p:sp>
         <p:nvSpPr>
-          <p:cNvPr id="2" name="标题 1"/>
-          <p:cNvSpPr>
-            <a:spLocks noGrp="1"/>
-          </p:cNvSpPr>
-          <p:nvPr>
-            <p:ph type="title"/>
-          </p:nvPr>
+          <p:cNvPr id="8" name="矩形 7"/>
+          <p:cNvSpPr/>
+          <p:nvPr/>
         </p:nvSpPr>
         <p:spPr>
           <a:xfrm>
-            <a:off x="1792288" y="4800600"/>
-            <a:ext cx="5486400" cy="566738"/>
+            <a:off x="0" y="0"/>
+            <a:ext cx="669600" cy="5143500"/>
+          </a:xfrm>
+          <a:prstGeom prst="rect">
+            <a:avLst/>
+          </a:prstGeom>
+          <a:blipFill>
+            <a:blip r:embed="rId2">
+              <a:alphaModFix amt="40000"/>
+            </a:blip>
+            <a:tile tx="0" ty="0" sx="50000" sy="50000" flip="x" algn="tl"/>
+          </a:blipFill>
+          <a:ln w="25400" cap="rnd" cmpd="sng" algn="ctr">
+            <a:noFill/>
+            <a:prstDash val="solid"/>
+          </a:ln>
+        </p:spPr>
+        <p:style>
+          <a:lnRef idx="2">
+            <a:schemeClr val="accent1"/>
+          </a:lnRef>
+          <a:fillRef idx="1">
+            <a:schemeClr val="accent1"/>
+          </a:fillRef>
+          <a:effectRef idx="0">
+            <a:schemeClr val="accent1"/>
+          </a:effectRef>
+          <a:fontRef idx="minor">
+            <a:schemeClr val="lt1"/>
+          </a:fontRef>
+        </p:style>
+        <p:txBody>
+          <a:bodyPr rtlCol="0" anchor="ctr"/>
+          <a:lstStyle/>
+          <a:p>
+            <a:pPr algn="ctr" eaLnBrk="1" latinLnBrk="0" hangingPunct="1"/>
+            <a:endParaRPr kumimoji="0" lang="zh-CN" altLang="en-US"/>
+          </a:p>
+        </p:txBody>
+      </p:sp>
+      <p:sp>
+        <p:nvSpPr>
+          <p:cNvPr id="2" name="标题 1"/>
+          <p:cNvSpPr>
+            <a:spLocks noGrp="1"/>
+          </p:cNvSpPr>
+          <p:nvPr>
+            <p:ph type="title"/>
+          </p:nvPr>
+        </p:nvSpPr>
+        <p:spPr>
+          <a:xfrm>
+            <a:off x="695298" y="160718"/>
+            <a:ext cx="7448602" cy="585789"/>
           </a:xfrm>
         </p:spPr>
         <p:txBody>
-          <a:bodyPr anchor="b"/>
+          <a:bodyPr anchor="ctr"/>
           <a:lstStyle>
-            <a:lvl1pPr algn="l">
-              <a:defRPr sz="2000" b="1"/>
+            <a:lvl1pPr algn="ctr" rtl="0">
+              <a:spcBef>
+                <a:spcPct val="0"/>
+              </a:spcBef>
+              <a:buNone/>
+              <a:defRPr sz="3600" b="0" kern="1200" spc="50">
+                <a:ln w="12700">
+                  <a:noFill/>
+                  <a:prstDash val="solid"/>
+                </a:ln>
+                <a:solidFill>
+                  <a:schemeClr val="accent4"/>
+                </a:solidFill>
+                <a:effectLst>
+                  <a:outerShdw blurRad="38100" dist="20320" dir="2700000" algn="tl" rotWithShape="0">
+                    <a:srgbClr val="000000">
+                      <a:alpha val="70000"/>
+                    </a:srgbClr>
+                  </a:outerShdw>
+                </a:effectLst>
+                <a:latin typeface="+mj-lt"/>
+                <a:ea typeface="+mj-ea"/>
+                <a:cs typeface="+mj-cs"/>
+              </a:defRPr>
             </a:lvl1pPr>
           </a:lstStyle>
           <a:p>
             <a:r>
-              <a:rPr lang="zh-CN" altLang="en-US" smtClean="0"/>
+              <a:rPr kumimoji="0" lang="zh-CN" altLang="en-US" smtClean="0"/>
               <a:t>单击此处编辑母版标题样式</a:t>
             </a:r>
-            <a:endParaRPr lang="zh-CN" altLang="en-US"/>
+            <a:endParaRPr kumimoji="0" lang="en-US"/>
           </a:p>
         </p:txBody>
       </p:sp>
@@ -3315,10 +4193,30 @@
         </p:nvSpPr>
         <p:spPr>
           <a:xfrm>
-            <a:off x="1792288" y="612775"/>
-            <a:ext cx="5486400" cy="4114800"/>
+            <a:off x="681015" y="750081"/>
+            <a:ext cx="7452360" cy="3911231"/>
           </a:xfrm>
+          <a:prstGeom prst="snip2DiagRect">
+            <a:avLst>
+              <a:gd name="adj1" fmla="val 0"/>
+              <a:gd name="adj2" fmla="val 17946"/>
+            </a:avLst>
+          </a:prstGeom>
         </p:spPr>
+        <p:style>
+          <a:lnRef idx="2">
+            <a:schemeClr val="accent1"/>
+          </a:lnRef>
+          <a:fillRef idx="1">
+            <a:schemeClr val="lt1"/>
+          </a:fillRef>
+          <a:effectRef idx="0">
+            <a:schemeClr val="accent1"/>
+          </a:effectRef>
+          <a:fontRef idx="minor">
+            <a:schemeClr val="dk1"/>
+          </a:fontRef>
+        </p:style>
         <p:txBody>
           <a:bodyPr/>
           <a:lstStyle>
@@ -3360,7 +4258,11 @@
             </a:lvl9pPr>
           </a:lstStyle>
           <a:p>
-            <a:endParaRPr lang="zh-CN" altLang="en-US"/>
+            <a:r>
+              <a:rPr kumimoji="0" lang="zh-CN" altLang="en-US" smtClean="0"/>
+              <a:t>单击图标添加图片</a:t>
+            </a:r>
+            <a:endParaRPr kumimoji="0" lang="en-US"/>
           </a:p>
         </p:txBody>
       </p:sp>
@@ -3376,30 +4278,30 @@
         </p:nvSpPr>
         <p:spPr>
           <a:xfrm>
-            <a:off x="1792288" y="5367338"/>
-            <a:ext cx="5486400" cy="804862"/>
+            <a:off x="4953001" y="4682725"/>
+            <a:ext cx="3180375" cy="460775"/>
           </a:xfrm>
         </p:spPr>
         <p:txBody>
-          <a:bodyPr/>
+          <a:bodyPr anchor="t"/>
           <a:lstStyle>
-            <a:lvl1pPr marL="0" indent="0">
+            <a:lvl1pPr marL="0" indent="0" algn="r">
               <a:buNone/>
               <a:defRPr sz="1400"/>
             </a:lvl1pPr>
-            <a:lvl2pPr marL="457200" indent="0">
+            <a:lvl2pPr marL="457200" indent="0" algn="r">
               <a:buNone/>
               <a:defRPr sz="1200"/>
             </a:lvl2pPr>
-            <a:lvl3pPr marL="914400" indent="0">
+            <a:lvl3pPr marL="914400" indent="0" algn="r">
               <a:buNone/>
               <a:defRPr sz="1000"/>
             </a:lvl3pPr>
-            <a:lvl4pPr marL="1371600" indent="0">
+            <a:lvl4pPr marL="1371600" indent="0" algn="r">
               <a:buNone/>
               <a:defRPr sz="900"/>
             </a:lvl4pPr>
-            <a:lvl5pPr marL="1828800" indent="0">
+            <a:lvl5pPr marL="1828800" indent="0" algn="r">
               <a:buNone/>
               <a:defRPr sz="900"/>
             </a:lvl5pPr>
@@ -3421,9 +4323,9 @@
             </a:lvl9pPr>
           </a:lstStyle>
           <a:p>
-            <a:pPr lvl="0"/>
-            <a:r>
-              <a:rPr lang="zh-CN" altLang="en-US" smtClean="0"/>
+            <a:pPr lvl="0" eaLnBrk="1" latinLnBrk="0" hangingPunct="1"/>
+            <a:r>
+              <a:rPr kumimoji="0" lang="zh-CN" altLang="en-US" smtClean="0"/>
               <a:t>单击此处编辑母版文本样式</a:t>
             </a:r>
           </a:p>
@@ -3439,14 +4341,19 @@
             <p:ph type="dt" sz="half" idx="10"/>
           </p:nvPr>
         </p:nvSpPr>
-        <p:spPr/>
+        <p:spPr>
+          <a:xfrm>
+            <a:off x="609600" y="4869659"/>
+            <a:ext cx="1676384" cy="273844"/>
+          </a:xfrm>
+        </p:spPr>
         <p:txBody>
           <a:bodyPr/>
           <a:lstStyle/>
           <a:p>
             <a:fld id="{530820CF-B880-4189-942D-D702A7CBA730}" type="datetimeFigureOut">
               <a:rPr lang="zh-CN" altLang="en-US" smtClean="0"/>
-              <a:t>2013/11/19</a:t>
+              <a:t>2017/11/2</a:t>
             </a:fld>
             <a:endParaRPr lang="zh-CN" altLang="en-US"/>
           </a:p>
@@ -3462,7 +4369,12 @@
             <p:ph type="ftr" sz="quarter" idx="11"/>
           </p:nvPr>
         </p:nvSpPr>
-        <p:spPr/>
+        <p:spPr>
+          <a:xfrm>
+            <a:off x="2285984" y="4869657"/>
+            <a:ext cx="2643206" cy="273844"/>
+          </a:xfrm>
+        </p:spPr>
         <p:txBody>
           <a:bodyPr/>
           <a:lstStyle/>
@@ -3481,7 +4393,30 @@
             <p:ph type="sldNum" sz="quarter" idx="12"/>
           </p:nvPr>
         </p:nvSpPr>
-        <p:spPr/>
+        <p:spPr>
+          <a:xfrm>
+            <a:off x="683073" y="4010254"/>
+            <a:ext cx="871200" cy="653400"/>
+          </a:xfrm>
+          <a:prstGeom prst="rtTriangle">
+            <a:avLst/>
+          </a:prstGeom>
+          <a:noFill/>
+        </p:spPr>
+        <p:style>
+          <a:lnRef idx="2">
+            <a:schemeClr val="accent1"/>
+          </a:lnRef>
+          <a:fillRef idx="1">
+            <a:schemeClr val="lt1"/>
+          </a:fillRef>
+          <a:effectRef idx="0">
+            <a:schemeClr val="accent1"/>
+          </a:effectRef>
+          <a:fontRef idx="minor">
+            <a:schemeClr val="dk1"/>
+          </a:fontRef>
+        </p:style>
         <p:txBody>
           <a:bodyPr/>
           <a:lstStyle/>
@@ -3494,6 +4429,39 @@
           </a:p>
         </p:txBody>
       </p:sp>
+      <p:pic>
+        <p:nvPicPr>
+          <p:cNvPr id="9" name="图片 8"/>
+          <p:cNvPicPr>
+            <a:picLocks noChangeAspect="1"/>
+          </p:cNvPicPr>
+          <p:nvPr/>
+        </p:nvPicPr>
+        <p:blipFill>
+          <a:blip r:embed="rId3">
+            <a:duotone>
+              <a:schemeClr val="bg2"/>
+              <a:srgbClr val="FFF1C1"/>
+            </a:duotone>
+          </a:blip>
+          <a:stretch>
+            <a:fillRect/>
+          </a:stretch>
+        </p:blipFill>
+        <p:spPr>
+          <a:xfrm>
+            <a:off x="8135908" y="0"/>
+            <a:ext cx="1008093" cy="1071552"/>
+          </a:xfrm>
+          <a:prstGeom prst="rect">
+            <a:avLst/>
+          </a:prstGeom>
+          <a:noFill/>
+          <a:ln>
+            <a:noFill/>
+          </a:ln>
+        </p:spPr>
+      </p:pic>
     </p:spTree>
   </p:cSld>
   <p:clrMapOvr>
@@ -3507,7 +4475,7 @@
   <p:cSld>
     <p:bg>
       <p:bgRef idx="1001">
-        <a:schemeClr val="bg1"/>
+        <a:schemeClr val="bg2"/>
       </p:bgRef>
     </p:bg>
     <p:spTree>
@@ -3536,24 +4504,31 @@
         </p:nvSpPr>
         <p:spPr>
           <a:xfrm>
-            <a:off x="457200" y="274638"/>
-            <a:ext cx="8229600" cy="1143000"/>
+            <a:off x="457200" y="205979"/>
+            <a:ext cx="7776000" cy="857250"/>
           </a:xfrm>
           <a:prstGeom prst="rect">
             <a:avLst/>
           </a:prstGeom>
         </p:spPr>
         <p:txBody>
-          <a:bodyPr vert="horz" lIns="91440" tIns="45720" rIns="91440" bIns="45720" rtlCol="0" anchor="ctr">
+          <a:bodyPr vert="horz" rtlCol="0" anchor="ctr">
             <a:normAutofit/>
+            <a:scene3d>
+              <a:camera prst="orthographicFront"/>
+              <a:lightRig rig="soft" dir="t"/>
+            </a:scene3d>
+            <a:sp3d prstMaterial="matte">
+              <a:bevelT w="12700" h="12700"/>
+            </a:sp3d>
           </a:bodyPr>
           <a:lstStyle/>
           <a:p>
             <a:r>
-              <a:rPr lang="zh-CN" altLang="en-US" smtClean="0"/>
+              <a:rPr kumimoji="0" lang="zh-CN" altLang="en-US" smtClean="0"/>
               <a:t>单击此处编辑母版标题样式</a:t>
             </a:r>
-            <a:endParaRPr lang="zh-CN" altLang="en-US"/>
+            <a:endParaRPr kumimoji="0" lang="en-US"/>
           </a:p>
         </p:txBody>
       </p:sp>
@@ -3569,53 +4544,53 @@
         </p:nvSpPr>
         <p:spPr>
           <a:xfrm>
-            <a:off x="457200" y="1600200"/>
-            <a:ext cx="8229600" cy="4525963"/>
+            <a:off x="457200" y="1200151"/>
+            <a:ext cx="8229600" cy="3394472"/>
           </a:xfrm>
           <a:prstGeom prst="rect">
             <a:avLst/>
           </a:prstGeom>
         </p:spPr>
         <p:txBody>
-          <a:bodyPr vert="horz" lIns="91440" tIns="45720" rIns="91440" bIns="45720" rtlCol="0">
+          <a:bodyPr vert="horz" rtlCol="0">
             <a:normAutofit/>
           </a:bodyPr>
           <a:lstStyle/>
           <a:p>
-            <a:pPr lvl="0"/>
-            <a:r>
-              <a:rPr lang="zh-CN" altLang="en-US" smtClean="0"/>
+            <a:pPr lvl="0" eaLnBrk="1" latinLnBrk="0" hangingPunct="1"/>
+            <a:r>
+              <a:rPr kumimoji="0" lang="zh-CN" altLang="en-US" smtClean="0"/>
               <a:t>单击此处编辑母版文本样式</a:t>
             </a:r>
           </a:p>
           <a:p>
-            <a:pPr lvl="1"/>
-            <a:r>
-              <a:rPr lang="zh-CN" altLang="en-US" smtClean="0"/>
+            <a:pPr lvl="1" eaLnBrk="1" latinLnBrk="0" hangingPunct="1"/>
+            <a:r>
+              <a:rPr kumimoji="0" lang="zh-CN" altLang="en-US" smtClean="0"/>
               <a:t>第二级</a:t>
             </a:r>
           </a:p>
           <a:p>
-            <a:pPr lvl="2"/>
-            <a:r>
-              <a:rPr lang="zh-CN" altLang="en-US" smtClean="0"/>
+            <a:pPr lvl="2" eaLnBrk="1" latinLnBrk="0" hangingPunct="1"/>
+            <a:r>
+              <a:rPr kumimoji="0" lang="zh-CN" altLang="en-US" smtClean="0"/>
               <a:t>第三级</a:t>
             </a:r>
           </a:p>
           <a:p>
-            <a:pPr lvl="3"/>
-            <a:r>
-              <a:rPr lang="zh-CN" altLang="en-US" smtClean="0"/>
+            <a:pPr lvl="3" eaLnBrk="1" latinLnBrk="0" hangingPunct="1"/>
+            <a:r>
+              <a:rPr kumimoji="0" lang="zh-CN" altLang="en-US" smtClean="0"/>
               <a:t>第四级</a:t>
             </a:r>
           </a:p>
           <a:p>
-            <a:pPr lvl="4"/>
-            <a:r>
-              <a:rPr lang="zh-CN" altLang="en-US" smtClean="0"/>
+            <a:pPr lvl="4" eaLnBrk="1" latinLnBrk="0" hangingPunct="1"/>
+            <a:r>
+              <a:rPr kumimoji="0" lang="zh-CN" altLang="en-US" smtClean="0"/>
               <a:t>第五级</a:t>
             </a:r>
-            <a:endParaRPr lang="zh-CN" altLang="en-US"/>
+            <a:endParaRPr kumimoji="0" lang="en-US"/>
           </a:p>
         </p:txBody>
       </p:sp>
@@ -3631,22 +4606,20 @@
         </p:nvSpPr>
         <p:spPr>
           <a:xfrm>
-            <a:off x="457200" y="6356350"/>
-            <a:ext cx="2133600" cy="365125"/>
+            <a:off x="457200" y="4767263"/>
+            <a:ext cx="2133600" cy="273844"/>
           </a:xfrm>
           <a:prstGeom prst="rect">
             <a:avLst/>
           </a:prstGeom>
         </p:spPr>
         <p:txBody>
-          <a:bodyPr vert="horz" lIns="91440" tIns="45720" rIns="91440" bIns="45720" rtlCol="0" anchor="ctr"/>
+          <a:bodyPr vert="horz" lIns="274320" rtlCol="0" anchor="ctr"/>
           <a:lstStyle>
-            <a:lvl1pPr algn="l">
-              <a:defRPr sz="1200">
+            <a:lvl1pPr algn="l" eaLnBrk="1" latinLnBrk="0" hangingPunct="1">
+              <a:defRPr kumimoji="0" sz="1200">
                 <a:solidFill>
-                  <a:schemeClr val="tx1">
-                    <a:tint val="75000"/>
-                  </a:schemeClr>
+                  <a:schemeClr val="tx1"/>
                 </a:solidFill>
               </a:defRPr>
             </a:lvl1pPr>
@@ -3654,7 +4627,7 @@
           <a:p>
             <a:fld id="{530820CF-B880-4189-942D-D702A7CBA730}" type="datetimeFigureOut">
               <a:rPr lang="zh-CN" altLang="en-US" smtClean="0"/>
-              <a:t>2013/11/19</a:t>
+              <a:t>2017/11/2</a:t>
             </a:fld>
             <a:endParaRPr lang="zh-CN" altLang="en-US"/>
           </a:p>
@@ -3672,22 +4645,20 @@
         </p:nvSpPr>
         <p:spPr>
           <a:xfrm>
-            <a:off x="3124200" y="6356350"/>
-            <a:ext cx="2895600" cy="365125"/>
+            <a:off x="3124200" y="4767263"/>
+            <a:ext cx="2895600" cy="273844"/>
           </a:xfrm>
           <a:prstGeom prst="rect">
             <a:avLst/>
           </a:prstGeom>
         </p:spPr>
         <p:txBody>
-          <a:bodyPr vert="horz" lIns="91440" tIns="45720" rIns="91440" bIns="45720" rtlCol="0" anchor="ctr"/>
+          <a:bodyPr vert="horz" rtlCol="0" anchor="ctr"/>
           <a:lstStyle>
-            <a:lvl1pPr algn="ctr">
-              <a:defRPr sz="1200">
+            <a:lvl1pPr algn="ctr" eaLnBrk="1" latinLnBrk="0" hangingPunct="1">
+              <a:defRPr kumimoji="0" sz="1200">
                 <a:solidFill>
-                  <a:schemeClr val="tx1">
-                    <a:tint val="75000"/>
-                  </a:schemeClr>
+                  <a:schemeClr val="tx1"/>
                 </a:solidFill>
               </a:defRPr>
             </a:lvl1pPr>
@@ -3709,22 +4680,20 @@
         </p:nvSpPr>
         <p:spPr>
           <a:xfrm>
-            <a:off x="6553200" y="6356350"/>
-            <a:ext cx="2133600" cy="365125"/>
+            <a:off x="6553200" y="4767263"/>
+            <a:ext cx="2133600" cy="273844"/>
           </a:xfrm>
           <a:prstGeom prst="rect">
             <a:avLst/>
           </a:prstGeom>
         </p:spPr>
         <p:txBody>
-          <a:bodyPr vert="horz" lIns="91440" tIns="45720" rIns="91440" bIns="45720" rtlCol="0" anchor="ctr"/>
+          <a:bodyPr vert="horz" lIns="45720" tIns="45720" rIns="45720" rtlCol="0" anchor="ctr"/>
           <a:lstStyle>
-            <a:lvl1pPr algn="r">
-              <a:defRPr sz="1200">
+            <a:lvl1pPr algn="r" eaLnBrk="1" latinLnBrk="0" hangingPunct="1">
+              <a:defRPr kumimoji="0" sz="1200">
                 <a:solidFill>
-                  <a:schemeClr val="tx1">
-                    <a:tint val="75000"/>
-                  </a:schemeClr>
+                  <a:schemeClr val="tx1"/>
                 </a:solidFill>
               </a:defRPr>
             </a:lvl1pPr>
@@ -3740,45 +4709,116 @@
       </p:sp>
     </p:spTree>
   </p:cSld>
-  <p:clrMap bg1="lt1" tx1="dk1" bg2="lt2" tx2="dk2" accent1="accent1" accent2="accent2" accent3="accent3" accent4="accent4" accent5="accent5" accent6="accent6" hlink="hlink" folHlink="folHlink"/>
+  <p:clrMap bg1="dk1" tx1="lt1" bg2="dk2" tx2="lt2" accent1="accent1" accent2="accent2" accent3="accent3" accent4="accent4" accent5="accent5" accent6="accent6" hlink="hlink" folHlink="folHlink"/>
   <p:sldLayoutIdLst>
-    <p:sldLayoutId id="2147483649" r:id="rId1"/>
-    <p:sldLayoutId id="2147483650" r:id="rId2"/>
-    <p:sldLayoutId id="2147483651" r:id="rId3"/>
-    <p:sldLayoutId id="2147483652" r:id="rId4"/>
-    <p:sldLayoutId id="2147483653" r:id="rId5"/>
-    <p:sldLayoutId id="2147483654" r:id="rId6"/>
-    <p:sldLayoutId id="2147483655" r:id="rId7"/>
-    <p:sldLayoutId id="2147483656" r:id="rId8"/>
-    <p:sldLayoutId id="2147483657" r:id="rId9"/>
-    <p:sldLayoutId id="2147483658" r:id="rId10"/>
-    <p:sldLayoutId id="2147483659" r:id="rId11"/>
+    <p:sldLayoutId id="2147483661" r:id="rId1"/>
+    <p:sldLayoutId id="2147483662" r:id="rId2"/>
+    <p:sldLayoutId id="2147483663" r:id="rId3"/>
+    <p:sldLayoutId id="2147483664" r:id="rId4"/>
+    <p:sldLayoutId id="2147483665" r:id="rId5"/>
+    <p:sldLayoutId id="2147483666" r:id="rId6"/>
+    <p:sldLayoutId id="2147483667" r:id="rId7"/>
+    <p:sldLayoutId id="2147483668" r:id="rId8"/>
+    <p:sldLayoutId id="2147483669" r:id="rId9"/>
+    <p:sldLayoutId id="2147483670" r:id="rId10"/>
+    <p:sldLayoutId id="2147483671" r:id="rId11"/>
   </p:sldLayoutIdLst>
   <p:txStyles>
     <p:titleStyle>
-      <a:lvl1pPr algn="ctr" defTabSz="914400" rtl="0" eaLnBrk="1" latinLnBrk="0" hangingPunct="1">
+      <a:lvl1pPr algn="l" rtl="0" eaLnBrk="1" latinLnBrk="0" hangingPunct="1">
         <a:spcBef>
           <a:spcPct val="0"/>
         </a:spcBef>
         <a:buNone/>
-        <a:defRPr sz="4400" kern="1200">
+        <a:defRPr kumimoji="0" lang="zh-CN" altLang="en-US" sz="4400" b="0" kern="1200" spc="50" dirty="0">
+          <a:ln w="12700">
+            <a:noFill/>
+            <a:prstDash val="solid"/>
+          </a:ln>
           <a:solidFill>
-            <a:schemeClr val="tx1"/>
+            <a:schemeClr val="accent4"/>
           </a:solidFill>
+          <a:effectLst>
+            <a:outerShdw blurRad="38100" dist="20320" dir="2700000" algn="tl" rotWithShape="0">
+              <a:srgbClr val="000000">
+                <a:alpha val="70000"/>
+              </a:srgbClr>
+            </a:outerShdw>
+          </a:effectLst>
           <a:latin typeface="+mj-lt"/>
           <a:ea typeface="+mj-ea"/>
           <a:cs typeface="+mj-cs"/>
         </a:defRPr>
       </a:lvl1pPr>
+      <a:lvl2pPr eaLnBrk="1" latinLnBrk="0" hangingPunct="1">
+        <a:defRPr kumimoji="0">
+          <a:solidFill>
+            <a:schemeClr val="tx2"/>
+          </a:solidFill>
+        </a:defRPr>
+      </a:lvl2pPr>
+      <a:lvl3pPr eaLnBrk="1" latinLnBrk="0" hangingPunct="1">
+        <a:defRPr kumimoji="0">
+          <a:solidFill>
+            <a:schemeClr val="tx2"/>
+          </a:solidFill>
+        </a:defRPr>
+      </a:lvl3pPr>
+      <a:lvl4pPr eaLnBrk="1" latinLnBrk="0" hangingPunct="1">
+        <a:defRPr kumimoji="0">
+          <a:solidFill>
+            <a:schemeClr val="tx2"/>
+          </a:solidFill>
+        </a:defRPr>
+      </a:lvl4pPr>
+      <a:lvl5pPr eaLnBrk="1" latinLnBrk="0" hangingPunct="1">
+        <a:defRPr kumimoji="0">
+          <a:solidFill>
+            <a:schemeClr val="tx2"/>
+          </a:solidFill>
+        </a:defRPr>
+      </a:lvl5pPr>
+      <a:lvl6pPr eaLnBrk="1" latinLnBrk="0" hangingPunct="1">
+        <a:defRPr kumimoji="0">
+          <a:solidFill>
+            <a:schemeClr val="tx2"/>
+          </a:solidFill>
+        </a:defRPr>
+      </a:lvl6pPr>
+      <a:lvl7pPr eaLnBrk="1" latinLnBrk="0" hangingPunct="1">
+        <a:defRPr kumimoji="0">
+          <a:solidFill>
+            <a:schemeClr val="tx2"/>
+          </a:solidFill>
+        </a:defRPr>
+      </a:lvl7pPr>
+      <a:lvl8pPr eaLnBrk="1" latinLnBrk="0" hangingPunct="1">
+        <a:defRPr kumimoji="0">
+          <a:solidFill>
+            <a:schemeClr val="tx2"/>
+          </a:solidFill>
+        </a:defRPr>
+      </a:lvl8pPr>
+      <a:lvl9pPr eaLnBrk="1" latinLnBrk="0" hangingPunct="1">
+        <a:defRPr kumimoji="0">
+          <a:solidFill>
+            <a:schemeClr val="tx2"/>
+          </a:solidFill>
+        </a:defRPr>
+      </a:lvl9pPr>
     </p:titleStyle>
     <p:bodyStyle>
-      <a:lvl1pPr marL="342900" indent="-342900" algn="l" defTabSz="914400" rtl="0" eaLnBrk="1" latinLnBrk="0" hangingPunct="1">
+      <a:lvl1pPr marL="342900" indent="-342900" algn="l" rtl="0" eaLnBrk="1" latinLnBrk="0" hangingPunct="1">
         <a:spcBef>
           <a:spcPct val="20000"/>
         </a:spcBef>
-        <a:buFont typeface="Arial" pitchFamily="34" charset="0"/>
-        <a:buChar char="•"/>
-        <a:defRPr sz="3200" kern="1200">
+        <a:buClr>
+          <a:schemeClr val="tx2"/>
+        </a:buClr>
+        <a:buSzPct val="60000"/>
+        <a:buFont typeface="Wingdings 2"/>
+        <a:buChar char=""/>
+        <a:defRPr kumimoji="0" sz="3200" kern="1200">
           <a:solidFill>
             <a:schemeClr val="tx1"/>
           </a:solidFill>
@@ -3787,13 +4827,17 @@
           <a:cs typeface="+mn-cs"/>
         </a:defRPr>
       </a:lvl1pPr>
-      <a:lvl2pPr marL="742950" indent="-285750" algn="l" defTabSz="914400" rtl="0" eaLnBrk="1" latinLnBrk="0" hangingPunct="1">
+      <a:lvl2pPr marL="742950" indent="-285750" algn="l" rtl="0" eaLnBrk="1" latinLnBrk="0" hangingPunct="1">
         <a:spcBef>
           <a:spcPct val="20000"/>
         </a:spcBef>
-        <a:buFont typeface="Arial" pitchFamily="34" charset="0"/>
-        <a:buChar char="–"/>
-        <a:defRPr sz="2800" kern="1200">
+        <a:buClr>
+          <a:schemeClr val="tx2"/>
+        </a:buClr>
+        <a:buSzPct val="60000"/>
+        <a:buFont typeface="Wingdings 2"/>
+        <a:buChar char=""/>
+        <a:defRPr kumimoji="0" sz="2800" kern="1200">
           <a:solidFill>
             <a:schemeClr val="tx1"/>
           </a:solidFill>
@@ -3802,13 +4846,17 @@
           <a:cs typeface="+mn-cs"/>
         </a:defRPr>
       </a:lvl2pPr>
-      <a:lvl3pPr marL="1143000" indent="-228600" algn="l" defTabSz="914400" rtl="0" eaLnBrk="1" latinLnBrk="0" hangingPunct="1">
+      <a:lvl3pPr marL="1143000" indent="-228600" algn="l" rtl="0" eaLnBrk="1" latinLnBrk="0" hangingPunct="1">
         <a:spcBef>
           <a:spcPct val="20000"/>
         </a:spcBef>
-        <a:buFont typeface="Arial" pitchFamily="34" charset="0"/>
-        <a:buChar char="•"/>
-        <a:defRPr sz="2400" kern="1200">
+        <a:buClr>
+          <a:schemeClr val="tx2"/>
+        </a:buClr>
+        <a:buSzPct val="60000"/>
+        <a:buFont typeface="Wingdings 2"/>
+        <a:buChar char=""/>
+        <a:defRPr kumimoji="0" sz="2400" kern="1200">
           <a:solidFill>
             <a:schemeClr val="tx1"/>
           </a:solidFill>
@@ -3817,13 +4865,17 @@
           <a:cs typeface="+mn-cs"/>
         </a:defRPr>
       </a:lvl3pPr>
-      <a:lvl4pPr marL="1600200" indent="-228600" algn="l" defTabSz="914400" rtl="0" eaLnBrk="1" latinLnBrk="0" hangingPunct="1">
+      <a:lvl4pPr marL="1600200" indent="-228600" algn="l" rtl="0" eaLnBrk="1" latinLnBrk="0" hangingPunct="1">
         <a:spcBef>
           <a:spcPct val="20000"/>
         </a:spcBef>
-        <a:buFont typeface="Arial" pitchFamily="34" charset="0"/>
-        <a:buChar char="–"/>
-        <a:defRPr sz="2000" kern="1200">
+        <a:buClr>
+          <a:schemeClr val="tx2"/>
+        </a:buClr>
+        <a:buSzPct val="60000"/>
+        <a:buFont typeface="Wingdings 2"/>
+        <a:buChar char=""/>
+        <a:defRPr kumimoji="0" sz="2000" kern="1200">
           <a:solidFill>
             <a:schemeClr val="tx1"/>
           </a:solidFill>
@@ -3832,13 +4884,17 @@
           <a:cs typeface="+mn-cs"/>
         </a:defRPr>
       </a:lvl4pPr>
-      <a:lvl5pPr marL="2057400" indent="-228600" algn="l" defTabSz="914400" rtl="0" eaLnBrk="1" latinLnBrk="0" hangingPunct="1">
+      <a:lvl5pPr marL="2057400" indent="-228600" algn="l" rtl="0" eaLnBrk="1" latinLnBrk="0" hangingPunct="1">
         <a:spcBef>
           <a:spcPct val="20000"/>
         </a:spcBef>
-        <a:buFont typeface="Arial" pitchFamily="34" charset="0"/>
-        <a:buChar char="»"/>
-        <a:defRPr sz="2000" kern="1200">
+        <a:buClr>
+          <a:schemeClr val="tx2"/>
+        </a:buClr>
+        <a:buSzPct val="60000"/>
+        <a:buFont typeface="Wingdings 2"/>
+        <a:buChar char=""/>
+        <a:defRPr kumimoji="0" sz="2000" kern="1200">
           <a:solidFill>
             <a:schemeClr val="tx1"/>
           </a:solidFill>
@@ -3847,13 +4903,13 @@
           <a:cs typeface="+mn-cs"/>
         </a:defRPr>
       </a:lvl5pPr>
-      <a:lvl6pPr marL="2514600" indent="-228600" algn="l" defTabSz="914400" rtl="0" eaLnBrk="1" latinLnBrk="0" hangingPunct="1">
+      <a:lvl6pPr marL="2514600" indent="-228600" algn="l" rtl="0" eaLnBrk="1" latinLnBrk="0" hangingPunct="1">
         <a:spcBef>
           <a:spcPct val="20000"/>
         </a:spcBef>
-        <a:buFont typeface="Arial" pitchFamily="34" charset="0"/>
+        <a:buFont typeface="Arial"/>
         <a:buChar char="•"/>
-        <a:defRPr sz="2000" kern="1200">
+        <a:defRPr kumimoji="0" sz="2000" kern="1200">
           <a:solidFill>
             <a:schemeClr val="tx1"/>
           </a:solidFill>
@@ -3862,13 +4918,13 @@
           <a:cs typeface="+mn-cs"/>
         </a:defRPr>
       </a:lvl6pPr>
-      <a:lvl7pPr marL="2971800" indent="-228600" algn="l" defTabSz="914400" rtl="0" eaLnBrk="1" latinLnBrk="0" hangingPunct="1">
+      <a:lvl7pPr marL="2971800" indent="-228600" algn="l" rtl="0" eaLnBrk="1" latinLnBrk="0" hangingPunct="1">
         <a:spcBef>
           <a:spcPct val="20000"/>
         </a:spcBef>
-        <a:buFont typeface="Arial" pitchFamily="34" charset="0"/>
+        <a:buFont typeface="Arial"/>
         <a:buChar char="•"/>
-        <a:defRPr sz="2000" kern="1200">
+        <a:defRPr kumimoji="0" sz="2000" kern="1200">
           <a:solidFill>
             <a:schemeClr val="tx1"/>
           </a:solidFill>
@@ -3877,13 +4933,13 @@
           <a:cs typeface="+mn-cs"/>
         </a:defRPr>
       </a:lvl7pPr>
-      <a:lvl8pPr marL="3429000" indent="-228600" algn="l" defTabSz="914400" rtl="0" eaLnBrk="1" latinLnBrk="0" hangingPunct="1">
+      <a:lvl8pPr marL="3429000" indent="-228600" algn="l" rtl="0" eaLnBrk="1" latinLnBrk="0" hangingPunct="1">
         <a:spcBef>
           <a:spcPct val="20000"/>
         </a:spcBef>
-        <a:buFont typeface="Arial" pitchFamily="34" charset="0"/>
+        <a:buFont typeface="Arial"/>
         <a:buChar char="•"/>
-        <a:defRPr sz="2000" kern="1200">
+        <a:defRPr kumimoji="0" sz="2000" kern="1200">
           <a:solidFill>
             <a:schemeClr val="tx1"/>
           </a:solidFill>
@@ -3892,13 +4948,13 @@
           <a:cs typeface="+mn-cs"/>
         </a:defRPr>
       </a:lvl8pPr>
-      <a:lvl9pPr marL="3886200" indent="-228600" algn="l" defTabSz="914400" rtl="0" eaLnBrk="1" latinLnBrk="0" hangingPunct="1">
+      <a:lvl9pPr marL="3886200" indent="-228600" algn="l" rtl="0" eaLnBrk="1" latinLnBrk="0" hangingPunct="1">
         <a:spcBef>
           <a:spcPct val="20000"/>
         </a:spcBef>
-        <a:buFont typeface="Arial" pitchFamily="34" charset="0"/>
+        <a:buFont typeface="Arial"/>
         <a:buChar char="•"/>
-        <a:defRPr sz="2000" kern="1200">
+        <a:defRPr kumimoji="0" sz="2000" kern="1200">
           <a:solidFill>
             <a:schemeClr val="tx1"/>
           </a:solidFill>
@@ -3909,11 +4965,8 @@
       </a:lvl9pPr>
     </p:bodyStyle>
     <p:otherStyle>
-      <a:defPPr>
-        <a:defRPr lang="zh-CN"/>
-      </a:defPPr>
-      <a:lvl1pPr marL="0" algn="l" defTabSz="914400" rtl="0" eaLnBrk="1" latinLnBrk="0" hangingPunct="1">
-        <a:defRPr sz="1800" kern="1200">
+      <a:lvl1pPr marL="0" algn="l" rtl="0" eaLnBrk="1" latinLnBrk="0" hangingPunct="1">
+        <a:defRPr kumimoji="0" kern="1200">
           <a:solidFill>
             <a:schemeClr val="tx1"/>
           </a:solidFill>
@@ -3922,8 +4975,8 @@
           <a:cs typeface="+mn-cs"/>
         </a:defRPr>
       </a:lvl1pPr>
-      <a:lvl2pPr marL="457200" algn="l" defTabSz="914400" rtl="0" eaLnBrk="1" latinLnBrk="0" hangingPunct="1">
-        <a:defRPr sz="1800" kern="1200">
+      <a:lvl2pPr marL="457200" algn="l" rtl="0" eaLnBrk="1" latinLnBrk="0" hangingPunct="1">
+        <a:defRPr kumimoji="0" kern="1200">
           <a:solidFill>
             <a:schemeClr val="tx1"/>
           </a:solidFill>
@@ -3932,8 +4985,8 @@
           <a:cs typeface="+mn-cs"/>
         </a:defRPr>
       </a:lvl2pPr>
-      <a:lvl3pPr marL="914400" algn="l" defTabSz="914400" rtl="0" eaLnBrk="1" latinLnBrk="0" hangingPunct="1">
-        <a:defRPr sz="1800" kern="1200">
+      <a:lvl3pPr marL="914400" algn="l" rtl="0" eaLnBrk="1" latinLnBrk="0" hangingPunct="1">
+        <a:defRPr kumimoji="0" kern="1200">
           <a:solidFill>
             <a:schemeClr val="tx1"/>
           </a:solidFill>
@@ -3942,8 +4995,8 @@
           <a:cs typeface="+mn-cs"/>
         </a:defRPr>
       </a:lvl3pPr>
-      <a:lvl4pPr marL="1371600" algn="l" defTabSz="914400" rtl="0" eaLnBrk="1" latinLnBrk="0" hangingPunct="1">
-        <a:defRPr sz="1800" kern="1200">
+      <a:lvl4pPr marL="1371600" algn="l" rtl="0" eaLnBrk="1" latinLnBrk="0" hangingPunct="1">
+        <a:defRPr kumimoji="0" kern="1200">
           <a:solidFill>
             <a:schemeClr val="tx1"/>
           </a:solidFill>
@@ -3952,8 +5005,8 @@
           <a:cs typeface="+mn-cs"/>
         </a:defRPr>
       </a:lvl4pPr>
-      <a:lvl5pPr marL="1828800" algn="l" defTabSz="914400" rtl="0" eaLnBrk="1" latinLnBrk="0" hangingPunct="1">
-        <a:defRPr sz="1800" kern="1200">
+      <a:lvl5pPr marL="1828800" algn="l" rtl="0" eaLnBrk="1" latinLnBrk="0" hangingPunct="1">
+        <a:defRPr kumimoji="0" kern="1200">
           <a:solidFill>
             <a:schemeClr val="tx1"/>
           </a:solidFill>
@@ -3962,8 +5015,8 @@
           <a:cs typeface="+mn-cs"/>
         </a:defRPr>
       </a:lvl5pPr>
-      <a:lvl6pPr marL="2286000" algn="l" defTabSz="914400" rtl="0" eaLnBrk="1" latinLnBrk="0" hangingPunct="1">
-        <a:defRPr sz="1800" kern="1200">
+      <a:lvl6pPr marL="2286000" algn="l" rtl="0" eaLnBrk="1" latinLnBrk="0" hangingPunct="1">
+        <a:defRPr kumimoji="0" kern="1200">
           <a:solidFill>
             <a:schemeClr val="tx1"/>
           </a:solidFill>
@@ -3972,8 +5025,8 @@
           <a:cs typeface="+mn-cs"/>
         </a:defRPr>
       </a:lvl6pPr>
-      <a:lvl7pPr marL="2743200" algn="l" defTabSz="914400" rtl="0" eaLnBrk="1" latinLnBrk="0" hangingPunct="1">
-        <a:defRPr sz="1800" kern="1200">
+      <a:lvl7pPr marL="2743200" algn="l" rtl="0" eaLnBrk="1" latinLnBrk="0" hangingPunct="1">
+        <a:defRPr kumimoji="0" kern="1200">
           <a:solidFill>
             <a:schemeClr val="tx1"/>
           </a:solidFill>
@@ -3982,8 +5035,8 @@
           <a:cs typeface="+mn-cs"/>
         </a:defRPr>
       </a:lvl7pPr>
-      <a:lvl8pPr marL="3200400" algn="l" defTabSz="914400" rtl="0" eaLnBrk="1" latinLnBrk="0" hangingPunct="1">
-        <a:defRPr sz="1800" kern="1200">
+      <a:lvl8pPr marL="3200400" algn="l" rtl="0" eaLnBrk="1" latinLnBrk="0" hangingPunct="1">
+        <a:defRPr kumimoji="0" kern="1200">
           <a:solidFill>
             <a:schemeClr val="tx1"/>
           </a:solidFill>
@@ -3992,8 +5045,8 @@
           <a:cs typeface="+mn-cs"/>
         </a:defRPr>
       </a:lvl8pPr>
-      <a:lvl9pPr marL="3657600" algn="l" defTabSz="914400" rtl="0" eaLnBrk="1" latinLnBrk="0" hangingPunct="1">
-        <a:defRPr sz="1800" kern="1200">
+      <a:lvl9pPr marL="3657600" algn="l" rtl="0" eaLnBrk="1" latinLnBrk="0" hangingPunct="1">
+        <a:defRPr kumimoji="0" kern="1200">
           <a:solidFill>
             <a:schemeClr val="tx1"/>
           </a:solidFill>
@@ -4138,7 +5191,7 @@
         <p:spPr/>
         <p:txBody>
           <a:bodyPr>
-            <a:normAutofit fontScale="77500" lnSpcReduction="20000"/>
+            <a:normAutofit fontScale="62500" lnSpcReduction="20000"/>
           </a:bodyPr>
           <a:lstStyle/>
           <a:p>
@@ -4309,8 +5362,8 @@
         </p:blipFill>
         <p:spPr bwMode="auto">
           <a:xfrm>
-            <a:off x="1211263" y="3094038"/>
-            <a:ext cx="6721475" cy="669925"/>
+            <a:off x="1211264" y="2320529"/>
+            <a:ext cx="6721475" cy="502444"/>
           </a:xfrm>
           <a:prstGeom prst="rect">
             <a:avLst/>
@@ -4409,7 +5462,7 @@
         <p:spPr/>
         <p:txBody>
           <a:bodyPr>
-            <a:normAutofit fontScale="92500" lnSpcReduction="20000"/>
+            <a:normAutofit fontScale="77500" lnSpcReduction="20000"/>
           </a:bodyPr>
           <a:lstStyle/>
           <a:p>
@@ -4569,8 +5622,8 @@
         </p:blipFill>
         <p:spPr bwMode="auto">
           <a:xfrm>
-            <a:off x="1331640" y="4725144"/>
-            <a:ext cx="5730875" cy="982663"/>
+            <a:off x="1331641" y="3543859"/>
+            <a:ext cx="5730875" cy="736997"/>
           </a:xfrm>
           <a:prstGeom prst="rect">
             <a:avLst/>
@@ -4679,7 +5732,7 @@
         <p:spPr/>
         <p:txBody>
           <a:bodyPr>
-            <a:normAutofit fontScale="77500" lnSpcReduction="20000"/>
+            <a:normAutofit fontScale="62500" lnSpcReduction="20000"/>
           </a:bodyPr>
           <a:lstStyle/>
           <a:p>
@@ -4873,7 +5926,7 @@
         <p:spPr/>
         <p:txBody>
           <a:bodyPr>
-            <a:normAutofit lnSpcReduction="10000"/>
+            <a:normAutofit fontScale="92500" lnSpcReduction="20000"/>
           </a:bodyPr>
           <a:lstStyle/>
           <a:p>
@@ -5034,8 +6087,8 @@
         </p:blipFill>
         <p:spPr bwMode="auto">
           <a:xfrm>
-            <a:off x="2110819" y="3717032"/>
-            <a:ext cx="4900613" cy="1470025"/>
+            <a:off x="2110820" y="2787774"/>
+            <a:ext cx="4900613" cy="1102519"/>
           </a:xfrm>
           <a:prstGeom prst="rect">
             <a:avLst/>
@@ -5191,8 +6244,8 @@
         </p:blipFill>
         <p:spPr bwMode="auto">
           <a:xfrm>
-            <a:off x="1331640" y="4365104"/>
-            <a:ext cx="6188075" cy="334963"/>
+            <a:off x="1331641" y="3273829"/>
+            <a:ext cx="6188075" cy="251222"/>
           </a:xfrm>
           <a:prstGeom prst="rect">
             <a:avLst/>
@@ -5295,7 +6348,7 @@
         <p:spPr/>
         <p:txBody>
           <a:bodyPr>
-            <a:normAutofit/>
+            <a:normAutofit fontScale="92500" lnSpcReduction="10000"/>
           </a:bodyPr>
           <a:lstStyle/>
           <a:p>
@@ -5365,8 +6418,8 @@
         </p:blipFill>
         <p:spPr bwMode="auto">
           <a:xfrm>
-            <a:off x="1907704" y="2636912"/>
-            <a:ext cx="5021263" cy="381000"/>
+            <a:off x="1907705" y="1977684"/>
+            <a:ext cx="5021263" cy="285750"/>
           </a:xfrm>
           <a:prstGeom prst="rect">
             <a:avLst/>
@@ -5479,7 +6532,7 @@
         <p:spPr/>
         <p:txBody>
           <a:bodyPr>
-            <a:normAutofit/>
+            <a:normAutofit fontScale="92500"/>
           </a:bodyPr>
           <a:lstStyle/>
           <a:p>
@@ -5702,7 +6755,7 @@
         <p:spPr/>
         <p:txBody>
           <a:bodyPr>
-            <a:normAutofit lnSpcReduction="10000"/>
+            <a:normAutofit fontScale="92500" lnSpcReduction="20000"/>
           </a:bodyPr>
           <a:lstStyle/>
           <a:p>
@@ -5834,8 +6887,8 @@
         </p:blipFill>
         <p:spPr bwMode="auto">
           <a:xfrm>
-            <a:off x="2166938" y="3024188"/>
-            <a:ext cx="4808537" cy="808037"/>
+            <a:off x="2166939" y="2268141"/>
+            <a:ext cx="4808537" cy="606028"/>
           </a:xfrm>
           <a:prstGeom prst="rect">
             <a:avLst/>
@@ -6062,8 +7115,8 @@
         </p:blipFill>
         <p:spPr bwMode="auto">
           <a:xfrm>
-            <a:off x="2051719" y="1988840"/>
-            <a:ext cx="4748213" cy="3978275"/>
+            <a:off x="2051720" y="1491631"/>
+            <a:ext cx="4748213" cy="2983706"/>
           </a:xfrm>
           <a:prstGeom prst="rect">
             <a:avLst/>
@@ -6170,7 +7223,7 @@
         <p:spPr/>
         <p:txBody>
           <a:bodyPr>
-            <a:normAutofit fontScale="85000" lnSpcReduction="20000"/>
+            <a:normAutofit fontScale="70000" lnSpcReduction="20000"/>
           </a:bodyPr>
           <a:lstStyle/>
           <a:p>
@@ -6379,8 +7432,8 @@
         </p:blipFill>
         <p:spPr bwMode="auto">
           <a:xfrm>
-            <a:off x="2699792" y="2780928"/>
-            <a:ext cx="3475037" cy="168275"/>
+            <a:off x="2699793" y="2085697"/>
+            <a:ext cx="3475037" cy="126206"/>
           </a:xfrm>
           <a:prstGeom prst="rect">
             <a:avLst/>
@@ -6489,7 +7542,7 @@
         <p:spPr/>
         <p:txBody>
           <a:bodyPr>
-            <a:normAutofit fontScale="85000" lnSpcReduction="20000"/>
+            <a:normAutofit fontScale="70000" lnSpcReduction="20000"/>
           </a:bodyPr>
           <a:lstStyle/>
           <a:p>
@@ -6718,8 +7771,8 @@
         </p:blipFill>
         <p:spPr bwMode="auto">
           <a:xfrm>
-            <a:off x="2267744" y="2852936"/>
-            <a:ext cx="4100513" cy="3390900"/>
+            <a:off x="2267745" y="2139702"/>
+            <a:ext cx="4100513" cy="2543175"/>
           </a:xfrm>
           <a:prstGeom prst="rect">
             <a:avLst/>
@@ -6818,7 +7871,7 @@
         <p:spPr/>
         <p:txBody>
           <a:bodyPr>
-            <a:normAutofit fontScale="85000" lnSpcReduction="20000"/>
+            <a:normAutofit fontScale="70000" lnSpcReduction="20000"/>
           </a:bodyPr>
           <a:lstStyle/>
           <a:p>
@@ -6994,7 +8047,7 @@
         <p:spPr/>
         <p:txBody>
           <a:bodyPr>
-            <a:normAutofit fontScale="92500" lnSpcReduction="20000"/>
+            <a:normAutofit fontScale="77500" lnSpcReduction="20000"/>
           </a:bodyPr>
           <a:lstStyle/>
           <a:p>
@@ -7169,7 +8222,7 @@
         <p:spPr/>
         <p:txBody>
           <a:bodyPr>
-            <a:normAutofit/>
+            <a:normAutofit lnSpcReduction="10000"/>
           </a:bodyPr>
           <a:lstStyle/>
           <a:p>
@@ -7343,7 +8396,7 @@
         <p:spPr/>
         <p:txBody>
           <a:bodyPr>
-            <a:normAutofit fontScale="85000" lnSpcReduction="20000"/>
+            <a:normAutofit fontScale="70000" lnSpcReduction="20000"/>
           </a:bodyPr>
           <a:lstStyle/>
           <a:p>
@@ -7487,7 +8540,7 @@
         <p:spPr/>
         <p:txBody>
           <a:bodyPr>
-            <a:normAutofit fontScale="92500" lnSpcReduction="10000"/>
+            <a:normAutofit fontScale="85000" lnSpcReduction="20000"/>
           </a:bodyPr>
           <a:lstStyle/>
           <a:p>
@@ -7563,9 +8616,9 @@
 </file>
 
 <file path=ppt/theme/theme1.xml><?xml version="1.0" encoding="utf-8"?>
-<a:theme xmlns:a="http://schemas.openxmlformats.org/drawingml/2006/main" name="Office 主题">
+<a:theme xmlns:a="http://schemas.openxmlformats.org/drawingml/2006/main" name="凤舞九天">
   <a:themeElements>
-    <a:clrScheme name="Office">
+    <a:clrScheme name="凤舞九天">
       <a:dk1>
         <a:sysClr val="windowText" lastClr="000000"/>
       </a:dk1>
@@ -7573,43 +8626,78 @@
         <a:sysClr val="window" lastClr="FFFFFF"/>
       </a:lt1>
       <a:dk2>
-        <a:srgbClr val="1F497D"/>
+        <a:srgbClr val="004646"/>
       </a:dk2>
       <a:lt2>
-        <a:srgbClr val="EEECE1"/>
+        <a:srgbClr val="E1F0FF"/>
       </a:lt2>
       <a:accent1>
-        <a:srgbClr val="4F81BD"/>
+        <a:srgbClr val="50742F"/>
       </a:accent1>
       <a:accent2>
-        <a:srgbClr val="C0504D"/>
+        <a:srgbClr val="268868"/>
       </a:accent2>
       <a:accent3>
-        <a:srgbClr val="9BBB59"/>
+        <a:srgbClr val="33BD56"/>
       </a:accent3>
       <a:accent4>
-        <a:srgbClr val="8064A2"/>
+        <a:srgbClr val="4BC5B9"/>
       </a:accent4>
       <a:accent5>
-        <a:srgbClr val="4BACC6"/>
+        <a:srgbClr val="3163CA"/>
       </a:accent5>
       <a:accent6>
-        <a:srgbClr val="F79646"/>
+        <a:srgbClr val="4B14AA"/>
       </a:accent6>
       <a:hlink>
-        <a:srgbClr val="0000FF"/>
+        <a:srgbClr val="D9BE02"/>
       </a:hlink>
       <a:folHlink>
-        <a:srgbClr val="800080"/>
+        <a:srgbClr val="F900F9"/>
       </a:folHlink>
     </a:clrScheme>
-    <a:fontScheme name="Office">
+    <a:fontScheme name="凤舞九天">
       <a:majorFont>
-        <a:latin typeface="Calibri"/>
+        <a:latin typeface="Footlight MT Light"/>
         <a:ea typeface=""/>
         <a:cs typeface=""/>
         <a:font script="Jpan" typeface="ＭＳ Ｐゴシック"/>
         <a:font script="Hang" typeface="맑은 고딕"/>
+        <a:font script="Hans" typeface="华文新魏"/>
+        <a:font script="Hant" typeface="微軟正黑體"/>
+        <a:font script="Arab" typeface="Arial"/>
+        <a:font script="Hebr" typeface="Arial"/>
+        <a:font script="Thai" typeface="Cordia New"/>
+        <a:font script="Ethi" typeface="Nyala"/>
+        <a:font script="Beng" typeface="Vrinda"/>
+        <a:font script="Gujr" typeface="Shruti"/>
+        <a:font script="Khmr" typeface="DaunPenh"/>
+        <a:font script="Knda" typeface="Tunga"/>
+        <a:font script="Guru" typeface="Raavi"/>
+        <a:font script="Cans" typeface="Euphemia"/>
+        <a:font script="Cher" typeface="Plantagenet Cherokee"/>
+        <a:font script="Yiii" typeface="Microsoft Yi Baiti"/>
+        <a:font script="Tibt" typeface="Microsoft Himalaya"/>
+        <a:font script="Thaa" typeface="MV Boli"/>
+        <a:font script="Deva" typeface="Mangal"/>
+        <a:font script="Telu" typeface="Gautami"/>
+        <a:font script="Taml" typeface="Latha"/>
+        <a:font script="Syrc" typeface="Estrangelo Edessa"/>
+        <a:font script="Orya" typeface="Kalinga"/>
+        <a:font script="Mlym" typeface="Kartika"/>
+        <a:font script="Laoo" typeface="DokChampa"/>
+        <a:font script="Sinh" typeface="Iskoola Pota"/>
+        <a:font script="Mong" typeface="Mongolian Baiti"/>
+        <a:font script="Viet" typeface="Arial"/>
+        <a:font script="Uigh" typeface="Microsoft Uighur"/>
+        <a:font script="Geor" typeface="Sylfaen"/>
+      </a:majorFont>
+      <a:minorFont>
+        <a:latin typeface="Goudy Old Style"/>
+        <a:ea typeface=""/>
+        <a:cs typeface=""/>
+        <a:font script="Jpan" typeface="ＭＳ Ｐ明朝"/>
+        <a:font script="Hang" typeface="HY견명조"/>
         <a:font script="Hans" typeface="宋体"/>
         <a:font script="Hant" typeface="新細明體"/>
         <a:font script="Arab" typeface="Times New Roman"/>
@@ -7637,101 +8725,70 @@
         <a:font script="Mong" typeface="Mongolian Baiti"/>
         <a:font script="Viet" typeface="Times New Roman"/>
         <a:font script="Uigh" typeface="Microsoft Uighur"/>
-      </a:majorFont>
-      <a:minorFont>
-        <a:latin typeface="Calibri"/>
-        <a:ea typeface=""/>
-        <a:cs typeface=""/>
-        <a:font script="Jpan" typeface="ＭＳ Ｐゴシック"/>
-        <a:font script="Hang" typeface="맑은 고딕"/>
-        <a:font script="Hans" typeface="宋体"/>
-        <a:font script="Hant" typeface="新細明體"/>
-        <a:font script="Arab" typeface="Arial"/>
-        <a:font script="Hebr" typeface="Arial"/>
-        <a:font script="Thai" typeface="Cordia New"/>
-        <a:font script="Ethi" typeface="Nyala"/>
-        <a:font script="Beng" typeface="Vrinda"/>
-        <a:font script="Gujr" typeface="Shruti"/>
-        <a:font script="Khmr" typeface="DaunPenh"/>
-        <a:font script="Knda" typeface="Tunga"/>
-        <a:font script="Guru" typeface="Raavi"/>
-        <a:font script="Cans" typeface="Euphemia"/>
-        <a:font script="Cher" typeface="Plantagenet Cherokee"/>
-        <a:font script="Yiii" typeface="Microsoft Yi Baiti"/>
-        <a:font script="Tibt" typeface="Microsoft Himalaya"/>
-        <a:font script="Thaa" typeface="MV Boli"/>
-        <a:font script="Deva" typeface="Mangal"/>
-        <a:font script="Telu" typeface="Gautami"/>
-        <a:font script="Taml" typeface="Latha"/>
-        <a:font script="Syrc" typeface="Estrangelo Edessa"/>
-        <a:font script="Orya" typeface="Kalinga"/>
-        <a:font script="Mlym" typeface="Kartika"/>
-        <a:font script="Laoo" typeface="DokChampa"/>
-        <a:font script="Sinh" typeface="Iskoola Pota"/>
-        <a:font script="Mong" typeface="Mongolian Baiti"/>
-        <a:font script="Viet" typeface="Arial"/>
-        <a:font script="Uigh" typeface="Microsoft Uighur"/>
+        <a:font script="Geor" typeface="Sylfaen"/>
       </a:minorFont>
     </a:fontScheme>
-    <a:fmtScheme name="Office">
+    <a:fmtScheme name="凤舞九天">
       <a:fillStyleLst>
         <a:solidFill>
-          <a:schemeClr val="phClr"/>
+          <a:schemeClr val="phClr">
+            <a:tint val="100000"/>
+            <a:shade val="100000"/>
+            <a:hueMod val="100000"/>
+            <a:satMod val="100000"/>
+          </a:schemeClr>
         </a:solidFill>
         <a:gradFill rotWithShape="1">
           <a:gsLst>
             <a:gs pos="0">
               <a:schemeClr val="phClr">
-                <a:tint val="50000"/>
-                <a:satMod val="300000"/>
+                <a:tint val="65000"/>
+                <a:satMod val="180000"/>
               </a:schemeClr>
             </a:gs>
-            <a:gs pos="35000">
+            <a:gs pos="50000">
               <a:schemeClr val="phClr">
-                <a:tint val="37000"/>
-                <a:satMod val="300000"/>
+                <a:tint val="40000"/>
+                <a:satMod val="175000"/>
               </a:schemeClr>
             </a:gs>
             <a:gs pos="100000">
               <a:schemeClr val="phClr">
-                <a:tint val="15000"/>
-                <a:satMod val="350000"/>
+                <a:tint val="65000"/>
+                <a:satMod val="180000"/>
               </a:schemeClr>
             </a:gs>
           </a:gsLst>
-          <a:lin ang="16200000" scaled="1"/>
+          <a:lin ang="0" scaled="1"/>
         </a:gradFill>
         <a:gradFill rotWithShape="1">
           <a:gsLst>
             <a:gs pos="0">
               <a:schemeClr val="phClr">
-                <a:shade val="51000"/>
-                <a:satMod val="130000"/>
+                <a:shade val="38000"/>
+                <a:satMod val="150000"/>
               </a:schemeClr>
             </a:gs>
-            <a:gs pos="80000">
+            <a:gs pos="50000">
               <a:schemeClr val="phClr">
-                <a:shade val="93000"/>
-                <a:satMod val="130000"/>
+                <a:shade val="100000"/>
+                <a:satMod val="100000"/>
               </a:schemeClr>
             </a:gs>
             <a:gs pos="100000">
               <a:schemeClr val="phClr">
-                <a:shade val="94000"/>
-                <a:satMod val="135000"/>
+                <a:shade val="38000"/>
+                <a:satMod val="150000"/>
               </a:schemeClr>
             </a:gs>
           </a:gsLst>
-          <a:lin ang="16200000" scaled="0"/>
+          <a:lin ang="0" scaled="1"/>
         </a:gradFill>
       </a:fillStyleLst>
       <a:lnStyleLst>
-        <a:ln w="9525" cap="flat" cmpd="sng" algn="ctr">
+        <a:ln w="12700" cap="flat" cmpd="sng" algn="ctr">
           <a:solidFill>
-            <a:schemeClr val="phClr">
-              <a:shade val="95000"/>
-              <a:satMod val="105000"/>
-            </a:schemeClr>
+            <a:schemeClr val="phClr"/>
           </a:solidFill>
           <a:prstDash val="solid"/>
         </a:ln>
@@ -7741,7 +8798,7 @@
           </a:solidFill>
           <a:prstDash val="solid"/>
         </a:ln>
-        <a:ln w="38100" cap="flat" cmpd="sng" algn="ctr">
+        <a:ln w="38100" cap="flat" cmpd="dbl" algn="ctr">
           <a:solidFill>
             <a:schemeClr val="phClr"/>
           </a:solidFill>
@@ -7751,92 +8808,96 @@
       <a:effectStyleLst>
         <a:effectStyle>
           <a:effectLst>
-            <a:outerShdw blurRad="40000" dist="20000" dir="5400000" rotWithShape="0">
+            <a:outerShdw blurRad="190500" dist="78600" dir="2700000" rotWithShape="0">
               <a:srgbClr val="000000">
-                <a:alpha val="38000"/>
+                <a:alpha val="35500"/>
               </a:srgbClr>
             </a:outerShdw>
           </a:effectLst>
         </a:effectStyle>
         <a:effectStyle>
           <a:effectLst>
-            <a:outerShdw blurRad="40000" dist="23000" dir="5400000" rotWithShape="0">
+            <a:outerShdw blurRad="190500" dist="78600" dir="2700000" rotWithShape="0">
               <a:srgbClr val="000000">
-                <a:alpha val="35000"/>
+                <a:alpha val="35500"/>
               </a:srgbClr>
             </a:outerShdw>
           </a:effectLst>
         </a:effectStyle>
         <a:effectStyle>
           <a:effectLst>
-            <a:outerShdw blurRad="40000" dist="23000" dir="5400000" rotWithShape="0">
+            <a:outerShdw blurRad="190500" dist="78600" dir="2700000" rotWithShape="0">
               <a:srgbClr val="000000">
-                <a:alpha val="35000"/>
+                <a:alpha val="35500"/>
               </a:srgbClr>
             </a:outerShdw>
           </a:effectLst>
           <a:scene3d>
-            <a:camera prst="orthographicFront">
+            <a:camera prst="orthographicFront" fov="0">
               <a:rot lat="0" lon="0" rev="0"/>
             </a:camera>
-            <a:lightRig rig="threePt" dir="t">
-              <a:rot lat="0" lon="0" rev="1200000"/>
+            <a:lightRig rig="soft" dir="tl">
+              <a:rot lat="0" lon="0" rev="20100000"/>
             </a:lightRig>
           </a:scene3d>
           <a:sp3d>
-            <a:bevelT w="63500" h="25400"/>
+            <a:bevelT w="50800" h="50800"/>
           </a:sp3d>
         </a:effectStyle>
       </a:effectStyleLst>
       <a:bgFillStyleLst>
         <a:solidFill>
-          <a:schemeClr val="phClr"/>
+          <a:schemeClr val="phClr">
+            <a:tint val="100000"/>
+            <a:shade val="100000"/>
+            <a:hueMod val="100000"/>
+            <a:satMod val="100000"/>
+          </a:schemeClr>
         </a:solidFill>
         <a:gradFill rotWithShape="1">
           <a:gsLst>
             <a:gs pos="0">
               <a:schemeClr val="phClr">
-                <a:tint val="40000"/>
-                <a:satMod val="350000"/>
+                <a:tint val="80000"/>
+                <a:satMod val="400000"/>
               </a:schemeClr>
             </a:gs>
-            <a:gs pos="40000">
+            <a:gs pos="25000">
               <a:schemeClr val="phClr">
-                <a:tint val="45000"/>
-                <a:shade val="99000"/>
-                <a:satMod val="350000"/>
-              </a:schemeClr>
-            </a:gs>
-            <a:gs pos="100000">
-              <a:schemeClr val="phClr">
-                <a:shade val="20000"/>
-                <a:satMod val="255000"/>
-              </a:schemeClr>
-            </a:gs>
-          </a:gsLst>
-          <a:path path="circle">
-            <a:fillToRect l="50000" t="-80000" r="50000" b="180000"/>
-          </a:path>
-        </a:gradFill>
-        <a:gradFill rotWithShape="1">
-          <a:gsLst>
-            <a:gs pos="0">
-              <a:schemeClr val="phClr">
-                <a:tint val="80000"/>
+                <a:tint val="83000"/>
                 <a:satMod val="300000"/>
               </a:schemeClr>
             </a:gs>
             <a:gs pos="100000">
               <a:schemeClr val="phClr">
-                <a:shade val="30000"/>
-                <a:satMod val="200000"/>
+                <a:shade val="15000"/>
+                <a:satMod val="300000"/>
               </a:schemeClr>
             </a:gs>
           </a:gsLst>
           <a:path path="circle">
-            <a:fillToRect l="50000" t="50000" r="50000" b="50000"/>
+            <a:fillToRect l="10000" t="180000" r="10000" b="50000"/>
           </a:path>
         </a:gradFill>
+        <a:blipFill>
+          <a:blip xmlns:r="http://schemas.openxmlformats.org/officeDocument/2006/relationships" r:embed="rId1">
+            <a:duotone>
+              <a:schemeClr val="phClr">
+                <a:tint val="100000"/>
+                <a:shade val="70000"/>
+                <a:hueMod val="100000"/>
+                <a:satMod val="100000"/>
+              </a:schemeClr>
+              <a:schemeClr val="phClr">
+                <a:tint val="90000"/>
+                <a:shade val="100000"/>
+                <a:hueMod val="100000"/>
+                <a:satMod val="100000"/>
+              </a:schemeClr>
+            </a:duotone>
+          </a:blip>
+          <a:tile tx="0" ty="0" sx="50000" sy="50000" flip="x" algn="tl"/>
+        </a:blipFill>
       </a:bgFillStyleLst>
     </a:fmtScheme>
   </a:themeElements>

--- a/Slides/9 布料 new/布料.pptx
+++ b/Slides/9 布料 new/布料.pptx
@@ -5,7 +5,7 @@
     <p:sldMasterId id="2147483660" r:id="rId1"/>
   </p:sldMasterIdLst>
   <p:notesMasterIdLst>
-    <p:notesMasterId r:id="rId27"/>
+    <p:notesMasterId r:id="rId36"/>
   </p:notesMasterIdLst>
   <p:sldIdLst>
     <p:sldId id="256" r:id="rId2"/>
@@ -18,21 +18,30 @@
     <p:sldId id="287" r:id="rId9"/>
     <p:sldId id="288" r:id="rId10"/>
     <p:sldId id="289" r:id="rId11"/>
-    <p:sldId id="290" r:id="rId12"/>
-    <p:sldId id="291" r:id="rId13"/>
-    <p:sldId id="292" r:id="rId14"/>
-    <p:sldId id="293" r:id="rId15"/>
-    <p:sldId id="261" r:id="rId16"/>
-    <p:sldId id="294" r:id="rId17"/>
-    <p:sldId id="295" r:id="rId18"/>
-    <p:sldId id="265" r:id="rId19"/>
-    <p:sldId id="274" r:id="rId20"/>
-    <p:sldId id="275" r:id="rId21"/>
-    <p:sldId id="276" r:id="rId22"/>
-    <p:sldId id="277" r:id="rId23"/>
-    <p:sldId id="278" r:id="rId24"/>
-    <p:sldId id="279" r:id="rId25"/>
-    <p:sldId id="296" r:id="rId26"/>
+    <p:sldId id="297" r:id="rId12"/>
+    <p:sldId id="290" r:id="rId13"/>
+    <p:sldId id="291" r:id="rId14"/>
+    <p:sldId id="292" r:id="rId15"/>
+    <p:sldId id="298" r:id="rId16"/>
+    <p:sldId id="299" r:id="rId17"/>
+    <p:sldId id="300" r:id="rId18"/>
+    <p:sldId id="301" r:id="rId19"/>
+    <p:sldId id="302" r:id="rId20"/>
+    <p:sldId id="303" r:id="rId21"/>
+    <p:sldId id="304" r:id="rId22"/>
+    <p:sldId id="305" r:id="rId23"/>
+    <p:sldId id="293" r:id="rId24"/>
+    <p:sldId id="261" r:id="rId25"/>
+    <p:sldId id="294" r:id="rId26"/>
+    <p:sldId id="295" r:id="rId27"/>
+    <p:sldId id="265" r:id="rId28"/>
+    <p:sldId id="274" r:id="rId29"/>
+    <p:sldId id="306" r:id="rId30"/>
+    <p:sldId id="275" r:id="rId31"/>
+    <p:sldId id="276" r:id="rId32"/>
+    <p:sldId id="277" r:id="rId33"/>
+    <p:sldId id="278" r:id="rId34"/>
+    <p:sldId id="307" r:id="rId35"/>
   </p:sldIdLst>
   <p:sldSz cx="9144000" cy="5143500" type="screen16x9"/>
   <p:notesSz cx="6858000" cy="9144000"/>
@@ -995,7 +1004,7 @@
           <a:p>
             <a:fld id="{2C67EEFC-0F3B-474D-B722-B770CCB83D27}" type="slidenum">
               <a:rPr lang="zh-CN" altLang="en-US" smtClean="0"/>
-              <a:t>14</a:t>
+              <a:t>23</a:t>
             </a:fld>
             <a:endParaRPr lang="zh-CN" altLang="en-US"/>
           </a:p>
@@ -1107,7 +1116,7 @@
           <a:p>
             <a:fld id="{2C67EEFC-0F3B-474D-B722-B770CCB83D27}" type="slidenum">
               <a:rPr lang="zh-CN" altLang="en-US" smtClean="0"/>
-              <a:t>17</a:t>
+              <a:t>26</a:t>
             </a:fld>
             <a:endParaRPr lang="zh-CN" altLang="en-US"/>
           </a:p>
@@ -5335,6 +5344,128 @@
           <a:bodyPr/>
           <a:lstStyle/>
           <a:p>
+            <a:endParaRPr lang="zh-CN" altLang="en-US" dirty="0"/>
+          </a:p>
+        </p:txBody>
+      </p:sp>
+      <p:pic>
+        <p:nvPicPr>
+          <p:cNvPr id="1026" name="Picture 2"/>
+          <p:cNvPicPr>
+            <a:picLocks noChangeAspect="1" noChangeArrowheads="1"/>
+          </p:cNvPicPr>
+          <p:nvPr/>
+        </p:nvPicPr>
+        <p:blipFill>
+          <a:blip r:embed="rId2" cstate="print">
+            <a:extLst>
+              <a:ext uri="{28A0092B-C50C-407E-A947-70E740481C1C}">
+                <a14:useLocalDpi xmlns:a14="http://schemas.microsoft.com/office/drawing/2010/main" val="0"/>
+              </a:ext>
+            </a:extLst>
+          </a:blip>
+          <a:srcRect/>
+          <a:stretch>
+            <a:fillRect/>
+          </a:stretch>
+        </p:blipFill>
+        <p:spPr bwMode="auto">
+          <a:xfrm>
+            <a:off x="1547664" y="339502"/>
+            <a:ext cx="5572580" cy="4680520"/>
+          </a:xfrm>
+          <a:prstGeom prst="rect">
+            <a:avLst/>
+          </a:prstGeom>
+          <a:noFill/>
+          <a:ln>
+            <a:noFill/>
+          </a:ln>
+          <a:extLst>
+            <a:ext uri="{909E8E84-426E-40DD-AFC4-6F175D3DCCD1}">
+              <a14:hiddenFill xmlns:a14="http://schemas.microsoft.com/office/drawing/2010/main">
+                <a:solidFill>
+                  <a:schemeClr val="accent1"/>
+                </a:solidFill>
+              </a14:hiddenFill>
+            </a:ext>
+            <a:ext uri="{91240B29-F687-4F45-9708-019B960494DF}">
+              <a14:hiddenLine xmlns:a14="http://schemas.microsoft.com/office/drawing/2010/main" w="9525">
+                <a:solidFill>
+                  <a:schemeClr val="tx1"/>
+                </a:solidFill>
+                <a:miter lim="800000"/>
+                <a:headEnd/>
+                <a:tailEnd/>
+              </a14:hiddenLine>
+            </a:ext>
+          </a:extLst>
+        </p:spPr>
+      </p:pic>
+    </p:spTree>
+    <p:extLst>
+      <p:ext uri="{BB962C8B-B14F-4D97-AF65-F5344CB8AC3E}">
+        <p14:creationId xmlns:p14="http://schemas.microsoft.com/office/powerpoint/2010/main" val="2024532853"/>
+      </p:ext>
+    </p:extLst>
+  </p:cSld>
+  <p:clrMapOvr>
+    <a:masterClrMapping/>
+  </p:clrMapOvr>
+</p:sld>
+</file>
+
+<file path=ppt/slides/slide12.xml><?xml version="1.0" encoding="utf-8"?>
+<p:sld xmlns:a="http://schemas.openxmlformats.org/drawingml/2006/main" xmlns:r="http://schemas.openxmlformats.org/officeDocument/2006/relationships" xmlns:p="http://schemas.openxmlformats.org/presentationml/2006/main">
+  <p:cSld>
+    <p:spTree>
+      <p:nvGrpSpPr>
+        <p:cNvPr id="1" name=""/>
+        <p:cNvGrpSpPr/>
+        <p:nvPr/>
+      </p:nvGrpSpPr>
+      <p:grpSpPr>
+        <a:xfrm>
+          <a:off x="0" y="0"/>
+          <a:ext cx="0" cy="0"/>
+          <a:chOff x="0" y="0"/>
+          <a:chExt cx="0" cy="0"/>
+        </a:xfrm>
+      </p:grpSpPr>
+      <p:sp>
+        <p:nvSpPr>
+          <p:cNvPr id="2" name="标题 1"/>
+          <p:cNvSpPr>
+            <a:spLocks noGrp="1"/>
+          </p:cNvSpPr>
+          <p:nvPr>
+            <p:ph type="title"/>
+          </p:nvPr>
+        </p:nvSpPr>
+        <p:spPr/>
+        <p:txBody>
+          <a:bodyPr/>
+          <a:lstStyle/>
+          <a:p>
+            <a:endParaRPr lang="zh-CN" altLang="en-US"/>
+          </a:p>
+        </p:txBody>
+      </p:sp>
+      <p:sp>
+        <p:nvSpPr>
+          <p:cNvPr id="3" name="内容占位符 2"/>
+          <p:cNvSpPr>
+            <a:spLocks noGrp="1"/>
+          </p:cNvSpPr>
+          <p:nvPr>
+            <p:ph idx="1"/>
+          </p:nvPr>
+        </p:nvSpPr>
+        <p:spPr/>
+        <p:txBody>
+          <a:bodyPr/>
+          <a:lstStyle/>
+          <a:p>
             <a:endParaRPr lang="zh-CN" altLang="en-US"/>
           </a:p>
         </p:txBody>
@@ -5413,7 +5544,7 @@
 </p:sld>
 </file>
 
-<file path=ppt/slides/slide12.xml><?xml version="1.0" encoding="utf-8"?>
+<file path=ppt/slides/slide13.xml><?xml version="1.0" encoding="utf-8"?>
 <p:sld xmlns:a="http://schemas.openxmlformats.org/drawingml/2006/main" xmlns:r="http://schemas.openxmlformats.org/officeDocument/2006/relationships" xmlns:p="http://schemas.openxmlformats.org/presentationml/2006/main">
   <p:cSld>
     <p:spTree>
@@ -5540,7 +5671,7 @@
 </p:sld>
 </file>
 
-<file path=ppt/slides/slide13.xml><?xml version="1.0" encoding="utf-8"?>
+<file path=ppt/slides/slide14.xml><?xml version="1.0" encoding="utf-8"?>
 <p:sld xmlns:a="http://schemas.openxmlformats.org/drawingml/2006/main" xmlns:r="http://schemas.openxmlformats.org/officeDocument/2006/relationships" xmlns:p="http://schemas.openxmlformats.org/presentationml/2006/main">
   <p:cSld>
     <p:spTree>
@@ -5622,7 +5753,7 @@
         </p:blipFill>
         <p:spPr bwMode="auto">
           <a:xfrm>
-            <a:off x="1331641" y="3543859"/>
+            <a:off x="1358193" y="4227934"/>
             <a:ext cx="5730875" cy="736997"/>
           </a:xfrm>
           <a:prstGeom prst="rect">
@@ -5673,7 +5804,1086 @@
 </p:sld>
 </file>
 
-<file path=ppt/slides/slide14.xml><?xml version="1.0" encoding="utf-8"?>
+<file path=ppt/slides/slide15.xml><?xml version="1.0" encoding="utf-8"?>
+<p:sld xmlns:a="http://schemas.openxmlformats.org/drawingml/2006/main" xmlns:r="http://schemas.openxmlformats.org/officeDocument/2006/relationships" xmlns:p="http://schemas.openxmlformats.org/presentationml/2006/main">
+  <p:cSld>
+    <p:spTree>
+      <p:nvGrpSpPr>
+        <p:cNvPr id="1" name=""/>
+        <p:cNvGrpSpPr/>
+        <p:nvPr/>
+      </p:nvGrpSpPr>
+      <p:grpSpPr>
+        <a:xfrm>
+          <a:off x="0" y="0"/>
+          <a:ext cx="0" cy="0"/>
+          <a:chOff x="0" y="0"/>
+          <a:chExt cx="0" cy="0"/>
+        </a:xfrm>
+      </p:grpSpPr>
+      <p:sp>
+        <p:nvSpPr>
+          <p:cNvPr id="2" name="标题 1"/>
+          <p:cNvSpPr>
+            <a:spLocks noGrp="1"/>
+          </p:cNvSpPr>
+          <p:nvPr>
+            <p:ph type="title"/>
+          </p:nvPr>
+        </p:nvSpPr>
+        <p:spPr/>
+        <p:txBody>
+          <a:bodyPr/>
+          <a:lstStyle/>
+          <a:p>
+            <a:r>
+              <a:rPr lang="en-US" altLang="zh-CN" b="1" dirty="0"/>
+              <a:t>Tether Constraints</a:t>
+            </a:r>
+            <a:endParaRPr lang="zh-CN" altLang="en-US" dirty="0"/>
+          </a:p>
+        </p:txBody>
+      </p:sp>
+      <p:sp>
+        <p:nvSpPr>
+          <p:cNvPr id="3" name="内容占位符 2"/>
+          <p:cNvSpPr>
+            <a:spLocks noGrp="1"/>
+          </p:cNvSpPr>
+          <p:nvPr>
+            <p:ph idx="1"/>
+          </p:nvPr>
+        </p:nvSpPr>
+        <p:spPr/>
+        <p:txBody>
+          <a:bodyPr/>
+          <a:lstStyle/>
+          <a:p>
+            <a:endParaRPr lang="zh-CN" altLang="en-US"/>
+          </a:p>
+        </p:txBody>
+      </p:sp>
+      <p:pic>
+        <p:nvPicPr>
+          <p:cNvPr id="2050" name="Picture 2"/>
+          <p:cNvPicPr>
+            <a:picLocks noChangeAspect="1" noChangeArrowheads="1"/>
+          </p:cNvPicPr>
+          <p:nvPr/>
+        </p:nvPicPr>
+        <p:blipFill>
+          <a:blip r:embed="rId2">
+            <a:extLst>
+              <a:ext uri="{28A0092B-C50C-407E-A947-70E740481C1C}">
+                <a14:useLocalDpi xmlns:a14="http://schemas.microsoft.com/office/drawing/2010/main" val="0"/>
+              </a:ext>
+            </a:extLst>
+          </a:blip>
+          <a:srcRect/>
+          <a:stretch>
+            <a:fillRect/>
+          </a:stretch>
+        </p:blipFill>
+        <p:spPr bwMode="auto">
+          <a:xfrm>
+            <a:off x="2324100" y="1247775"/>
+            <a:ext cx="4495800" cy="2647950"/>
+          </a:xfrm>
+          <a:prstGeom prst="rect">
+            <a:avLst/>
+          </a:prstGeom>
+          <a:noFill/>
+          <a:ln>
+            <a:noFill/>
+          </a:ln>
+          <a:extLst>
+            <a:ext uri="{909E8E84-426E-40DD-AFC4-6F175D3DCCD1}">
+              <a14:hiddenFill xmlns:a14="http://schemas.microsoft.com/office/drawing/2010/main">
+                <a:solidFill>
+                  <a:schemeClr val="accent1"/>
+                </a:solidFill>
+              </a14:hiddenFill>
+            </a:ext>
+            <a:ext uri="{91240B29-F687-4F45-9708-019B960494DF}">
+              <a14:hiddenLine xmlns:a14="http://schemas.microsoft.com/office/drawing/2010/main" w="9525">
+                <a:solidFill>
+                  <a:schemeClr val="tx1"/>
+                </a:solidFill>
+                <a:miter lim="800000"/>
+                <a:headEnd/>
+                <a:tailEnd/>
+              </a14:hiddenLine>
+            </a:ext>
+          </a:extLst>
+        </p:spPr>
+      </p:pic>
+    </p:spTree>
+    <p:extLst>
+      <p:ext uri="{BB962C8B-B14F-4D97-AF65-F5344CB8AC3E}">
+        <p14:creationId xmlns:p14="http://schemas.microsoft.com/office/powerpoint/2010/main" val="2246158089"/>
+      </p:ext>
+    </p:extLst>
+  </p:cSld>
+  <p:clrMapOvr>
+    <a:masterClrMapping/>
+  </p:clrMapOvr>
+</p:sld>
+</file>
+
+<file path=ppt/slides/slide16.xml><?xml version="1.0" encoding="utf-8"?>
+<p:sld xmlns:a="http://schemas.openxmlformats.org/drawingml/2006/main" xmlns:r="http://schemas.openxmlformats.org/officeDocument/2006/relationships" xmlns:p="http://schemas.openxmlformats.org/presentationml/2006/main">
+  <p:cSld>
+    <p:spTree>
+      <p:nvGrpSpPr>
+        <p:cNvPr id="1" name=""/>
+        <p:cNvGrpSpPr/>
+        <p:nvPr/>
+      </p:nvGrpSpPr>
+      <p:grpSpPr>
+        <a:xfrm>
+          <a:off x="0" y="0"/>
+          <a:ext cx="0" cy="0"/>
+          <a:chOff x="0" y="0"/>
+          <a:chExt cx="0" cy="0"/>
+        </a:xfrm>
+      </p:grpSpPr>
+      <p:sp>
+        <p:nvSpPr>
+          <p:cNvPr id="2" name="标题 1"/>
+          <p:cNvSpPr>
+            <a:spLocks noGrp="1"/>
+          </p:cNvSpPr>
+          <p:nvPr>
+            <p:ph type="title"/>
+          </p:nvPr>
+        </p:nvSpPr>
+        <p:spPr/>
+        <p:txBody>
+          <a:bodyPr/>
+          <a:lstStyle/>
+          <a:p>
+            <a:endParaRPr lang="zh-CN" altLang="en-US"/>
+          </a:p>
+        </p:txBody>
+      </p:sp>
+      <p:sp>
+        <p:nvSpPr>
+          <p:cNvPr id="3" name="内容占位符 2"/>
+          <p:cNvSpPr>
+            <a:spLocks noGrp="1"/>
+          </p:cNvSpPr>
+          <p:nvPr>
+            <p:ph idx="1"/>
+          </p:nvPr>
+        </p:nvSpPr>
+        <p:spPr/>
+        <p:txBody>
+          <a:bodyPr>
+            <a:normAutofit fontScale="62500" lnSpcReduction="20000"/>
+          </a:bodyPr>
+          <a:lstStyle/>
+          <a:p>
+            <a:r>
+              <a:rPr lang="en-US" altLang="zh-CN" dirty="0"/>
+              <a:t>The distance constraints are solved only once per iteration without converging </a:t>
+            </a:r>
+            <a:r>
+              <a:rPr lang="en-US" altLang="zh-CN" dirty="0" smtClean="0"/>
+              <a:t>completely</a:t>
+            </a:r>
+          </a:p>
+          <a:p>
+            <a:r>
+              <a:rPr lang="en-US" altLang="zh-CN" dirty="0" smtClean="0"/>
+              <a:t>PhysX </a:t>
+            </a:r>
+            <a:r>
+              <a:rPr lang="en-US" altLang="zh-CN" dirty="0"/>
+              <a:t>3.3 introduces tether constraints as a solution to avoid stretchiness under gravity or fast </a:t>
+            </a:r>
+            <a:r>
+              <a:rPr lang="en-US" altLang="zh-CN" dirty="0" smtClean="0"/>
+              <a:t>motion</a:t>
+            </a:r>
+          </a:p>
+          <a:p>
+            <a:r>
+              <a:rPr lang="en-US" altLang="zh-CN" dirty="0" smtClean="0"/>
+              <a:t>Tether </a:t>
+            </a:r>
+            <a:r>
+              <a:rPr lang="en-US" altLang="zh-CN" dirty="0"/>
+              <a:t>constraints prevent stretching by limiting the distance a particle can move away from their anchor </a:t>
+            </a:r>
+            <a:r>
+              <a:rPr lang="en-US" altLang="zh-CN" dirty="0" smtClean="0"/>
+              <a:t>particles</a:t>
+            </a:r>
+          </a:p>
+          <a:p>
+            <a:r>
+              <a:rPr lang="en-US" altLang="zh-CN" dirty="0" smtClean="0"/>
+              <a:t>The </a:t>
+            </a:r>
+            <a:r>
+              <a:rPr lang="en-US" altLang="zh-CN" dirty="0"/>
+              <a:t>tether constraints are automatically generated by the cooker when some </a:t>
+            </a:r>
+            <a:r>
+              <a:rPr lang="en-US" altLang="zh-CN" i="1" dirty="0" err="1"/>
+              <a:t>PxClothMeshDesc</a:t>
+            </a:r>
+            <a:r>
+              <a:rPr lang="en-US" altLang="zh-CN" i="1" dirty="0"/>
+              <a:t>::</a:t>
+            </a:r>
+            <a:r>
+              <a:rPr lang="en-US" altLang="zh-CN" i="1" dirty="0" err="1"/>
+              <a:t>invMasses</a:t>
+            </a:r>
+            <a:r>
+              <a:rPr lang="en-US" altLang="zh-CN" dirty="0"/>
+              <a:t> values are set to zero, telling the cooker that the corresponding particles are non-simulated anchor particles whose positions are provided solely from users. Changing inverse masses after the fabric has been created does not affect which anchor particles are used for the tether constraints.</a:t>
+            </a:r>
+          </a:p>
+          <a:p>
+            <a:endParaRPr lang="zh-CN" altLang="en-US" dirty="0"/>
+          </a:p>
+        </p:txBody>
+      </p:sp>
+    </p:spTree>
+    <p:extLst>
+      <p:ext uri="{BB962C8B-B14F-4D97-AF65-F5344CB8AC3E}">
+        <p14:creationId xmlns:p14="http://schemas.microsoft.com/office/powerpoint/2010/main" val="768711844"/>
+      </p:ext>
+    </p:extLst>
+  </p:cSld>
+  <p:clrMapOvr>
+    <a:masterClrMapping/>
+  </p:clrMapOvr>
+</p:sld>
+</file>
+
+<file path=ppt/slides/slide17.xml><?xml version="1.0" encoding="utf-8"?>
+<p:sld xmlns:a="http://schemas.openxmlformats.org/drawingml/2006/main" xmlns:r="http://schemas.openxmlformats.org/officeDocument/2006/relationships" xmlns:p="http://schemas.openxmlformats.org/presentationml/2006/main">
+  <p:cSld>
+    <p:spTree>
+      <p:nvGrpSpPr>
+        <p:cNvPr id="1" name=""/>
+        <p:cNvGrpSpPr/>
+        <p:nvPr/>
+      </p:nvGrpSpPr>
+      <p:grpSpPr>
+        <a:xfrm>
+          <a:off x="0" y="0"/>
+          <a:ext cx="0" cy="0"/>
+          <a:chOff x="0" y="0"/>
+          <a:chExt cx="0" cy="0"/>
+        </a:xfrm>
+      </p:grpSpPr>
+      <p:sp>
+        <p:nvSpPr>
+          <p:cNvPr id="2" name="标题 1"/>
+          <p:cNvSpPr>
+            <a:spLocks noGrp="1"/>
+          </p:cNvSpPr>
+          <p:nvPr>
+            <p:ph type="title"/>
+          </p:nvPr>
+        </p:nvSpPr>
+        <p:spPr/>
+        <p:txBody>
+          <a:bodyPr/>
+          <a:lstStyle/>
+          <a:p>
+            <a:r>
+              <a:rPr lang="en-US" altLang="zh-CN" b="1" dirty="0"/>
+              <a:t>Motion Constraints</a:t>
+            </a:r>
+            <a:endParaRPr lang="zh-CN" altLang="en-US" dirty="0"/>
+          </a:p>
+        </p:txBody>
+      </p:sp>
+      <p:sp>
+        <p:nvSpPr>
+          <p:cNvPr id="3" name="内容占位符 2"/>
+          <p:cNvSpPr>
+            <a:spLocks noGrp="1"/>
+          </p:cNvSpPr>
+          <p:nvPr>
+            <p:ph idx="1"/>
+          </p:nvPr>
+        </p:nvSpPr>
+        <p:spPr/>
+        <p:txBody>
+          <a:bodyPr/>
+          <a:lstStyle/>
+          <a:p>
+            <a:endParaRPr lang="zh-CN" altLang="en-US"/>
+          </a:p>
+        </p:txBody>
+      </p:sp>
+      <p:pic>
+        <p:nvPicPr>
+          <p:cNvPr id="3074" name="Picture 2"/>
+          <p:cNvPicPr>
+            <a:picLocks noChangeAspect="1" noChangeArrowheads="1"/>
+          </p:cNvPicPr>
+          <p:nvPr/>
+        </p:nvPicPr>
+        <p:blipFill>
+          <a:blip r:embed="rId2">
+            <a:extLst>
+              <a:ext uri="{28A0092B-C50C-407E-A947-70E740481C1C}">
+                <a14:useLocalDpi xmlns:a14="http://schemas.microsoft.com/office/drawing/2010/main" val="0"/>
+              </a:ext>
+            </a:extLst>
+          </a:blip>
+          <a:srcRect/>
+          <a:stretch>
+            <a:fillRect/>
+          </a:stretch>
+        </p:blipFill>
+        <p:spPr bwMode="auto">
+          <a:xfrm>
+            <a:off x="2354263" y="1343025"/>
+            <a:ext cx="4433887" cy="2457450"/>
+          </a:xfrm>
+          <a:prstGeom prst="rect">
+            <a:avLst/>
+          </a:prstGeom>
+          <a:noFill/>
+          <a:ln>
+            <a:noFill/>
+          </a:ln>
+          <a:extLst>
+            <a:ext uri="{909E8E84-426E-40DD-AFC4-6F175D3DCCD1}">
+              <a14:hiddenFill xmlns:a14="http://schemas.microsoft.com/office/drawing/2010/main">
+                <a:solidFill>
+                  <a:schemeClr val="accent1"/>
+                </a:solidFill>
+              </a14:hiddenFill>
+            </a:ext>
+            <a:ext uri="{91240B29-F687-4F45-9708-019B960494DF}">
+              <a14:hiddenLine xmlns:a14="http://schemas.microsoft.com/office/drawing/2010/main" w="9525">
+                <a:solidFill>
+                  <a:schemeClr val="tx1"/>
+                </a:solidFill>
+                <a:miter lim="800000"/>
+                <a:headEnd/>
+                <a:tailEnd/>
+              </a14:hiddenLine>
+            </a:ext>
+          </a:extLst>
+        </p:spPr>
+      </p:pic>
+    </p:spTree>
+    <p:extLst>
+      <p:ext uri="{BB962C8B-B14F-4D97-AF65-F5344CB8AC3E}">
+        <p14:creationId xmlns:p14="http://schemas.microsoft.com/office/powerpoint/2010/main" val="1948621269"/>
+      </p:ext>
+    </p:extLst>
+  </p:cSld>
+  <p:clrMapOvr>
+    <a:masterClrMapping/>
+  </p:clrMapOvr>
+</p:sld>
+</file>
+
+<file path=ppt/slides/slide18.xml><?xml version="1.0" encoding="utf-8"?>
+<p:sld xmlns:a="http://schemas.openxmlformats.org/drawingml/2006/main" xmlns:r="http://schemas.openxmlformats.org/officeDocument/2006/relationships" xmlns:p="http://schemas.openxmlformats.org/presentationml/2006/main">
+  <p:cSld>
+    <p:spTree>
+      <p:nvGrpSpPr>
+        <p:cNvPr id="1" name=""/>
+        <p:cNvGrpSpPr/>
+        <p:nvPr/>
+      </p:nvGrpSpPr>
+      <p:grpSpPr>
+        <a:xfrm>
+          <a:off x="0" y="0"/>
+          <a:ext cx="0" cy="0"/>
+          <a:chOff x="0" y="0"/>
+          <a:chExt cx="0" cy="0"/>
+        </a:xfrm>
+      </p:grpSpPr>
+      <p:sp>
+        <p:nvSpPr>
+          <p:cNvPr id="2" name="标题 1"/>
+          <p:cNvSpPr>
+            <a:spLocks noGrp="1"/>
+          </p:cNvSpPr>
+          <p:nvPr>
+            <p:ph type="title"/>
+          </p:nvPr>
+        </p:nvSpPr>
+        <p:spPr/>
+        <p:txBody>
+          <a:bodyPr/>
+          <a:lstStyle/>
+          <a:p>
+            <a:endParaRPr lang="zh-CN" altLang="en-US"/>
+          </a:p>
+        </p:txBody>
+      </p:sp>
+      <p:sp>
+        <p:nvSpPr>
+          <p:cNvPr id="3" name="内容占位符 2"/>
+          <p:cNvSpPr>
+            <a:spLocks noGrp="1"/>
+          </p:cNvSpPr>
+          <p:nvPr>
+            <p:ph idx="1"/>
+          </p:nvPr>
+        </p:nvSpPr>
+        <p:spPr/>
+        <p:txBody>
+          <a:bodyPr>
+            <a:normAutofit fontScale="77500" lnSpcReduction="20000"/>
+          </a:bodyPr>
+          <a:lstStyle/>
+          <a:p>
+            <a:r>
+              <a:rPr lang="en-US" altLang="zh-CN" dirty="0"/>
+              <a:t>One can fully constrain a point to user specified position with zero inverse mass. However, it is sometimes desirable to confine a point within small region around the animated (user specified) position. This allows small details to be generated by simulation, while suppressing any excessive deviation from the desired position.</a:t>
+            </a:r>
+          </a:p>
+          <a:p>
+            <a:r>
+              <a:rPr lang="en-US" altLang="zh-CN" i="1" dirty="0"/>
+              <a:t>Motion constraints</a:t>
+            </a:r>
+            <a:r>
+              <a:rPr lang="en-US" altLang="zh-CN" dirty="0"/>
+              <a:t> lock the movement of each particle inside a sphere. For example, an animation system can sketch the overall movement of a cloth while the fine scale details are handled by the cloth </a:t>
+            </a:r>
+            <a:r>
+              <a:rPr lang="en-US" altLang="zh-CN" dirty="0" smtClean="0"/>
+              <a:t>simulation</a:t>
+            </a:r>
+            <a:endParaRPr lang="zh-CN" altLang="en-US" dirty="0"/>
+          </a:p>
+        </p:txBody>
+      </p:sp>
+    </p:spTree>
+    <p:extLst>
+      <p:ext uri="{BB962C8B-B14F-4D97-AF65-F5344CB8AC3E}">
+        <p14:creationId xmlns:p14="http://schemas.microsoft.com/office/powerpoint/2010/main" val="3217579556"/>
+      </p:ext>
+    </p:extLst>
+  </p:cSld>
+  <p:clrMapOvr>
+    <a:masterClrMapping/>
+  </p:clrMapOvr>
+</p:sld>
+</file>
+
+<file path=ppt/slides/slide19.xml><?xml version="1.0" encoding="utf-8"?>
+<p:sld xmlns:a="http://schemas.openxmlformats.org/drawingml/2006/main" xmlns:r="http://schemas.openxmlformats.org/officeDocument/2006/relationships" xmlns:p="http://schemas.openxmlformats.org/presentationml/2006/main">
+  <p:cSld>
+    <p:spTree>
+      <p:nvGrpSpPr>
+        <p:cNvPr id="1" name=""/>
+        <p:cNvGrpSpPr/>
+        <p:nvPr/>
+      </p:nvGrpSpPr>
+      <p:grpSpPr>
+        <a:xfrm>
+          <a:off x="0" y="0"/>
+          <a:ext cx="0" cy="0"/>
+          <a:chOff x="0" y="0"/>
+          <a:chExt cx="0" cy="0"/>
+        </a:xfrm>
+      </p:grpSpPr>
+      <p:sp>
+        <p:nvSpPr>
+          <p:cNvPr id="3" name="内容占位符 2"/>
+          <p:cNvSpPr>
+            <a:spLocks noGrp="1"/>
+          </p:cNvSpPr>
+          <p:nvPr>
+            <p:ph idx="1"/>
+          </p:nvPr>
+        </p:nvSpPr>
+        <p:spPr/>
+        <p:txBody>
+          <a:bodyPr/>
+          <a:lstStyle/>
+          <a:p>
+            <a:r>
+              <a:rPr lang="en-US" altLang="zh-CN" i="1" dirty="0" err="1"/>
+              <a:t>PxClothParticleMotionConstraint</a:t>
+            </a:r>
+            <a:r>
+              <a:rPr lang="en-US" altLang="zh-CN" dirty="0"/>
+              <a:t> structure holds the position and radius of the sphere for each particle, and motion constraints can be specified as follows:</a:t>
+            </a:r>
+          </a:p>
+          <a:p>
+            <a:endParaRPr lang="zh-CN" altLang="en-US" dirty="0"/>
+          </a:p>
+        </p:txBody>
+      </p:sp>
+      <p:sp>
+        <p:nvSpPr>
+          <p:cNvPr id="5" name="矩形 4"/>
+          <p:cNvSpPr/>
+          <p:nvPr/>
+        </p:nvSpPr>
+        <p:spPr>
+          <a:xfrm>
+            <a:off x="827584" y="3219822"/>
+            <a:ext cx="6858000" cy="2308324"/>
+          </a:xfrm>
+          <a:prstGeom prst="rect">
+            <a:avLst/>
+          </a:prstGeom>
+        </p:spPr>
+        <p:txBody>
+          <a:bodyPr wrap="square">
+            <a:spAutoFit/>
+          </a:bodyPr>
+          <a:lstStyle/>
+          <a:p>
+            <a:r>
+              <a:rPr lang="en-US" altLang="zh-CN" dirty="0" err="1"/>
+              <a:t>PxClothParticleMotionConstraints</a:t>
+            </a:r>
+            <a:r>
+              <a:rPr lang="en-US" altLang="zh-CN" dirty="0"/>
+              <a:t> </a:t>
+            </a:r>
+            <a:r>
+              <a:rPr lang="en-US" altLang="zh-CN" dirty="0" err="1"/>
+              <a:t>motionConstraints</a:t>
+            </a:r>
+            <a:r>
+              <a:rPr lang="en-US" altLang="zh-CN" dirty="0"/>
+              <a:t>[] = {</a:t>
+            </a:r>
+          </a:p>
+          <a:p>
+            <a:r>
+              <a:rPr lang="en-US" altLang="zh-CN" dirty="0"/>
+              <a:t>    </a:t>
+            </a:r>
+            <a:r>
+              <a:rPr lang="en-US" altLang="zh-CN" dirty="0" err="1"/>
+              <a:t>PxClothParticleMotionConstraints</a:t>
+            </a:r>
+            <a:r>
+              <a:rPr lang="en-US" altLang="zh-CN" dirty="0"/>
+              <a:t>(PxVec3(0.0f, 0.0f, 0.0f), 0.0f),</a:t>
+            </a:r>
+          </a:p>
+          <a:p>
+            <a:r>
+              <a:rPr lang="en-US" altLang="zh-CN" dirty="0"/>
+              <a:t>    </a:t>
+            </a:r>
+            <a:r>
+              <a:rPr lang="en-US" altLang="zh-CN" dirty="0" err="1"/>
+              <a:t>PxClothParticleMotionConstraints</a:t>
+            </a:r>
+            <a:r>
+              <a:rPr lang="en-US" altLang="zh-CN" dirty="0"/>
+              <a:t>(PxVec3(0.0f, 1.0f, 0.0f), 1.0f),</a:t>
+            </a:r>
+          </a:p>
+          <a:p>
+            <a:r>
+              <a:rPr lang="en-US" altLang="zh-CN" dirty="0"/>
+              <a:t>    </a:t>
+            </a:r>
+            <a:r>
+              <a:rPr lang="en-US" altLang="zh-CN" dirty="0" err="1"/>
+              <a:t>PxClothParticleMotionConstraints</a:t>
+            </a:r>
+            <a:r>
+              <a:rPr lang="en-US" altLang="zh-CN" dirty="0"/>
+              <a:t>(PxVec3(1.0f, 0.0f, 0.0f), 1.0f),</a:t>
+            </a:r>
+          </a:p>
+          <a:p>
+            <a:r>
+              <a:rPr lang="en-US" altLang="zh-CN" dirty="0"/>
+              <a:t>    </a:t>
+            </a:r>
+            <a:r>
+              <a:rPr lang="en-US" altLang="zh-CN" dirty="0" err="1"/>
+              <a:t>PxClothParticleMotionConstraints</a:t>
+            </a:r>
+            <a:r>
+              <a:rPr lang="en-US" altLang="zh-CN" dirty="0"/>
+              <a:t>(PxVec3(1.0f, 1.0f, 0.0f), FLT_MAX)</a:t>
+            </a:r>
+          </a:p>
+          <a:p>
+            <a:r>
+              <a:rPr lang="en-US" altLang="zh-CN" dirty="0"/>
+              <a:t>};</a:t>
+            </a:r>
+          </a:p>
+          <a:p>
+            <a:endParaRPr lang="en-US" altLang="zh-CN" dirty="0"/>
+          </a:p>
+          <a:p>
+            <a:r>
+              <a:rPr lang="en-US" altLang="zh-CN" dirty="0" err="1"/>
+              <a:t>cloth.setMotionConstraints</a:t>
+            </a:r>
+            <a:r>
+              <a:rPr lang="en-US" altLang="zh-CN" dirty="0"/>
+              <a:t>(</a:t>
+            </a:r>
+            <a:r>
+              <a:rPr lang="en-US" altLang="zh-CN" dirty="0" err="1"/>
+              <a:t>motionConstraints</a:t>
+            </a:r>
+            <a:r>
+              <a:rPr lang="en-US" altLang="zh-CN" dirty="0"/>
+              <a:t>);</a:t>
+            </a:r>
+          </a:p>
+        </p:txBody>
+      </p:sp>
+    </p:spTree>
+    <p:extLst>
+      <p:ext uri="{BB962C8B-B14F-4D97-AF65-F5344CB8AC3E}">
+        <p14:creationId xmlns:p14="http://schemas.microsoft.com/office/powerpoint/2010/main" val="708365769"/>
+      </p:ext>
+    </p:extLst>
+  </p:cSld>
+  <p:clrMapOvr>
+    <a:masterClrMapping/>
+  </p:clrMapOvr>
+</p:sld>
+</file>
+
+<file path=ppt/slides/slide2.xml><?xml version="1.0" encoding="utf-8"?>
+<p:sld xmlns:a="http://schemas.openxmlformats.org/drawingml/2006/main" xmlns:r="http://schemas.openxmlformats.org/officeDocument/2006/relationships" xmlns:p="http://schemas.openxmlformats.org/presentationml/2006/main">
+  <p:cSld>
+    <p:spTree>
+      <p:nvGrpSpPr>
+        <p:cNvPr id="1" name=""/>
+        <p:cNvGrpSpPr/>
+        <p:nvPr/>
+      </p:nvGrpSpPr>
+      <p:grpSpPr>
+        <a:xfrm>
+          <a:off x="0" y="0"/>
+          <a:ext cx="0" cy="0"/>
+          <a:chOff x="0" y="0"/>
+          <a:chExt cx="0" cy="0"/>
+        </a:xfrm>
+      </p:grpSpPr>
+      <p:sp>
+        <p:nvSpPr>
+          <p:cNvPr id="2" name="标题 1"/>
+          <p:cNvSpPr>
+            <a:spLocks noGrp="1"/>
+          </p:cNvSpPr>
+          <p:nvPr>
+            <p:ph type="title"/>
+          </p:nvPr>
+        </p:nvSpPr>
+        <p:spPr/>
+        <p:txBody>
+          <a:bodyPr/>
+          <a:lstStyle/>
+          <a:p>
+            <a:endParaRPr lang="zh-CN" altLang="en-US"/>
+          </a:p>
+        </p:txBody>
+      </p:sp>
+      <p:sp>
+        <p:nvSpPr>
+          <p:cNvPr id="3" name="内容占位符 2"/>
+          <p:cNvSpPr>
+            <a:spLocks noGrp="1"/>
+          </p:cNvSpPr>
+          <p:nvPr>
+            <p:ph idx="1"/>
+          </p:nvPr>
+        </p:nvSpPr>
+        <p:spPr/>
+        <p:txBody>
+          <a:bodyPr/>
+          <a:lstStyle/>
+          <a:p>
+            <a:r>
+              <a:rPr lang="en-US" altLang="zh-CN" dirty="0" smtClean="0"/>
+              <a:t>rewrite </a:t>
+            </a:r>
+            <a:r>
+              <a:rPr lang="en-US" altLang="zh-CN" dirty="0"/>
+              <a:t>of the PhysX 2 </a:t>
+            </a:r>
+            <a:r>
+              <a:rPr lang="en-US" altLang="zh-CN" dirty="0" err="1"/>
+              <a:t>deformables</a:t>
+            </a:r>
+            <a:r>
+              <a:rPr lang="en-US" altLang="zh-CN" dirty="0"/>
+              <a:t>, tailored towards simulating character </a:t>
+            </a:r>
+            <a:r>
+              <a:rPr lang="en-US" altLang="zh-CN" dirty="0" smtClean="0"/>
+              <a:t>cloth</a:t>
+            </a:r>
+          </a:p>
+          <a:p>
+            <a:r>
+              <a:rPr lang="en-US" altLang="zh-CN" dirty="0" err="1" smtClean="0"/>
+              <a:t>Softbodies</a:t>
+            </a:r>
+            <a:r>
+              <a:rPr lang="en-US" altLang="zh-CN" dirty="0" smtClean="0"/>
+              <a:t>, tearing, two-way interaction, and world collision have been removed, while behavior and performance for cloth simulation have been improved.</a:t>
+            </a:r>
+            <a:endParaRPr lang="zh-CN" altLang="en-US" dirty="0"/>
+          </a:p>
+        </p:txBody>
+      </p:sp>
+    </p:spTree>
+    <p:extLst>
+      <p:ext uri="{BB962C8B-B14F-4D97-AF65-F5344CB8AC3E}">
+        <p14:creationId xmlns:p14="http://schemas.microsoft.com/office/powerpoint/2010/main" val="3134461528"/>
+      </p:ext>
+    </p:extLst>
+  </p:cSld>
+  <p:clrMapOvr>
+    <a:masterClrMapping/>
+  </p:clrMapOvr>
+  <p:timing>
+    <p:tnLst>
+      <p:par>
+        <p:cTn id="1" dur="indefinite" restart="never" nodeType="tmRoot"/>
+      </p:par>
+    </p:tnLst>
+  </p:timing>
+</p:sld>
+</file>
+
+<file path=ppt/slides/slide20.xml><?xml version="1.0" encoding="utf-8"?>
+<p:sld xmlns:a="http://schemas.openxmlformats.org/drawingml/2006/main" xmlns:r="http://schemas.openxmlformats.org/officeDocument/2006/relationships" xmlns:p="http://schemas.openxmlformats.org/presentationml/2006/main">
+  <p:cSld>
+    <p:spTree>
+      <p:nvGrpSpPr>
+        <p:cNvPr id="1" name=""/>
+        <p:cNvGrpSpPr/>
+        <p:nvPr/>
+      </p:nvGrpSpPr>
+      <p:grpSpPr>
+        <a:xfrm>
+          <a:off x="0" y="0"/>
+          <a:ext cx="0" cy="0"/>
+          <a:chOff x="0" y="0"/>
+          <a:chExt cx="0" cy="0"/>
+        </a:xfrm>
+      </p:grpSpPr>
+      <p:sp>
+        <p:nvSpPr>
+          <p:cNvPr id="2" name="标题 1"/>
+          <p:cNvSpPr>
+            <a:spLocks noGrp="1"/>
+          </p:cNvSpPr>
+          <p:nvPr>
+            <p:ph type="title"/>
+          </p:nvPr>
+        </p:nvSpPr>
+        <p:spPr/>
+        <p:txBody>
+          <a:bodyPr/>
+          <a:lstStyle/>
+          <a:p>
+            <a:endParaRPr lang="zh-CN" altLang="en-US"/>
+          </a:p>
+        </p:txBody>
+      </p:sp>
+      <p:sp>
+        <p:nvSpPr>
+          <p:cNvPr id="3" name="内容占位符 2"/>
+          <p:cNvSpPr>
+            <a:spLocks noGrp="1"/>
+          </p:cNvSpPr>
+          <p:nvPr>
+            <p:ph idx="1"/>
+          </p:nvPr>
+        </p:nvSpPr>
+        <p:spPr/>
+        <p:txBody>
+          <a:bodyPr>
+            <a:normAutofit fontScale="92500" lnSpcReduction="20000"/>
+          </a:bodyPr>
+          <a:lstStyle/>
+          <a:p>
+            <a:r>
+              <a:rPr lang="en-US" altLang="zh-CN" dirty="0"/>
+              <a:t>If the sphere radius becomes zero or negative, the corresponding particle is locked at the sphere center and the inverse particle mass is set to zero for the next </a:t>
+            </a:r>
+            <a:r>
+              <a:rPr lang="en-US" altLang="zh-CN" dirty="0" smtClean="0"/>
+              <a:t>iteration</a:t>
+            </a:r>
+          </a:p>
+          <a:p>
+            <a:r>
+              <a:rPr lang="en-US" altLang="zh-CN" dirty="0" smtClean="0"/>
+              <a:t>In </a:t>
+            </a:r>
+            <a:r>
+              <a:rPr lang="en-US" altLang="zh-CN" dirty="0"/>
+              <a:t>the above example, the first particle will fully lock to the constraint position, while the second and third particle will remain within the sphere radius. The last particle will not be constrained.</a:t>
+            </a:r>
+            <a:endParaRPr lang="zh-CN" altLang="en-US" dirty="0"/>
+          </a:p>
+        </p:txBody>
+      </p:sp>
+    </p:spTree>
+    <p:extLst>
+      <p:ext uri="{BB962C8B-B14F-4D97-AF65-F5344CB8AC3E}">
+        <p14:creationId xmlns:p14="http://schemas.microsoft.com/office/powerpoint/2010/main" val="743178315"/>
+      </p:ext>
+    </p:extLst>
+  </p:cSld>
+  <p:clrMapOvr>
+    <a:masterClrMapping/>
+  </p:clrMapOvr>
+</p:sld>
+</file>
+
+<file path=ppt/slides/slide21.xml><?xml version="1.0" encoding="utf-8"?>
+<p:sld xmlns:a="http://schemas.openxmlformats.org/drawingml/2006/main" xmlns:r="http://schemas.openxmlformats.org/officeDocument/2006/relationships" xmlns:p="http://schemas.openxmlformats.org/presentationml/2006/main">
+  <p:cSld>
+    <p:spTree>
+      <p:nvGrpSpPr>
+        <p:cNvPr id="1" name=""/>
+        <p:cNvGrpSpPr/>
+        <p:nvPr/>
+      </p:nvGrpSpPr>
+      <p:grpSpPr>
+        <a:xfrm>
+          <a:off x="0" y="0"/>
+          <a:ext cx="0" cy="0"/>
+          <a:chOff x="0" y="0"/>
+          <a:chExt cx="0" cy="0"/>
+        </a:xfrm>
+      </p:grpSpPr>
+      <p:sp>
+        <p:nvSpPr>
+          <p:cNvPr id="2" name="标题 1"/>
+          <p:cNvSpPr>
+            <a:spLocks noGrp="1"/>
+          </p:cNvSpPr>
+          <p:nvPr>
+            <p:ph type="title"/>
+          </p:nvPr>
+        </p:nvSpPr>
+        <p:spPr/>
+        <p:txBody>
+          <a:bodyPr/>
+          <a:lstStyle/>
+          <a:p>
+            <a:r>
+              <a:rPr lang="en-US" altLang="zh-CN" b="1" dirty="0"/>
+              <a:t>Separation Constraints</a:t>
+            </a:r>
+            <a:endParaRPr lang="zh-CN" altLang="en-US" dirty="0"/>
+          </a:p>
+        </p:txBody>
+      </p:sp>
+      <p:sp>
+        <p:nvSpPr>
+          <p:cNvPr id="3" name="内容占位符 2"/>
+          <p:cNvSpPr>
+            <a:spLocks noGrp="1"/>
+          </p:cNvSpPr>
+          <p:nvPr>
+            <p:ph idx="1"/>
+          </p:nvPr>
+        </p:nvSpPr>
+        <p:spPr/>
+        <p:txBody>
+          <a:bodyPr/>
+          <a:lstStyle/>
+          <a:p>
+            <a:endParaRPr lang="zh-CN" altLang="en-US"/>
+          </a:p>
+        </p:txBody>
+      </p:sp>
+      <p:pic>
+        <p:nvPicPr>
+          <p:cNvPr id="4098" name="Picture 2"/>
+          <p:cNvPicPr>
+            <a:picLocks noChangeAspect="1" noChangeArrowheads="1"/>
+          </p:cNvPicPr>
+          <p:nvPr/>
+        </p:nvPicPr>
+        <p:blipFill>
+          <a:blip r:embed="rId2">
+            <a:extLst>
+              <a:ext uri="{28A0092B-C50C-407E-A947-70E740481C1C}">
+                <a14:useLocalDpi xmlns:a14="http://schemas.microsoft.com/office/drawing/2010/main" val="0"/>
+              </a:ext>
+            </a:extLst>
+          </a:blip>
+          <a:srcRect/>
+          <a:stretch>
+            <a:fillRect/>
+          </a:stretch>
+        </p:blipFill>
+        <p:spPr bwMode="auto">
+          <a:xfrm>
+            <a:off x="2363788" y="1449388"/>
+            <a:ext cx="4414837" cy="2243137"/>
+          </a:xfrm>
+          <a:prstGeom prst="rect">
+            <a:avLst/>
+          </a:prstGeom>
+          <a:noFill/>
+          <a:ln>
+            <a:noFill/>
+          </a:ln>
+          <a:extLst>
+            <a:ext uri="{909E8E84-426E-40DD-AFC4-6F175D3DCCD1}">
+              <a14:hiddenFill xmlns:a14="http://schemas.microsoft.com/office/drawing/2010/main">
+                <a:solidFill>
+                  <a:schemeClr val="accent1"/>
+                </a:solidFill>
+              </a14:hiddenFill>
+            </a:ext>
+            <a:ext uri="{91240B29-F687-4F45-9708-019B960494DF}">
+              <a14:hiddenLine xmlns:a14="http://schemas.microsoft.com/office/drawing/2010/main" w="9525">
+                <a:solidFill>
+                  <a:schemeClr val="tx1"/>
+                </a:solidFill>
+                <a:miter lim="800000"/>
+                <a:headEnd/>
+                <a:tailEnd/>
+              </a14:hiddenLine>
+            </a:ext>
+          </a:extLst>
+        </p:spPr>
+      </p:pic>
+    </p:spTree>
+    <p:extLst>
+      <p:ext uri="{BB962C8B-B14F-4D97-AF65-F5344CB8AC3E}">
+        <p14:creationId xmlns:p14="http://schemas.microsoft.com/office/powerpoint/2010/main" val="3251328232"/>
+      </p:ext>
+    </p:extLst>
+  </p:cSld>
+  <p:clrMapOvr>
+    <a:masterClrMapping/>
+  </p:clrMapOvr>
+</p:sld>
+</file>
+
+<file path=ppt/slides/slide22.xml><?xml version="1.0" encoding="utf-8"?>
+<p:sld xmlns:a="http://schemas.openxmlformats.org/drawingml/2006/main" xmlns:r="http://schemas.openxmlformats.org/officeDocument/2006/relationships" xmlns:p="http://schemas.openxmlformats.org/presentationml/2006/main">
+  <p:cSld>
+    <p:spTree>
+      <p:nvGrpSpPr>
+        <p:cNvPr id="1" name=""/>
+        <p:cNvGrpSpPr/>
+        <p:nvPr/>
+      </p:nvGrpSpPr>
+      <p:grpSpPr>
+        <a:xfrm>
+          <a:off x="0" y="0"/>
+          <a:ext cx="0" cy="0"/>
+          <a:chOff x="0" y="0"/>
+          <a:chExt cx="0" cy="0"/>
+        </a:xfrm>
+      </p:grpSpPr>
+      <p:sp>
+        <p:nvSpPr>
+          <p:cNvPr id="2" name="标题 1"/>
+          <p:cNvSpPr>
+            <a:spLocks noGrp="1"/>
+          </p:cNvSpPr>
+          <p:nvPr>
+            <p:ph type="title"/>
+          </p:nvPr>
+        </p:nvSpPr>
+        <p:spPr/>
+        <p:txBody>
+          <a:bodyPr/>
+          <a:lstStyle/>
+          <a:p>
+            <a:endParaRPr lang="zh-CN" altLang="en-US"/>
+          </a:p>
+        </p:txBody>
+      </p:sp>
+      <p:sp>
+        <p:nvSpPr>
+          <p:cNvPr id="3" name="内容占位符 2"/>
+          <p:cNvSpPr>
+            <a:spLocks noGrp="1"/>
+          </p:cNvSpPr>
+          <p:nvPr>
+            <p:ph idx="1"/>
+          </p:nvPr>
+        </p:nvSpPr>
+        <p:spPr/>
+        <p:txBody>
+          <a:bodyPr>
+            <a:normAutofit fontScale="77500" lnSpcReduction="20000"/>
+          </a:bodyPr>
+          <a:lstStyle/>
+          <a:p>
+            <a:r>
+              <a:rPr lang="en-US" altLang="zh-CN" dirty="0"/>
+              <a:t>Separation constraints work exactly the opposite way to the motion constraints, forcing a particle to stay outside of a </a:t>
+            </a:r>
+            <a:r>
+              <a:rPr lang="en-US" altLang="zh-CN" dirty="0" smtClean="0"/>
+              <a:t>sphere</a:t>
+            </a:r>
+          </a:p>
+          <a:p>
+            <a:r>
+              <a:rPr lang="en-US" altLang="zh-CN" dirty="0" smtClean="0"/>
+              <a:t>When </a:t>
+            </a:r>
+            <a:r>
+              <a:rPr lang="en-US" altLang="zh-CN" dirty="0"/>
+              <a:t>particle movement is moderately constrained by motion constraints (e.g. sleeves around an arm), separation constraints can be used to represent the character's collision shape more accurately than using capsules </a:t>
+            </a:r>
+            <a:r>
+              <a:rPr lang="en-US" altLang="zh-CN" dirty="0" smtClean="0"/>
+              <a:t>alone</a:t>
+            </a:r>
+          </a:p>
+          <a:p>
+            <a:r>
+              <a:rPr lang="en-US" altLang="zh-CN" dirty="0" smtClean="0"/>
+              <a:t>For </a:t>
+            </a:r>
+            <a:r>
+              <a:rPr lang="en-US" altLang="zh-CN" dirty="0"/>
+              <a:t>example, separation constraints can be placed slightly inside the character by setting the radius to be the distance from the sphere center to the surface of the character.</a:t>
+            </a:r>
+          </a:p>
+          <a:p>
+            <a:endParaRPr lang="zh-CN" altLang="en-US" dirty="0"/>
+          </a:p>
+        </p:txBody>
+      </p:sp>
+    </p:spTree>
+    <p:extLst>
+      <p:ext uri="{BB962C8B-B14F-4D97-AF65-F5344CB8AC3E}">
+        <p14:creationId xmlns:p14="http://schemas.microsoft.com/office/powerpoint/2010/main" val="2395421489"/>
+      </p:ext>
+    </p:extLst>
+  </p:cSld>
+  <p:clrMapOvr>
+    <a:masterClrMapping/>
+  </p:clrMapOvr>
+</p:sld>
+</file>
+
+<file path=ppt/slides/slide23.xml><?xml version="1.0" encoding="utf-8"?>
 <p:sld xmlns:a="http://schemas.openxmlformats.org/drawingml/2006/main" xmlns:r="http://schemas.openxmlformats.org/officeDocument/2006/relationships" xmlns:p="http://schemas.openxmlformats.org/presentationml/2006/main">
   <p:cSld>
     <p:spTree>
@@ -5873,7 +7083,7 @@
 </p:sld>
 </file>
 
-<file path=ppt/slides/slide15.xml><?xml version="1.0" encoding="utf-8"?>
+<file path=ppt/slides/slide24.xml><?xml version="1.0" encoding="utf-8"?>
 <p:sld xmlns:a="http://schemas.openxmlformats.org/drawingml/2006/main" xmlns:r="http://schemas.openxmlformats.org/officeDocument/2006/relationships" xmlns:p="http://schemas.openxmlformats.org/presentationml/2006/main">
   <p:cSld>
     <p:spTree>
@@ -6005,7 +7215,7 @@
 </p:sld>
 </file>
 
-<file path=ppt/slides/slide16.xml><?xml version="1.0" encoding="utf-8"?>
+<file path=ppt/slides/slide25.xml><?xml version="1.0" encoding="utf-8"?>
 <p:sld xmlns:a="http://schemas.openxmlformats.org/drawingml/2006/main" xmlns:r="http://schemas.openxmlformats.org/officeDocument/2006/relationships" xmlns:p="http://schemas.openxmlformats.org/presentationml/2006/main">
   <p:cSld>
     <p:spTree>
@@ -6138,7 +7348,7 @@
 </p:sld>
 </file>
 
-<file path=ppt/slides/slide17.xml><?xml version="1.0" encoding="utf-8"?>
+<file path=ppt/slides/slide26.xml><?xml version="1.0" encoding="utf-8"?>
 <p:sld xmlns:a="http://schemas.openxmlformats.org/drawingml/2006/main" xmlns:r="http://schemas.openxmlformats.org/officeDocument/2006/relationships" xmlns:p="http://schemas.openxmlformats.org/presentationml/2006/main">
   <p:cSld>
     <p:spTree>
@@ -6295,7 +7505,7 @@
 </p:sld>
 </file>
 
-<file path=ppt/slides/slide18.xml><?xml version="1.0" encoding="utf-8"?>
+<file path=ppt/slides/slide27.xml><?xml version="1.0" encoding="utf-8"?>
 <p:sld xmlns:a="http://schemas.openxmlformats.org/drawingml/2006/main" xmlns:r="http://schemas.openxmlformats.org/officeDocument/2006/relationships" xmlns:p="http://schemas.openxmlformats.org/presentationml/2006/main">
   <p:cSld>
     <p:spTree>
@@ -6418,7 +7628,7 @@
         </p:blipFill>
         <p:spPr bwMode="auto">
           <a:xfrm>
-            <a:off x="1907705" y="1977684"/>
+            <a:off x="1907704" y="2256691"/>
             <a:ext cx="5021263" cy="285750"/>
           </a:xfrm>
           <a:prstGeom prst="rect">
@@ -6479,7 +7689,7 @@
 </p:sld>
 </file>
 
-<file path=ppt/slides/slide19.xml><?xml version="1.0" encoding="utf-8"?>
+<file path=ppt/slides/slide28.xml><?xml version="1.0" encoding="utf-8"?>
 <p:sld xmlns:a="http://schemas.openxmlformats.org/drawingml/2006/main" xmlns:r="http://schemas.openxmlformats.org/officeDocument/2006/relationships" xmlns:p="http://schemas.openxmlformats.org/presentationml/2006/main">
   <p:cSld>
     <p:spTree>
@@ -6597,7 +7807,7 @@
 </p:sld>
 </file>
 
-<file path=ppt/slides/slide2.xml><?xml version="1.0" encoding="utf-8"?>
+<file path=ppt/slides/slide29.xml><?xml version="1.0" encoding="utf-8"?>
 <p:sld xmlns:a="http://schemas.openxmlformats.org/drawingml/2006/main" xmlns:r="http://schemas.openxmlformats.org/officeDocument/2006/relationships" xmlns:p="http://schemas.openxmlformats.org/presentationml/2006/main">
   <p:cSld>
     <p:spTree>
@@ -6648,44 +7858,247 @@
           <a:bodyPr/>
           <a:lstStyle/>
           <a:p>
-            <a:r>
-              <a:rPr lang="en-US" altLang="zh-CN" dirty="0" smtClean="0"/>
-              <a:t>rewrite </a:t>
-            </a:r>
-            <a:r>
-              <a:rPr lang="en-US" altLang="zh-CN" dirty="0"/>
-              <a:t>of the PhysX 2 </a:t>
-            </a:r>
-            <a:r>
-              <a:rPr lang="en-US" altLang="zh-CN" dirty="0" err="1"/>
-              <a:t>deformables</a:t>
-            </a:r>
-            <a:r>
-              <a:rPr lang="en-US" altLang="zh-CN" dirty="0"/>
-              <a:t>, tailored towards simulating character </a:t>
-            </a:r>
-            <a:r>
-              <a:rPr lang="en-US" altLang="zh-CN" dirty="0" smtClean="0"/>
-              <a:t>cloth</a:t>
-            </a:r>
-          </a:p>
-          <a:p>
-            <a:r>
-              <a:rPr lang="en-US" altLang="zh-CN" dirty="0" err="1" smtClean="0"/>
-              <a:t>Softbodies</a:t>
-            </a:r>
-            <a:r>
-              <a:rPr lang="en-US" altLang="zh-CN" dirty="0"/>
-              <a:t>, tearing, two-way interaction, and world collision have been removed, while behavior and performance for cloth simulation have been improved.</a:t>
-            </a:r>
-            <a:endParaRPr lang="zh-CN" altLang="en-US" dirty="0"/>
-          </a:p>
-        </p:txBody>
-      </p:sp>
+            <a:endParaRPr lang="zh-CN" altLang="en-US"/>
+          </a:p>
+        </p:txBody>
+      </p:sp>
+      <p:pic>
+        <p:nvPicPr>
+          <p:cNvPr id="5122" name="Picture 2"/>
+          <p:cNvPicPr>
+            <a:picLocks noChangeAspect="1" noChangeArrowheads="1"/>
+          </p:cNvPicPr>
+          <p:nvPr/>
+        </p:nvPicPr>
+        <p:blipFill>
+          <a:blip r:embed="rId2">
+            <a:extLst>
+              <a:ext uri="{28A0092B-C50C-407E-A947-70E740481C1C}">
+                <a14:useLocalDpi xmlns:a14="http://schemas.microsoft.com/office/drawing/2010/main" val="0"/>
+              </a:ext>
+            </a:extLst>
+          </a:blip>
+          <a:srcRect/>
+          <a:stretch>
+            <a:fillRect/>
+          </a:stretch>
+        </p:blipFill>
+        <p:spPr bwMode="auto">
+          <a:xfrm>
+            <a:off x="992188" y="1468438"/>
+            <a:ext cx="7158037" cy="2205037"/>
+          </a:xfrm>
+          <a:prstGeom prst="rect">
+            <a:avLst/>
+          </a:prstGeom>
+          <a:noFill/>
+          <a:ln>
+            <a:noFill/>
+          </a:ln>
+          <a:extLst>
+            <a:ext uri="{909E8E84-426E-40DD-AFC4-6F175D3DCCD1}">
+              <a14:hiddenFill xmlns:a14="http://schemas.microsoft.com/office/drawing/2010/main">
+                <a:solidFill>
+                  <a:schemeClr val="accent1"/>
+                </a:solidFill>
+              </a14:hiddenFill>
+            </a:ext>
+            <a:ext uri="{91240B29-F687-4F45-9708-019B960494DF}">
+              <a14:hiddenLine xmlns:a14="http://schemas.microsoft.com/office/drawing/2010/main" w="9525">
+                <a:solidFill>
+                  <a:schemeClr val="tx1"/>
+                </a:solidFill>
+                <a:miter lim="800000"/>
+                <a:headEnd/>
+                <a:tailEnd/>
+              </a14:hiddenLine>
+            </a:ext>
+          </a:extLst>
+        </p:spPr>
+      </p:pic>
     </p:spTree>
     <p:extLst>
       <p:ext uri="{BB962C8B-B14F-4D97-AF65-F5344CB8AC3E}">
-        <p14:creationId xmlns:p14="http://schemas.microsoft.com/office/powerpoint/2010/main" val="3134461528"/>
+        <p14:creationId xmlns:p14="http://schemas.microsoft.com/office/powerpoint/2010/main" val="4257002232"/>
+      </p:ext>
+    </p:extLst>
+  </p:cSld>
+  <p:clrMapOvr>
+    <a:masterClrMapping/>
+  </p:clrMapOvr>
+</p:sld>
+</file>
+
+<file path=ppt/slides/slide3.xml><?xml version="1.0" encoding="utf-8"?>
+<p:sld xmlns:a="http://schemas.openxmlformats.org/drawingml/2006/main" xmlns:r="http://schemas.openxmlformats.org/officeDocument/2006/relationships" xmlns:p="http://schemas.openxmlformats.org/presentationml/2006/main">
+  <p:cSld>
+    <p:spTree>
+      <p:nvGrpSpPr>
+        <p:cNvPr id="1" name=""/>
+        <p:cNvGrpSpPr/>
+        <p:nvPr/>
+      </p:nvGrpSpPr>
+      <p:grpSpPr>
+        <a:xfrm>
+          <a:off x="0" y="0"/>
+          <a:ext cx="0" cy="0"/>
+          <a:chOff x="0" y="0"/>
+          <a:chExt cx="0" cy="0"/>
+        </a:xfrm>
+      </p:grpSpPr>
+      <p:sp>
+        <p:nvSpPr>
+          <p:cNvPr id="2" name="标题 1"/>
+          <p:cNvSpPr>
+            <a:spLocks noGrp="1"/>
+          </p:cNvSpPr>
+          <p:nvPr>
+            <p:ph type="title"/>
+          </p:nvPr>
+        </p:nvSpPr>
+        <p:spPr/>
+        <p:txBody>
+          <a:bodyPr>
+            <a:normAutofit/>
+          </a:bodyPr>
+          <a:lstStyle/>
+          <a:p>
+            <a:r>
+              <a:rPr lang="en-US" altLang="zh-CN" dirty="0"/>
+              <a:t>Cloth Creation </a:t>
+            </a:r>
+            <a:r>
+              <a:rPr lang="en-US" altLang="zh-CN" dirty="0" smtClean="0"/>
+              <a:t>Overview</a:t>
+            </a:r>
+            <a:endParaRPr lang="zh-CN" altLang="en-US" dirty="0"/>
+          </a:p>
+        </p:txBody>
+      </p:sp>
+      <p:sp>
+        <p:nvSpPr>
+          <p:cNvPr id="3" name="内容占位符 2"/>
+          <p:cNvSpPr>
+            <a:spLocks noGrp="1"/>
+          </p:cNvSpPr>
+          <p:nvPr>
+            <p:ph idx="1"/>
+          </p:nvPr>
+        </p:nvSpPr>
+        <p:spPr/>
+        <p:txBody>
+          <a:bodyPr>
+            <a:normAutofit fontScale="70000" lnSpcReduction="20000"/>
+          </a:bodyPr>
+          <a:lstStyle/>
+          <a:p>
+            <a:r>
+              <a:rPr lang="en-US" altLang="zh-CN" dirty="0" smtClean="0"/>
+              <a:t>The </a:t>
+            </a:r>
+            <a:r>
+              <a:rPr lang="en-US" altLang="zh-CN" dirty="0"/>
+              <a:t>cloth constraint connectivity and rest values are stored in a fabric instance (</a:t>
+            </a:r>
+            <a:r>
+              <a:rPr lang="en-US" altLang="zh-CN" dirty="0" err="1"/>
+              <a:t>PxClothFabric</a:t>
+            </a:r>
+            <a:r>
+              <a:rPr lang="en-US" altLang="zh-CN" dirty="0" smtClean="0"/>
+              <a:t>)</a:t>
+            </a:r>
+          </a:p>
+          <a:p>
+            <a:r>
+              <a:rPr lang="en-US" altLang="zh-CN" dirty="0" smtClean="0"/>
+              <a:t>separate </a:t>
+            </a:r>
+            <a:r>
+              <a:rPr lang="en-US" altLang="zh-CN" dirty="0"/>
+              <a:t>from the cloth actor (</a:t>
+            </a:r>
+            <a:r>
+              <a:rPr lang="en-US" altLang="zh-CN" dirty="0" err="1" smtClean="0"/>
+              <a:t>PxCloth</a:t>
+            </a:r>
+            <a:r>
+              <a:rPr lang="en-US" altLang="zh-CN" dirty="0" smtClean="0"/>
+              <a:t>)</a:t>
+            </a:r>
+          </a:p>
+          <a:p>
+            <a:r>
+              <a:rPr lang="en-US" altLang="zh-CN" dirty="0" err="1" smtClean="0"/>
+              <a:t>PxClothFabricCreate</a:t>
+            </a:r>
+            <a:r>
+              <a:rPr lang="en-US" altLang="zh-CN" dirty="0"/>
+              <a:t>, in the extensions library, creates a fabric from a triangle or quad mesh (see </a:t>
+            </a:r>
+            <a:r>
+              <a:rPr lang="en-US" altLang="zh-CN" dirty="0" err="1"/>
+              <a:t>PxClothMeshDesc</a:t>
+            </a:r>
+            <a:r>
+              <a:rPr lang="en-US" altLang="zh-CN" dirty="0" smtClean="0"/>
+              <a:t>)</a:t>
+            </a:r>
+          </a:p>
+          <a:p>
+            <a:r>
+              <a:rPr lang="en-US" altLang="zh-CN" dirty="0" smtClean="0"/>
+              <a:t>The </a:t>
+            </a:r>
+            <a:r>
+              <a:rPr lang="en-US" altLang="zh-CN" dirty="0"/>
+              <a:t>cloth actor itself is created through the physics instance (</a:t>
+            </a:r>
+            <a:r>
+              <a:rPr lang="en-US" altLang="zh-CN" dirty="0" err="1"/>
+              <a:t>PxPhysics</a:t>
+            </a:r>
+            <a:r>
+              <a:rPr lang="en-US" altLang="zh-CN" dirty="0"/>
+              <a:t>) and needs to be added to a scene (</a:t>
+            </a:r>
+            <a:r>
+              <a:rPr lang="en-US" altLang="zh-CN" dirty="0" err="1"/>
+              <a:t>PxScene</a:t>
+            </a:r>
+            <a:r>
+              <a:rPr lang="en-US" altLang="zh-CN" dirty="0"/>
+              <a:t>) in order to be </a:t>
+            </a:r>
+            <a:r>
+              <a:rPr lang="en-US" altLang="zh-CN" dirty="0" smtClean="0"/>
+              <a:t>simulated</a:t>
+            </a:r>
+          </a:p>
+          <a:p>
+            <a:r>
+              <a:rPr lang="en-US" altLang="zh-CN" dirty="0" smtClean="0"/>
+              <a:t>Once </a:t>
+            </a:r>
+            <a:r>
+              <a:rPr lang="en-US" altLang="zh-CN" dirty="0"/>
+              <a:t>the cloth actor is created, users can assign simulation settings such as collision data, constraint stiffness, solver frequency and </a:t>
+            </a:r>
+            <a:r>
+              <a:rPr lang="en-US" altLang="zh-CN" dirty="0" smtClean="0"/>
+              <a:t>self-collision</a:t>
+            </a:r>
+            <a:endParaRPr lang="en-US" altLang="zh-CN" dirty="0"/>
+          </a:p>
+          <a:p>
+            <a:endParaRPr lang="zh-CN" altLang="en-US" dirty="0"/>
+          </a:p>
+        </p:txBody>
+      </p:sp>
+    </p:spTree>
+    <p:extLst>
+      <p:ext uri="{BB962C8B-B14F-4D97-AF65-F5344CB8AC3E}">
+        <p14:creationId xmlns:p14="http://schemas.microsoft.com/office/powerpoint/2010/main" val="1249264974"/>
       </p:ext>
     </p:extLst>
   </p:cSld>
@@ -6702,7 +8115,7 @@
 </p:sld>
 </file>
 
-<file path=ppt/slides/slide20.xml><?xml version="1.0" encoding="utf-8"?>
+<file path=ppt/slides/slide30.xml><?xml version="1.0" encoding="utf-8"?>
 <p:sld xmlns:a="http://schemas.openxmlformats.org/drawingml/2006/main" xmlns:r="http://schemas.openxmlformats.org/officeDocument/2006/relationships" xmlns:p="http://schemas.openxmlformats.org/presentationml/2006/main">
   <p:cSld>
     <p:spTree>
@@ -6809,7 +8222,7 @@
 </p:sld>
 </file>
 
-<file path=ppt/slides/slide21.xml><?xml version="1.0" encoding="utf-8"?>
+<file path=ppt/slides/slide31.xml><?xml version="1.0" encoding="utf-8"?>
 <p:sld xmlns:a="http://schemas.openxmlformats.org/drawingml/2006/main" xmlns:r="http://schemas.openxmlformats.org/officeDocument/2006/relationships" xmlns:p="http://schemas.openxmlformats.org/presentationml/2006/main">
   <p:cSld>
     <p:spTree>
@@ -6938,7 +8351,7 @@
 </p:sld>
 </file>
 
-<file path=ppt/slides/slide22.xml><?xml version="1.0" encoding="utf-8"?>
+<file path=ppt/slides/slide32.xml><?xml version="1.0" encoding="utf-8"?>
 <p:sld xmlns:a="http://schemas.openxmlformats.org/drawingml/2006/main" xmlns:r="http://schemas.openxmlformats.org/officeDocument/2006/relationships" xmlns:p="http://schemas.openxmlformats.org/presentationml/2006/main">
   <p:cSld>
     <p:spTree>
@@ -7023,7 +8436,7 @@
 </p:sld>
 </file>
 
-<file path=ppt/slides/slide23.xml><?xml version="1.0" encoding="utf-8"?>
+<file path=ppt/slides/slide33.xml><?xml version="1.0" encoding="utf-8"?>
 <p:sld xmlns:a="http://schemas.openxmlformats.org/drawingml/2006/main" xmlns:r="http://schemas.openxmlformats.org/officeDocument/2006/relationships" xmlns:p="http://schemas.openxmlformats.org/presentationml/2006/main">
   <p:cSld>
     <p:spTree>
@@ -7050,7 +8463,12 @@
             <p:ph type="title"/>
           </p:nvPr>
         </p:nvSpPr>
-        <p:spPr/>
+        <p:spPr>
+          <a:xfrm>
+            <a:off x="395536" y="627534"/>
+            <a:ext cx="7776000" cy="857250"/>
+          </a:xfrm>
+        </p:spPr>
         <p:txBody>
           <a:bodyPr>
             <a:normAutofit fontScale="90000"/>
@@ -7115,7 +8533,7 @@
         </p:blipFill>
         <p:spPr bwMode="auto">
           <a:xfrm>
-            <a:off x="2051720" y="1491631"/>
+            <a:off x="1979712" y="2067694"/>
             <a:ext cx="4748213" cy="2983706"/>
           </a:xfrm>
           <a:prstGeom prst="rect">
@@ -7166,7 +8584,7 @@
 </p:sld>
 </file>
 
-<file path=ppt/slides/slide24.xml><?xml version="1.0" encoding="utf-8"?>
+<file path=ppt/slides/slide34.xml><?xml version="1.0" encoding="utf-8"?>
 <p:sld xmlns:a="http://schemas.openxmlformats.org/drawingml/2006/main" xmlns:r="http://schemas.openxmlformats.org/officeDocument/2006/relationships" xmlns:p="http://schemas.openxmlformats.org/presentationml/2006/main">
   <p:cSld>
     <p:spTree>
@@ -7195,115 +8613,195 @@
         </p:nvSpPr>
         <p:spPr/>
         <p:txBody>
+          <a:bodyPr>
+            <a:normAutofit/>
+          </a:bodyPr>
+          <a:lstStyle/>
+          <a:p>
+            <a:r>
+              <a:rPr lang="en-US" altLang="zh-CN" b="1" dirty="0"/>
+              <a:t>Accessing </a:t>
+            </a:r>
+            <a:r>
+              <a:rPr lang="en-US" altLang="zh-CN" b="1"/>
+              <a:t>Particle </a:t>
+            </a:r>
+            <a:r>
+              <a:rPr lang="en-US" altLang="zh-CN" b="1" smtClean="0"/>
+              <a:t>Data</a:t>
+            </a:r>
+            <a:endParaRPr lang="zh-CN" altLang="en-US" dirty="0"/>
+          </a:p>
+        </p:txBody>
+      </p:sp>
+      <p:sp>
+        <p:nvSpPr>
+          <p:cNvPr id="3" name="内容占位符 2"/>
+          <p:cNvSpPr>
+            <a:spLocks noGrp="1"/>
+          </p:cNvSpPr>
+          <p:nvPr>
+            <p:ph idx="1"/>
+          </p:nvPr>
+        </p:nvSpPr>
+        <p:spPr/>
+        <p:txBody>
           <a:bodyPr/>
           <a:lstStyle/>
           <a:p>
+            <a:endParaRPr lang="zh-CN" altLang="en-US"/>
+          </a:p>
+        </p:txBody>
+      </p:sp>
+      <p:sp>
+        <p:nvSpPr>
+          <p:cNvPr id="5" name="矩形 4"/>
+          <p:cNvSpPr/>
+          <p:nvPr/>
+        </p:nvSpPr>
+        <p:spPr>
+          <a:xfrm>
+            <a:off x="1187624" y="2211710"/>
+            <a:ext cx="6750496" cy="1477328"/>
+          </a:xfrm>
+          <a:prstGeom prst="rect">
+            <a:avLst/>
+          </a:prstGeom>
+        </p:spPr>
+        <p:txBody>
+          <a:bodyPr wrap="square">
+            <a:spAutoFit/>
+          </a:bodyPr>
+          <a:lstStyle/>
+          <a:p>
             <a:r>
               <a:rPr lang="en-US" altLang="zh-CN" dirty="0" err="1"/>
-              <a:t>Fricton</a:t>
-            </a:r>
-            <a:r>
-              <a:rPr lang="en-US" altLang="zh-CN" dirty="0"/>
-              <a:t> and Mass Scaling</a:t>
-            </a:r>
-            <a:endParaRPr lang="zh-CN" altLang="en-US" dirty="0"/>
-          </a:p>
-        </p:txBody>
-      </p:sp>
-      <p:sp>
-        <p:nvSpPr>
-          <p:cNvPr id="3" name="内容占位符 2"/>
-          <p:cNvSpPr>
-            <a:spLocks noGrp="1"/>
-          </p:cNvSpPr>
-          <p:nvPr>
-            <p:ph idx="1"/>
-          </p:nvPr>
-        </p:nvSpPr>
-        <p:spPr/>
-        <p:txBody>
-          <a:bodyPr>
-            <a:normAutofit fontScale="70000" lnSpcReduction="20000"/>
-          </a:bodyPr>
-          <a:lstStyle/>
-          <a:p>
+              <a:t>PxClothParticleData</a:t>
+            </a:r>
+            <a:r>
+              <a:rPr lang="en-US" altLang="zh-CN" dirty="0"/>
+              <a:t>* data = </a:t>
+            </a:r>
             <a:r>
               <a:rPr lang="en-US" altLang="zh-CN" dirty="0" err="1"/>
-              <a:t>Coloumb</a:t>
-            </a:r>
-            <a:r>
-              <a:rPr lang="en-US" altLang="zh-CN" dirty="0"/>
-              <a:t> friction can be enabled and will be applied for particle and virtual particle collisions by setting a friction coefficient between 0 and 1:</a:t>
-            </a:r>
-          </a:p>
-          <a:p>
-            <a:pPr lvl="1"/>
+              <a:t>cloth.lockParticleData</a:t>
+            </a:r>
+            <a:r>
+              <a:rPr lang="en-US" altLang="zh-CN" dirty="0"/>
+              <a:t>(</a:t>
+            </a:r>
             <a:r>
               <a:rPr lang="en-US" altLang="zh-CN" dirty="0" err="1"/>
-              <a:t>cloth.setFrictionCoefficient</a:t>
-            </a:r>
-            <a:r>
-              <a:rPr lang="en-US" altLang="zh-CN" dirty="0"/>
-              <a:t>(0.5f); </a:t>
-            </a:r>
-          </a:p>
-          <a:p>
-            <a:r>
-              <a:rPr lang="en-US" altLang="zh-CN" dirty="0"/>
-              <a:t>Additionally, there is an option to artificially increase the mass of colliding particles, this temporary increase in mass can help reduce stretching along edges that are being tightly pulled over a collision </a:t>
-            </a:r>
-            <a:r>
-              <a:rPr lang="en-US" altLang="zh-CN" dirty="0" smtClean="0"/>
-              <a:t>shape</a:t>
-            </a:r>
-          </a:p>
-          <a:p>
-            <a:r>
-              <a:rPr lang="en-US" altLang="zh-CN" dirty="0" smtClean="0"/>
-              <a:t>determined </a:t>
-            </a:r>
-            <a:r>
-              <a:rPr lang="en-US" altLang="zh-CN" dirty="0"/>
-              <a:t>by the relative </a:t>
-            </a:r>
-            <a:r>
-              <a:rPr lang="en-US" altLang="zh-CN" b="1" dirty="0"/>
-              <a:t>normal velocity </a:t>
-            </a:r>
-            <a:r>
-              <a:rPr lang="en-US" altLang="zh-CN" dirty="0"/>
-              <a:t>of the particle and </a:t>
-            </a:r>
-            <a:r>
-              <a:rPr lang="en-US" altLang="zh-CN" b="1" dirty="0"/>
-              <a:t>collision shape </a:t>
-            </a:r>
-            <a:r>
-              <a:rPr lang="en-US" altLang="zh-CN" dirty="0"/>
-              <a:t>and a </a:t>
-            </a:r>
-            <a:r>
-              <a:rPr lang="en-US" altLang="zh-CN" b="1" dirty="0"/>
-              <a:t>user defined </a:t>
-            </a:r>
-            <a:r>
-              <a:rPr lang="en-US" altLang="zh-CN" b="1" dirty="0" smtClean="0"/>
-              <a:t>coefficient</a:t>
-            </a:r>
-            <a:endParaRPr lang="en-US" altLang="zh-CN" b="1" dirty="0"/>
-          </a:p>
-          <a:p>
-            <a:pPr lvl="1"/>
+              <a:t>PxDataAccessFlag</a:t>
+            </a:r>
+            <a:r>
+              <a:rPr lang="en-US" altLang="zh-CN" dirty="0"/>
+              <a:t>::</a:t>
+            </a:r>
             <a:r>
               <a:rPr lang="en-US" altLang="zh-CN" dirty="0" err="1"/>
-              <a:t>cloth.setCollisionMassScale</a:t>
-            </a:r>
-            <a:r>
-              <a:rPr lang="en-US" altLang="zh-CN" dirty="0"/>
-              <a:t>(20.0f); </a:t>
-            </a:r>
-          </a:p>
-          <a:p>
+              <a:t>eWRITABLE</a:t>
+            </a:r>
+            <a:r>
+              <a:rPr lang="en-US" altLang="zh-CN" dirty="0"/>
+              <a:t>); float </a:t>
+            </a:r>
+            <a:r>
+              <a:rPr lang="en-US" altLang="zh-CN" dirty="0" err="1"/>
+              <a:t>dt</a:t>
+            </a:r>
+            <a:r>
+              <a:rPr lang="en-US" altLang="zh-CN" dirty="0"/>
+              <a:t> = </a:t>
+            </a:r>
+            <a:r>
+              <a:rPr lang="en-US" altLang="zh-CN" dirty="0" err="1"/>
+              <a:t>cloth.getPreviousTimeStep</a:t>
+            </a:r>
+            <a:r>
+              <a:rPr lang="en-US" altLang="zh-CN" dirty="0"/>
+              <a:t>(); for(PxU32 </a:t>
+            </a:r>
+            <a:r>
+              <a:rPr lang="en-US" altLang="zh-CN" dirty="0" err="1"/>
+              <a:t>i</a:t>
+            </a:r>
+            <a:r>
+              <a:rPr lang="en-US" altLang="zh-CN" dirty="0"/>
+              <a:t> = 0, n = </a:t>
+            </a:r>
+            <a:r>
+              <a:rPr lang="en-US" altLang="zh-CN" dirty="0" err="1"/>
+              <a:t>cloth.getNbParticles</a:t>
+            </a:r>
+            <a:r>
+              <a:rPr lang="en-US" altLang="zh-CN" dirty="0"/>
+              <a:t>(); </a:t>
+            </a:r>
+            <a:r>
+              <a:rPr lang="en-US" altLang="zh-CN" dirty="0" err="1"/>
+              <a:t>i</a:t>
+            </a:r>
+            <a:r>
+              <a:rPr lang="en-US" altLang="zh-CN" dirty="0"/>
+              <a:t> &lt; n; ++</a:t>
+            </a:r>
+            <a:r>
+              <a:rPr lang="en-US" altLang="zh-CN" dirty="0" err="1"/>
+              <a:t>i</a:t>
+            </a:r>
+            <a:r>
+              <a:rPr lang="en-US" altLang="zh-CN" dirty="0"/>
+              <a:t>) { data-&gt;</a:t>
+            </a:r>
+            <a:r>
+              <a:rPr lang="en-US" altLang="zh-CN" dirty="0" err="1"/>
+              <a:t>previousParticles</a:t>
+            </a:r>
+            <a:r>
+              <a:rPr lang="en-US" altLang="zh-CN" dirty="0"/>
+              <a:t>[</a:t>
+            </a:r>
+            <a:r>
+              <a:rPr lang="en-US" altLang="zh-CN" dirty="0" err="1"/>
+              <a:t>i</a:t>
+            </a:r>
+            <a:r>
+              <a:rPr lang="en-US" altLang="zh-CN" dirty="0"/>
+              <a:t>].</a:t>
+            </a:r>
+            <a:r>
+              <a:rPr lang="en-US" altLang="zh-CN" dirty="0" err="1"/>
+              <a:t>pos</a:t>
+            </a:r>
+            <a:r>
+              <a:rPr lang="en-US" altLang="zh-CN" dirty="0"/>
+              <a:t> -= </a:t>
+            </a:r>
+            <a:r>
+              <a:rPr lang="en-US" altLang="zh-CN" dirty="0" err="1"/>
+              <a:t>particleAccelations</a:t>
+            </a:r>
+            <a:r>
+              <a:rPr lang="en-US" altLang="zh-CN" dirty="0"/>
+              <a:t>[</a:t>
+            </a:r>
+            <a:r>
+              <a:rPr lang="en-US" altLang="zh-CN" dirty="0" err="1"/>
+              <a:t>i</a:t>
+            </a:r>
+            <a:r>
+              <a:rPr lang="en-US" altLang="zh-CN" dirty="0"/>
+              <a:t>] * </a:t>
+            </a:r>
+            <a:r>
+              <a:rPr lang="en-US" altLang="zh-CN" dirty="0" err="1"/>
+              <a:t>dt</a:t>
+            </a:r>
+            <a:r>
+              <a:rPr lang="en-US" altLang="zh-CN" dirty="0"/>
+              <a:t>; } data-&gt;unlock(); </a:t>
+            </a:r>
             <a:endParaRPr lang="zh-CN" altLang="en-US" dirty="0"/>
           </a:p>
         </p:txBody>
@@ -7311,361 +8809,13 @@
     </p:spTree>
     <p:extLst>
       <p:ext uri="{BB962C8B-B14F-4D97-AF65-F5344CB8AC3E}">
-        <p14:creationId xmlns:p14="http://schemas.microsoft.com/office/powerpoint/2010/main" val="2607650324"/>
+        <p14:creationId xmlns:p14="http://schemas.microsoft.com/office/powerpoint/2010/main" val="2601732012"/>
       </p:ext>
     </p:extLst>
   </p:cSld>
   <p:clrMapOvr>
     <a:masterClrMapping/>
   </p:clrMapOvr>
-  <p:timing>
-    <p:tnLst>
-      <p:par>
-        <p:cTn id="1" dur="indefinite" restart="never" nodeType="tmRoot"/>
-      </p:par>
-    </p:tnLst>
-  </p:timing>
-</p:sld>
-</file>
-
-<file path=ppt/slides/slide25.xml><?xml version="1.0" encoding="utf-8"?>
-<p:sld xmlns:a="http://schemas.openxmlformats.org/drawingml/2006/main" xmlns:r="http://schemas.openxmlformats.org/officeDocument/2006/relationships" xmlns:p="http://schemas.openxmlformats.org/presentationml/2006/main">
-  <p:cSld>
-    <p:spTree>
-      <p:nvGrpSpPr>
-        <p:cNvPr id="1" name=""/>
-        <p:cNvGrpSpPr/>
-        <p:nvPr/>
-      </p:nvGrpSpPr>
-      <p:grpSpPr>
-        <a:xfrm>
-          <a:off x="0" y="0"/>
-          <a:ext cx="0" cy="0"/>
-          <a:chOff x="0" y="0"/>
-          <a:chExt cx="0" cy="0"/>
-        </a:xfrm>
-      </p:grpSpPr>
-      <p:sp>
-        <p:nvSpPr>
-          <p:cNvPr id="2" name="标题 1"/>
-          <p:cNvSpPr>
-            <a:spLocks noGrp="1"/>
-          </p:cNvSpPr>
-          <p:nvPr>
-            <p:ph type="title"/>
-          </p:nvPr>
-        </p:nvSpPr>
-        <p:spPr/>
-        <p:txBody>
-          <a:bodyPr/>
-          <a:lstStyle/>
-          <a:p>
-            <a:r>
-              <a:rPr lang="en-US" altLang="zh-CN" dirty="0"/>
-              <a:t>Using GPU Cloth</a:t>
-            </a:r>
-            <a:endParaRPr lang="zh-CN" altLang="en-US" dirty="0"/>
-          </a:p>
-        </p:txBody>
-      </p:sp>
-      <p:sp>
-        <p:nvSpPr>
-          <p:cNvPr id="3" name="内容占位符 2"/>
-          <p:cNvSpPr>
-            <a:spLocks noGrp="1"/>
-          </p:cNvSpPr>
-          <p:nvPr>
-            <p:ph idx="1"/>
-          </p:nvPr>
-        </p:nvSpPr>
-        <p:spPr/>
-        <p:txBody>
-          <a:bodyPr/>
-          <a:lstStyle/>
-          <a:p>
-            <a:r>
-              <a:rPr lang="en-US" altLang="zh-CN" dirty="0"/>
-              <a:t>Cloth can be simulated on a CUDA enabled GPU, by setting the corresponding flag</a:t>
-            </a:r>
-            <a:r>
-              <a:rPr lang="en-US" altLang="zh-CN" dirty="0" smtClean="0"/>
-              <a:t>:</a:t>
-            </a:r>
-          </a:p>
-          <a:p>
-            <a:endParaRPr lang="en-US" altLang="zh-CN" dirty="0"/>
-          </a:p>
-          <a:p>
-            <a:r>
-              <a:rPr lang="en-US" altLang="zh-CN" dirty="0"/>
-              <a:t>When no CUDA capable GPU is available PhysX will issue a warning, and subsequent simulations will be run on CPU.</a:t>
-            </a:r>
-          </a:p>
-          <a:p>
-            <a:endParaRPr lang="en-US" altLang="zh-CN" dirty="0"/>
-          </a:p>
-          <a:p>
-            <a:endParaRPr lang="zh-CN" altLang="en-US" dirty="0"/>
-          </a:p>
-        </p:txBody>
-      </p:sp>
-      <p:pic>
-        <p:nvPicPr>
-          <p:cNvPr id="8194" name="Picture 2"/>
-          <p:cNvPicPr>
-            <a:picLocks noChangeAspect="1" noChangeArrowheads="1"/>
-          </p:cNvPicPr>
-          <p:nvPr/>
-        </p:nvPicPr>
-        <p:blipFill>
-          <a:blip r:embed="rId2">
-            <a:extLst>
-              <a:ext uri="{28A0092B-C50C-407E-A947-70E740481C1C}">
-                <a14:useLocalDpi xmlns:a14="http://schemas.microsoft.com/office/drawing/2010/main" val="0"/>
-              </a:ext>
-            </a:extLst>
-          </a:blip>
-          <a:srcRect/>
-          <a:stretch>
-            <a:fillRect/>
-          </a:stretch>
-        </p:blipFill>
-        <p:spPr bwMode="auto">
-          <a:xfrm>
-            <a:off x="2699793" y="2085697"/>
-            <a:ext cx="3475037" cy="126206"/>
-          </a:xfrm>
-          <a:prstGeom prst="rect">
-            <a:avLst/>
-          </a:prstGeom>
-          <a:noFill/>
-          <a:ln>
-            <a:noFill/>
-          </a:ln>
-          <a:extLst>
-            <a:ext uri="{909E8E84-426E-40DD-AFC4-6F175D3DCCD1}">
-              <a14:hiddenFill xmlns:a14="http://schemas.microsoft.com/office/drawing/2010/main">
-                <a:solidFill>
-                  <a:schemeClr val="accent1"/>
-                </a:solidFill>
-              </a14:hiddenFill>
-            </a:ext>
-            <a:ext uri="{91240B29-F687-4F45-9708-019B960494DF}">
-              <a14:hiddenLine xmlns:a14="http://schemas.microsoft.com/office/drawing/2010/main" w="9525">
-                <a:solidFill>
-                  <a:schemeClr val="tx1"/>
-                </a:solidFill>
-                <a:miter lim="800000"/>
-                <a:headEnd/>
-                <a:tailEnd/>
-              </a14:hiddenLine>
-            </a:ext>
-          </a:extLst>
-        </p:spPr>
-      </p:pic>
-    </p:spTree>
-    <p:extLst>
-      <p:ext uri="{BB962C8B-B14F-4D97-AF65-F5344CB8AC3E}">
-        <p14:creationId xmlns:p14="http://schemas.microsoft.com/office/powerpoint/2010/main" val="1925513095"/>
-      </p:ext>
-    </p:extLst>
-  </p:cSld>
-  <p:clrMapOvr>
-    <a:masterClrMapping/>
-  </p:clrMapOvr>
-  <p:timing>
-    <p:tnLst>
-      <p:par>
-        <p:cTn id="1" dur="indefinite" restart="never" nodeType="tmRoot"/>
-      </p:par>
-    </p:tnLst>
-  </p:timing>
-</p:sld>
-</file>
-
-<file path=ppt/slides/slide3.xml><?xml version="1.0" encoding="utf-8"?>
-<p:sld xmlns:a="http://schemas.openxmlformats.org/drawingml/2006/main" xmlns:r="http://schemas.openxmlformats.org/officeDocument/2006/relationships" xmlns:p="http://schemas.openxmlformats.org/presentationml/2006/main">
-  <p:cSld>
-    <p:spTree>
-      <p:nvGrpSpPr>
-        <p:cNvPr id="1" name=""/>
-        <p:cNvGrpSpPr/>
-        <p:nvPr/>
-      </p:nvGrpSpPr>
-      <p:grpSpPr>
-        <a:xfrm>
-          <a:off x="0" y="0"/>
-          <a:ext cx="0" cy="0"/>
-          <a:chOff x="0" y="0"/>
-          <a:chExt cx="0" cy="0"/>
-        </a:xfrm>
-      </p:grpSpPr>
-      <p:sp>
-        <p:nvSpPr>
-          <p:cNvPr id="2" name="标题 1"/>
-          <p:cNvSpPr>
-            <a:spLocks noGrp="1"/>
-          </p:cNvSpPr>
-          <p:nvPr>
-            <p:ph type="title"/>
-          </p:nvPr>
-        </p:nvSpPr>
-        <p:spPr/>
-        <p:txBody>
-          <a:bodyPr>
-            <a:normAutofit/>
-          </a:bodyPr>
-          <a:lstStyle/>
-          <a:p>
-            <a:r>
-              <a:rPr lang="en-US" altLang="zh-CN" dirty="0"/>
-              <a:t>Cloth Creation </a:t>
-            </a:r>
-            <a:r>
-              <a:rPr lang="en-US" altLang="zh-CN" dirty="0" smtClean="0"/>
-              <a:t>Overview</a:t>
-            </a:r>
-            <a:endParaRPr lang="zh-CN" altLang="en-US" dirty="0"/>
-          </a:p>
-        </p:txBody>
-      </p:sp>
-      <p:sp>
-        <p:nvSpPr>
-          <p:cNvPr id="3" name="内容占位符 2"/>
-          <p:cNvSpPr>
-            <a:spLocks noGrp="1"/>
-          </p:cNvSpPr>
-          <p:nvPr>
-            <p:ph idx="1"/>
-          </p:nvPr>
-        </p:nvSpPr>
-        <p:spPr/>
-        <p:txBody>
-          <a:bodyPr>
-            <a:normAutofit fontScale="70000" lnSpcReduction="20000"/>
-          </a:bodyPr>
-          <a:lstStyle/>
-          <a:p>
-            <a:r>
-              <a:rPr lang="en-US" altLang="zh-CN" dirty="0" smtClean="0"/>
-              <a:t>The </a:t>
-            </a:r>
-            <a:r>
-              <a:rPr lang="en-US" altLang="zh-CN" dirty="0"/>
-              <a:t>cloth constraint connectivity and rest values are stored in a fabric instance (</a:t>
-            </a:r>
-            <a:r>
-              <a:rPr lang="en-US" altLang="zh-CN" dirty="0" err="1"/>
-              <a:t>PxClothFabric</a:t>
-            </a:r>
-            <a:r>
-              <a:rPr lang="en-US" altLang="zh-CN" dirty="0" smtClean="0"/>
-              <a:t>)</a:t>
-            </a:r>
-          </a:p>
-          <a:p>
-            <a:r>
-              <a:rPr lang="en-US" altLang="zh-CN" dirty="0" smtClean="0"/>
-              <a:t>separate </a:t>
-            </a:r>
-            <a:r>
-              <a:rPr lang="en-US" altLang="zh-CN" dirty="0"/>
-              <a:t>from the cloth actor (</a:t>
-            </a:r>
-            <a:r>
-              <a:rPr lang="en-US" altLang="zh-CN" dirty="0" err="1" smtClean="0"/>
-              <a:t>PxCloth</a:t>
-            </a:r>
-            <a:r>
-              <a:rPr lang="en-US" altLang="zh-CN" dirty="0" smtClean="0"/>
-              <a:t>)</a:t>
-            </a:r>
-          </a:p>
-          <a:p>
-            <a:r>
-              <a:rPr lang="en-US" altLang="zh-CN" dirty="0" err="1" smtClean="0"/>
-              <a:t>PxClothFabricCreate</a:t>
-            </a:r>
-            <a:r>
-              <a:rPr lang="en-US" altLang="zh-CN" dirty="0"/>
-              <a:t>, in the extensions library, creates a fabric from a triangle or quad mesh (see </a:t>
-            </a:r>
-            <a:r>
-              <a:rPr lang="en-US" altLang="zh-CN" dirty="0" err="1"/>
-              <a:t>PxClothMeshDesc</a:t>
-            </a:r>
-            <a:r>
-              <a:rPr lang="en-US" altLang="zh-CN" dirty="0" smtClean="0"/>
-              <a:t>)</a:t>
-            </a:r>
-          </a:p>
-          <a:p>
-            <a:r>
-              <a:rPr lang="en-US" altLang="zh-CN" dirty="0" smtClean="0"/>
-              <a:t>The </a:t>
-            </a:r>
-            <a:r>
-              <a:rPr lang="en-US" altLang="zh-CN" dirty="0"/>
-              <a:t>cloth actor itself is created through the physics instance (</a:t>
-            </a:r>
-            <a:r>
-              <a:rPr lang="en-US" altLang="zh-CN" dirty="0" err="1"/>
-              <a:t>PxPhysics</a:t>
-            </a:r>
-            <a:r>
-              <a:rPr lang="en-US" altLang="zh-CN" dirty="0"/>
-              <a:t>) and needs to be added to a scene (</a:t>
-            </a:r>
-            <a:r>
-              <a:rPr lang="en-US" altLang="zh-CN" dirty="0" err="1"/>
-              <a:t>PxScene</a:t>
-            </a:r>
-            <a:r>
-              <a:rPr lang="en-US" altLang="zh-CN" dirty="0"/>
-              <a:t>) in order to be </a:t>
-            </a:r>
-            <a:r>
-              <a:rPr lang="en-US" altLang="zh-CN" dirty="0" smtClean="0"/>
-              <a:t>simulated</a:t>
-            </a:r>
-          </a:p>
-          <a:p>
-            <a:r>
-              <a:rPr lang="en-US" altLang="zh-CN" dirty="0" smtClean="0"/>
-              <a:t>Once </a:t>
-            </a:r>
-            <a:r>
-              <a:rPr lang="en-US" altLang="zh-CN" dirty="0"/>
-              <a:t>the cloth actor is created, users can assign simulation settings such as collision data, constraint stiffness, solver frequency and </a:t>
-            </a:r>
-            <a:r>
-              <a:rPr lang="en-US" altLang="zh-CN" dirty="0" smtClean="0"/>
-              <a:t>self-collision</a:t>
-            </a:r>
-            <a:endParaRPr lang="en-US" altLang="zh-CN" dirty="0"/>
-          </a:p>
-          <a:p>
-            <a:endParaRPr lang="zh-CN" altLang="en-US" dirty="0"/>
-          </a:p>
-        </p:txBody>
-      </p:sp>
-    </p:spTree>
-    <p:extLst>
-      <p:ext uri="{BB962C8B-B14F-4D97-AF65-F5344CB8AC3E}">
-        <p14:creationId xmlns:p14="http://schemas.microsoft.com/office/powerpoint/2010/main" val="1249264974"/>
-      </p:ext>
-    </p:extLst>
-  </p:cSld>
-  <p:clrMapOvr>
-    <a:masterClrMapping/>
-  </p:clrMapOvr>
-  <p:timing>
-    <p:tnLst>
-      <p:par>
-        <p:cTn id="1" dur="indefinite" restart="never" nodeType="tmRoot"/>
-      </p:par>
-    </p:tnLst>
-  </p:timing>
 </p:sld>
 </file>
 
@@ -7771,7 +8921,7 @@
         </p:blipFill>
         <p:spPr bwMode="auto">
           <a:xfrm>
-            <a:off x="2267745" y="2139702"/>
+            <a:off x="2267745" y="2188815"/>
             <a:ext cx="4100513" cy="2543175"/>
           </a:xfrm>
           <a:prstGeom prst="rect">
